--- a/210218_React_2.pptx
+++ b/210218_React_2.pptx
@@ -39,29 +39,13 @@
   <p:notesSz cx="6858000" cy="9144000"/>
   <p:embeddedFontLst>
     <p:embeddedFont>
-      <p:font typeface="Abadi" panose="020B0604020104020204" pitchFamily="34" charset="0"/>
+      <p:font typeface="배달의민족 주아" panose="02020603020101020101" pitchFamily="18" charset="-127"/>
       <p:regular r:id="rId27"/>
     </p:embeddedFont>
     <p:embeddedFont>
-      <p:font typeface="Consolas" panose="020B0609020204030204" pitchFamily="49" charset="0"/>
+      <p:font typeface="빙그레 메로나체" panose="020B0503000000000000" pitchFamily="50" charset="-127"/>
       <p:regular r:id="rId28"/>
       <p:bold r:id="rId29"/>
-      <p:italic r:id="rId30"/>
-      <p:boldItalic r:id="rId31"/>
-    </p:embeddedFont>
-    <p:embeddedFont>
-      <p:font typeface="맑은 고딕" panose="020B0503020000020004" pitchFamily="50" charset="-127"/>
-      <p:regular r:id="rId32"/>
-      <p:bold r:id="rId33"/>
-    </p:embeddedFont>
-    <p:embeddedFont>
-      <p:font typeface="배달의민족 주아" panose="02020603020101020101" pitchFamily="18" charset="-127"/>
-      <p:regular r:id="rId34"/>
-    </p:embeddedFont>
-    <p:embeddedFont>
-      <p:font typeface="빙그레 메로나체" panose="020B0503000000000000" pitchFamily="50" charset="-127"/>
-      <p:regular r:id="rId35"/>
-      <p:bold r:id="rId36"/>
     </p:embeddedFont>
   </p:embeddedFontLst>
   <p:defaultTextStyle>
@@ -1235,6 +1219,60 @@
           <a:lstStyle/>
           <a:p>
             <a:pPr marL="0" algn="l" defTabSz="914400" rtl="0" eaLnBrk="1" latinLnBrk="1" hangingPunct="1"/>
+            <a:r>
+              <a:rPr lang="ko-KR" altLang="en-US" sz="2800" b="0" i="0">
+                <a:solidFill>
+                  <a:srgbClr val="000000"/>
+                </a:solidFill>
+                <a:effectLst/>
+              </a:rPr>
+              <a:t>컴포넌트의 상태 업데이트 로직을 컴포넌트에서 분리시킬 수도 있습니다</a:t>
+            </a:r>
+            <a:r>
+              <a:rPr lang="en-US" altLang="ko-KR" sz="2800" b="0" i="0">
+                <a:solidFill>
+                  <a:srgbClr val="000000"/>
+                </a:solidFill>
+                <a:effectLst/>
+              </a:rPr>
+              <a:t>. </a:t>
+            </a:r>
+            <a:r>
+              <a:rPr lang="ko-KR" altLang="en-US" sz="2800" b="0" i="0">
+                <a:solidFill>
+                  <a:srgbClr val="000000"/>
+                </a:solidFill>
+                <a:effectLst/>
+              </a:rPr>
+              <a:t>상태 업데이트 로직을 컴포넌트 바깥에 작성할 수있고</a:t>
+            </a:r>
+            <a:r>
+              <a:rPr lang="en-US" altLang="ko-KR" sz="2800" b="0" i="0">
+                <a:solidFill>
+                  <a:srgbClr val="000000"/>
+                </a:solidFill>
+                <a:effectLst/>
+              </a:rPr>
+              <a:t>, </a:t>
+            </a:r>
+            <a:r>
+              <a:rPr lang="ko-KR" altLang="en-US" sz="2800" b="0" i="0">
+                <a:solidFill>
+                  <a:srgbClr val="000000"/>
+                </a:solidFill>
+                <a:effectLst/>
+              </a:rPr>
+              <a:t>다른 파일에서 작성한다음 불러와서 사용할수도 있다고 합니다</a:t>
+            </a:r>
+            <a:r>
+              <a:rPr lang="en-US" altLang="ko-KR" sz="2800" b="0" i="0">
+                <a:solidFill>
+                  <a:srgbClr val="000000"/>
+                </a:solidFill>
+                <a:effectLst/>
+              </a:rPr>
+              <a:t>.</a:t>
+            </a:r>
             <a:endParaRPr lang="en-US" altLang="ko-KR" sz="1800" kern="1200">
               <a:ln>
                 <a:solidFill>
@@ -3146,7 +3184,6 @@
                   <a:srgbClr val="222426"/>
                 </a:solidFill>
                 <a:effectLst/>
-                <a:latin typeface="Abadi" panose="020B0604020104020204" pitchFamily="34" charset="0"/>
               </a:rPr>
               <a:t>useEffect</a:t>
             </a:r>
@@ -3156,7 +3193,6 @@
                   <a:srgbClr val="222426"/>
                 </a:solidFill>
                 <a:effectLst/>
-                <a:latin typeface="Abadi" panose="020B0604020104020204" pitchFamily="34" charset="0"/>
               </a:rPr>
               <a:t>이용시 렌더링이 될때 깜빡이는 현상이 발생 할 수 있다</a:t>
             </a:r>
@@ -3166,7 +3202,6 @@
                   <a:srgbClr val="222426"/>
                 </a:solidFill>
                 <a:effectLst/>
-                <a:latin typeface="Abadi" panose="020B0604020104020204" pitchFamily="34" charset="0"/>
               </a:rPr>
               <a:t>.</a:t>
             </a:r>
@@ -3182,7 +3217,6 @@
                   <a:srgbClr val="222426"/>
                 </a:solidFill>
                 <a:effectLst/>
-                <a:latin typeface="Abadi" panose="020B0604020104020204" pitchFamily="34" charset="0"/>
               </a:rPr>
               <a:t>시각적으로 이를 방지하고 싶을때 사용</a:t>
             </a:r>
@@ -11695,7 +11729,7 @@
         </p:nvSpPr>
         <p:spPr>
           <a:xfrm>
-            <a:off x="2790190" y="1211105"/>
+            <a:off x="640080" y="2192021"/>
             <a:ext cx="9401810" cy="1477328"/>
           </a:xfrm>
           <a:prstGeom prst="rect">
@@ -11833,6 +11867,2595 @@
                   </a:schemeClr>
                 </a:solidFill>
               </a:ln>
+              <a:latin typeface="빙그레 메로나체" panose="020B0503000000000000" pitchFamily="50" charset="-127"/>
+              <a:ea typeface="빙그레 메로나체" panose="020B0503000000000000" pitchFamily="50" charset="-127"/>
+            </a:endParaRPr>
+          </a:p>
+        </p:txBody>
+      </p:sp>
+      <p:sp>
+        <p:nvSpPr>
+          <p:cNvPr id="11" name="TextBox 10">
+            <a:extLst>
+              <a:ext uri="{FF2B5EF4-FFF2-40B4-BE49-F238E27FC236}">
+                <a16:creationId xmlns:a16="http://schemas.microsoft.com/office/drawing/2014/main" id="{1F91F5A5-A465-497F-ACF4-4387409AD435}"/>
+              </a:ext>
+            </a:extLst>
+          </p:cNvPr>
+          <p:cNvSpPr txBox="1"/>
+          <p:nvPr/>
+        </p:nvSpPr>
+        <p:spPr>
+          <a:xfrm>
+            <a:off x="5525193" y="606971"/>
+            <a:ext cx="6151418" cy="5909310"/>
+          </a:xfrm>
+          <a:prstGeom prst="rect">
+            <a:avLst/>
+          </a:prstGeom>
+          <a:solidFill>
+            <a:schemeClr val="tx1"/>
+          </a:solidFill>
+        </p:spPr>
+        <p:txBody>
+          <a:bodyPr wrap="square">
+            <a:spAutoFit/>
+          </a:bodyPr>
+          <a:lstStyle/>
+          <a:p>
+            <a:r>
+              <a:rPr lang="en-US" altLang="ko-KR" sz="1400" b="0" i="1">
+                <a:solidFill>
+                  <a:srgbClr val="89DDFF"/>
+                </a:solidFill>
+                <a:effectLst/>
+                <a:latin typeface="빙그레 메로나체" panose="020B0503000000000000" pitchFamily="50" charset="-127"/>
+                <a:ea typeface="빙그레 메로나체" panose="020B0503000000000000" pitchFamily="50" charset="-127"/>
+              </a:rPr>
+              <a:t>import</a:t>
+            </a:r>
+            <a:r>
+              <a:rPr lang="en-US" altLang="ko-KR" sz="1400" b="0">
+                <a:solidFill>
+                  <a:srgbClr val="EEFFFF"/>
+                </a:solidFill>
+                <a:effectLst/>
+                <a:latin typeface="빙그레 메로나체" panose="020B0503000000000000" pitchFamily="50" charset="-127"/>
+                <a:ea typeface="빙그레 메로나체" panose="020B0503000000000000" pitchFamily="50" charset="-127"/>
+              </a:rPr>
+              <a:t> React</a:t>
+            </a:r>
+            <a:r>
+              <a:rPr lang="en-US" altLang="ko-KR" sz="1400" b="0">
+                <a:solidFill>
+                  <a:srgbClr val="89DDFF"/>
+                </a:solidFill>
+                <a:effectLst/>
+                <a:latin typeface="빙그레 메로나체" panose="020B0503000000000000" pitchFamily="50" charset="-127"/>
+                <a:ea typeface="빙그레 메로나체" panose="020B0503000000000000" pitchFamily="50" charset="-127"/>
+              </a:rPr>
+              <a:t>,</a:t>
+            </a:r>
+            <a:r>
+              <a:rPr lang="en-US" altLang="ko-KR" sz="1400" b="0">
+                <a:solidFill>
+                  <a:srgbClr val="EEFFFF"/>
+                </a:solidFill>
+                <a:effectLst/>
+                <a:latin typeface="빙그레 메로나체" panose="020B0503000000000000" pitchFamily="50" charset="-127"/>
+                <a:ea typeface="빙그레 메로나체" panose="020B0503000000000000" pitchFamily="50" charset="-127"/>
+              </a:rPr>
+              <a:t> </a:t>
+            </a:r>
+            <a:r>
+              <a:rPr lang="en-US" altLang="ko-KR" sz="1400" b="0">
+                <a:solidFill>
+                  <a:srgbClr val="89DDFF"/>
+                </a:solidFill>
+                <a:effectLst/>
+                <a:latin typeface="빙그레 메로나체" panose="020B0503000000000000" pitchFamily="50" charset="-127"/>
+                <a:ea typeface="빙그레 메로나체" panose="020B0503000000000000" pitchFamily="50" charset="-127"/>
+              </a:rPr>
+              <a:t>{</a:t>
+            </a:r>
+            <a:r>
+              <a:rPr lang="en-US" altLang="ko-KR" sz="1400" b="0">
+                <a:solidFill>
+                  <a:srgbClr val="F07178"/>
+                </a:solidFill>
+                <a:effectLst/>
+                <a:latin typeface="빙그레 메로나체" panose="020B0503000000000000" pitchFamily="50" charset="-127"/>
+                <a:ea typeface="빙그레 메로나체" panose="020B0503000000000000" pitchFamily="50" charset="-127"/>
+              </a:rPr>
+              <a:t> </a:t>
+            </a:r>
+            <a:r>
+              <a:rPr lang="en-US" altLang="ko-KR" sz="1400" b="0">
+                <a:solidFill>
+                  <a:srgbClr val="EEFFFF"/>
+                </a:solidFill>
+                <a:effectLst/>
+                <a:latin typeface="빙그레 메로나체" panose="020B0503000000000000" pitchFamily="50" charset="-127"/>
+                <a:ea typeface="빙그레 메로나체" panose="020B0503000000000000" pitchFamily="50" charset="-127"/>
+              </a:rPr>
+              <a:t>useReducer</a:t>
+            </a:r>
+            <a:r>
+              <a:rPr lang="en-US" altLang="ko-KR" sz="1400" b="0">
+                <a:solidFill>
+                  <a:srgbClr val="F07178"/>
+                </a:solidFill>
+                <a:effectLst/>
+                <a:latin typeface="빙그레 메로나체" panose="020B0503000000000000" pitchFamily="50" charset="-127"/>
+                <a:ea typeface="빙그레 메로나체" panose="020B0503000000000000" pitchFamily="50" charset="-127"/>
+              </a:rPr>
+              <a:t> </a:t>
+            </a:r>
+            <a:r>
+              <a:rPr lang="en-US" altLang="ko-KR" sz="1400" b="0">
+                <a:solidFill>
+                  <a:srgbClr val="89DDFF"/>
+                </a:solidFill>
+                <a:effectLst/>
+                <a:latin typeface="빙그레 메로나체" panose="020B0503000000000000" pitchFamily="50" charset="-127"/>
+                <a:ea typeface="빙그레 메로나체" panose="020B0503000000000000" pitchFamily="50" charset="-127"/>
+              </a:rPr>
+              <a:t>}</a:t>
+            </a:r>
+            <a:r>
+              <a:rPr lang="en-US" altLang="ko-KR" sz="1400" b="0">
+                <a:solidFill>
+                  <a:srgbClr val="EEFFFF"/>
+                </a:solidFill>
+                <a:effectLst/>
+                <a:latin typeface="빙그레 메로나체" panose="020B0503000000000000" pitchFamily="50" charset="-127"/>
+                <a:ea typeface="빙그레 메로나체" panose="020B0503000000000000" pitchFamily="50" charset="-127"/>
+              </a:rPr>
+              <a:t> </a:t>
+            </a:r>
+            <a:r>
+              <a:rPr lang="en-US" altLang="ko-KR" sz="1400" b="0" i="1">
+                <a:solidFill>
+                  <a:srgbClr val="89DDFF"/>
+                </a:solidFill>
+                <a:effectLst/>
+                <a:latin typeface="빙그레 메로나체" panose="020B0503000000000000" pitchFamily="50" charset="-127"/>
+                <a:ea typeface="빙그레 메로나체" panose="020B0503000000000000" pitchFamily="50" charset="-127"/>
+              </a:rPr>
+              <a:t>from</a:t>
+            </a:r>
+            <a:r>
+              <a:rPr lang="en-US" altLang="ko-KR" sz="1400" b="0">
+                <a:solidFill>
+                  <a:srgbClr val="EEFFFF"/>
+                </a:solidFill>
+                <a:effectLst/>
+                <a:latin typeface="빙그레 메로나체" panose="020B0503000000000000" pitchFamily="50" charset="-127"/>
+                <a:ea typeface="빙그레 메로나체" panose="020B0503000000000000" pitchFamily="50" charset="-127"/>
+              </a:rPr>
+              <a:t> </a:t>
+            </a:r>
+            <a:r>
+              <a:rPr lang="en-US" altLang="ko-KR" sz="1400" b="0">
+                <a:solidFill>
+                  <a:srgbClr val="89DDFF"/>
+                </a:solidFill>
+                <a:effectLst/>
+                <a:latin typeface="빙그레 메로나체" panose="020B0503000000000000" pitchFamily="50" charset="-127"/>
+                <a:ea typeface="빙그레 메로나체" panose="020B0503000000000000" pitchFamily="50" charset="-127"/>
+              </a:rPr>
+              <a:t>"</a:t>
+            </a:r>
+            <a:r>
+              <a:rPr lang="en-US" altLang="ko-KR" sz="1400" b="0">
+                <a:solidFill>
+                  <a:srgbClr val="C3E88D"/>
+                </a:solidFill>
+                <a:effectLst/>
+                <a:latin typeface="빙그레 메로나체" panose="020B0503000000000000" pitchFamily="50" charset="-127"/>
+                <a:ea typeface="빙그레 메로나체" panose="020B0503000000000000" pitchFamily="50" charset="-127"/>
+              </a:rPr>
+              <a:t>react</a:t>
+            </a:r>
+            <a:r>
+              <a:rPr lang="en-US" altLang="ko-KR" sz="1400" b="0">
+                <a:solidFill>
+                  <a:srgbClr val="89DDFF"/>
+                </a:solidFill>
+                <a:effectLst/>
+                <a:latin typeface="빙그레 메로나체" panose="020B0503000000000000" pitchFamily="50" charset="-127"/>
+                <a:ea typeface="빙그레 메로나체" panose="020B0503000000000000" pitchFamily="50" charset="-127"/>
+              </a:rPr>
+              <a:t>";</a:t>
+            </a:r>
+            <a:endParaRPr lang="en-US" altLang="ko-KR" sz="1400" b="0">
+              <a:solidFill>
+                <a:srgbClr val="EEFFFF"/>
+              </a:solidFill>
+              <a:effectLst/>
+              <a:latin typeface="빙그레 메로나체" panose="020B0503000000000000" pitchFamily="50" charset="-127"/>
+              <a:ea typeface="빙그레 메로나체" panose="020B0503000000000000" pitchFamily="50" charset="-127"/>
+            </a:endParaRPr>
+          </a:p>
+          <a:p>
+            <a:br>
+              <a:rPr lang="en-US" altLang="ko-KR" sz="1400" b="0">
+                <a:solidFill>
+                  <a:srgbClr val="EEFFFF"/>
+                </a:solidFill>
+                <a:effectLst/>
+                <a:latin typeface="빙그레 메로나체" panose="020B0503000000000000" pitchFamily="50" charset="-127"/>
+                <a:ea typeface="빙그레 메로나체" panose="020B0503000000000000" pitchFamily="50" charset="-127"/>
+              </a:rPr>
+            </a:br>
+            <a:r>
+              <a:rPr lang="en-US" altLang="ko-KR" sz="1400" b="0">
+                <a:solidFill>
+                  <a:srgbClr val="C792EA"/>
+                </a:solidFill>
+                <a:effectLst/>
+                <a:latin typeface="빙그레 메로나체" panose="020B0503000000000000" pitchFamily="50" charset="-127"/>
+                <a:ea typeface="빙그레 메로나체" panose="020B0503000000000000" pitchFamily="50" charset="-127"/>
+              </a:rPr>
+              <a:t>const</a:t>
+            </a:r>
+            <a:r>
+              <a:rPr lang="en-US" altLang="ko-KR" sz="1400" b="0">
+                <a:solidFill>
+                  <a:srgbClr val="EEFFFF"/>
+                </a:solidFill>
+                <a:effectLst/>
+                <a:latin typeface="빙그레 메로나체" panose="020B0503000000000000" pitchFamily="50" charset="-127"/>
+                <a:ea typeface="빙그레 메로나체" panose="020B0503000000000000" pitchFamily="50" charset="-127"/>
+              </a:rPr>
+              <a:t> initialState </a:t>
+            </a:r>
+            <a:r>
+              <a:rPr lang="en-US" altLang="ko-KR" sz="1400" b="0">
+                <a:solidFill>
+                  <a:srgbClr val="89DDFF"/>
+                </a:solidFill>
+                <a:effectLst/>
+                <a:latin typeface="빙그레 메로나체" panose="020B0503000000000000" pitchFamily="50" charset="-127"/>
+                <a:ea typeface="빙그레 메로나체" panose="020B0503000000000000" pitchFamily="50" charset="-127"/>
+              </a:rPr>
+              <a:t>=</a:t>
+            </a:r>
+            <a:r>
+              <a:rPr lang="en-US" altLang="ko-KR" sz="1400" b="0">
+                <a:solidFill>
+                  <a:srgbClr val="EEFFFF"/>
+                </a:solidFill>
+                <a:effectLst/>
+                <a:latin typeface="빙그레 메로나체" panose="020B0503000000000000" pitchFamily="50" charset="-127"/>
+                <a:ea typeface="빙그레 메로나체" panose="020B0503000000000000" pitchFamily="50" charset="-127"/>
+              </a:rPr>
+              <a:t> </a:t>
+            </a:r>
+            <a:r>
+              <a:rPr lang="en-US" altLang="ko-KR" sz="1400" b="0">
+                <a:solidFill>
+                  <a:srgbClr val="89DDFF"/>
+                </a:solidFill>
+                <a:effectLst/>
+                <a:latin typeface="빙그레 메로나체" panose="020B0503000000000000" pitchFamily="50" charset="-127"/>
+                <a:ea typeface="빙그레 메로나체" panose="020B0503000000000000" pitchFamily="50" charset="-127"/>
+              </a:rPr>
+              <a:t>{</a:t>
+            </a:r>
+            <a:r>
+              <a:rPr lang="en-US" altLang="ko-KR" sz="1400" b="0">
+                <a:solidFill>
+                  <a:srgbClr val="EEFFFF"/>
+                </a:solidFill>
+                <a:effectLst/>
+                <a:latin typeface="빙그레 메로나체" panose="020B0503000000000000" pitchFamily="50" charset="-127"/>
+                <a:ea typeface="빙그레 메로나체" panose="020B0503000000000000" pitchFamily="50" charset="-127"/>
+              </a:rPr>
+              <a:t> count</a:t>
+            </a:r>
+            <a:r>
+              <a:rPr lang="en-US" altLang="ko-KR" sz="1400" b="0">
+                <a:solidFill>
+                  <a:srgbClr val="89DDFF"/>
+                </a:solidFill>
+                <a:effectLst/>
+                <a:latin typeface="빙그레 메로나체" panose="020B0503000000000000" pitchFamily="50" charset="-127"/>
+                <a:ea typeface="빙그레 메로나체" panose="020B0503000000000000" pitchFamily="50" charset="-127"/>
+              </a:rPr>
+              <a:t>:</a:t>
+            </a:r>
+            <a:r>
+              <a:rPr lang="en-US" altLang="ko-KR" sz="1400" b="0">
+                <a:solidFill>
+                  <a:srgbClr val="EEFFFF"/>
+                </a:solidFill>
+                <a:effectLst/>
+                <a:latin typeface="빙그레 메로나체" panose="020B0503000000000000" pitchFamily="50" charset="-127"/>
+                <a:ea typeface="빙그레 메로나체" panose="020B0503000000000000" pitchFamily="50" charset="-127"/>
+              </a:rPr>
+              <a:t> </a:t>
+            </a:r>
+            <a:r>
+              <a:rPr lang="en-US" altLang="ko-KR" sz="1400" b="0">
+                <a:solidFill>
+                  <a:srgbClr val="F78C6C"/>
+                </a:solidFill>
+                <a:effectLst/>
+                <a:latin typeface="빙그레 메로나체" panose="020B0503000000000000" pitchFamily="50" charset="-127"/>
+                <a:ea typeface="빙그레 메로나체" panose="020B0503000000000000" pitchFamily="50" charset="-127"/>
+              </a:rPr>
+              <a:t>0</a:t>
+            </a:r>
+            <a:r>
+              <a:rPr lang="en-US" altLang="ko-KR" sz="1400" b="0">
+                <a:solidFill>
+                  <a:srgbClr val="EEFFFF"/>
+                </a:solidFill>
+                <a:effectLst/>
+                <a:latin typeface="빙그레 메로나체" panose="020B0503000000000000" pitchFamily="50" charset="-127"/>
+                <a:ea typeface="빙그레 메로나체" panose="020B0503000000000000" pitchFamily="50" charset="-127"/>
+              </a:rPr>
+              <a:t> </a:t>
+            </a:r>
+            <a:r>
+              <a:rPr lang="en-US" altLang="ko-KR" sz="1400" b="0">
+                <a:solidFill>
+                  <a:srgbClr val="89DDFF"/>
+                </a:solidFill>
+                <a:effectLst/>
+                <a:latin typeface="빙그레 메로나체" panose="020B0503000000000000" pitchFamily="50" charset="-127"/>
+                <a:ea typeface="빙그레 메로나체" panose="020B0503000000000000" pitchFamily="50" charset="-127"/>
+              </a:rPr>
+              <a:t>};</a:t>
+            </a:r>
+            <a:endParaRPr lang="en-US" altLang="ko-KR" sz="1400" b="0">
+              <a:solidFill>
+                <a:srgbClr val="EEFFFF"/>
+              </a:solidFill>
+              <a:effectLst/>
+              <a:latin typeface="빙그레 메로나체" panose="020B0503000000000000" pitchFamily="50" charset="-127"/>
+              <a:ea typeface="빙그레 메로나체" panose="020B0503000000000000" pitchFamily="50" charset="-127"/>
+            </a:endParaRPr>
+          </a:p>
+          <a:p>
+            <a:r>
+              <a:rPr lang="en-US" altLang="ko-KR" sz="1400" b="0">
+                <a:solidFill>
+                  <a:srgbClr val="C792EA"/>
+                </a:solidFill>
+                <a:effectLst/>
+                <a:latin typeface="빙그레 메로나체" panose="020B0503000000000000" pitchFamily="50" charset="-127"/>
+                <a:ea typeface="빙그레 메로나체" panose="020B0503000000000000" pitchFamily="50" charset="-127"/>
+              </a:rPr>
+              <a:t>function</a:t>
+            </a:r>
+            <a:r>
+              <a:rPr lang="en-US" altLang="ko-KR" sz="1400" b="0">
+                <a:solidFill>
+                  <a:srgbClr val="EEFFFF"/>
+                </a:solidFill>
+                <a:effectLst/>
+                <a:latin typeface="빙그레 메로나체" panose="020B0503000000000000" pitchFamily="50" charset="-127"/>
+                <a:ea typeface="빙그레 메로나체" panose="020B0503000000000000" pitchFamily="50" charset="-127"/>
+              </a:rPr>
+              <a:t> </a:t>
+            </a:r>
+            <a:r>
+              <a:rPr lang="en-US" altLang="ko-KR" sz="1400" b="0">
+                <a:solidFill>
+                  <a:srgbClr val="82AAFF"/>
+                </a:solidFill>
+                <a:effectLst/>
+                <a:latin typeface="빙그레 메로나체" panose="020B0503000000000000" pitchFamily="50" charset="-127"/>
+                <a:ea typeface="빙그레 메로나체" panose="020B0503000000000000" pitchFamily="50" charset="-127"/>
+              </a:rPr>
+              <a:t>reducer</a:t>
+            </a:r>
+            <a:r>
+              <a:rPr lang="en-US" altLang="ko-KR" sz="1400" b="0">
+                <a:solidFill>
+                  <a:srgbClr val="89DDFF"/>
+                </a:solidFill>
+                <a:effectLst/>
+                <a:latin typeface="빙그레 메로나체" panose="020B0503000000000000" pitchFamily="50" charset="-127"/>
+                <a:ea typeface="빙그레 메로나체" panose="020B0503000000000000" pitchFamily="50" charset="-127"/>
+              </a:rPr>
+              <a:t>(</a:t>
+            </a:r>
+            <a:r>
+              <a:rPr lang="en-US" altLang="ko-KR" sz="1400" b="0">
+                <a:solidFill>
+                  <a:srgbClr val="EEFFFF"/>
+                </a:solidFill>
+                <a:effectLst/>
+                <a:latin typeface="빙그레 메로나체" panose="020B0503000000000000" pitchFamily="50" charset="-127"/>
+                <a:ea typeface="빙그레 메로나체" panose="020B0503000000000000" pitchFamily="50" charset="-127"/>
+              </a:rPr>
+              <a:t>state</a:t>
+            </a:r>
+            <a:r>
+              <a:rPr lang="en-US" altLang="ko-KR" sz="1400" b="0">
+                <a:solidFill>
+                  <a:srgbClr val="89DDFF"/>
+                </a:solidFill>
+                <a:effectLst/>
+                <a:latin typeface="빙그레 메로나체" panose="020B0503000000000000" pitchFamily="50" charset="-127"/>
+                <a:ea typeface="빙그레 메로나체" panose="020B0503000000000000" pitchFamily="50" charset="-127"/>
+              </a:rPr>
+              <a:t>,</a:t>
+            </a:r>
+            <a:r>
+              <a:rPr lang="en-US" altLang="ko-KR" sz="1400" b="0">
+                <a:solidFill>
+                  <a:srgbClr val="EEFFFF"/>
+                </a:solidFill>
+                <a:effectLst/>
+                <a:latin typeface="빙그레 메로나체" panose="020B0503000000000000" pitchFamily="50" charset="-127"/>
+                <a:ea typeface="빙그레 메로나체" panose="020B0503000000000000" pitchFamily="50" charset="-127"/>
+              </a:rPr>
+              <a:t> action</a:t>
+            </a:r>
+            <a:r>
+              <a:rPr lang="en-US" altLang="ko-KR" sz="1400" b="0">
+                <a:solidFill>
+                  <a:srgbClr val="89DDFF"/>
+                </a:solidFill>
+                <a:effectLst/>
+                <a:latin typeface="빙그레 메로나체" panose="020B0503000000000000" pitchFamily="50" charset="-127"/>
+                <a:ea typeface="빙그레 메로나체" panose="020B0503000000000000" pitchFamily="50" charset="-127"/>
+              </a:rPr>
+              <a:t>)</a:t>
+            </a:r>
+            <a:r>
+              <a:rPr lang="en-US" altLang="ko-KR" sz="1400" b="0">
+                <a:solidFill>
+                  <a:srgbClr val="EEFFFF"/>
+                </a:solidFill>
+                <a:effectLst/>
+                <a:latin typeface="빙그레 메로나체" panose="020B0503000000000000" pitchFamily="50" charset="-127"/>
+                <a:ea typeface="빙그레 메로나체" panose="020B0503000000000000" pitchFamily="50" charset="-127"/>
+              </a:rPr>
+              <a:t> </a:t>
+            </a:r>
+            <a:r>
+              <a:rPr lang="en-US" altLang="ko-KR" sz="1400" b="0">
+                <a:solidFill>
+                  <a:srgbClr val="89DDFF"/>
+                </a:solidFill>
+                <a:effectLst/>
+                <a:latin typeface="빙그레 메로나체" panose="020B0503000000000000" pitchFamily="50" charset="-127"/>
+                <a:ea typeface="빙그레 메로나체" panose="020B0503000000000000" pitchFamily="50" charset="-127"/>
+              </a:rPr>
+              <a:t>{</a:t>
+            </a:r>
+            <a:endParaRPr lang="en-US" altLang="ko-KR" sz="1400" b="0">
+              <a:solidFill>
+                <a:srgbClr val="EEFFFF"/>
+              </a:solidFill>
+              <a:effectLst/>
+              <a:latin typeface="빙그레 메로나체" panose="020B0503000000000000" pitchFamily="50" charset="-127"/>
+              <a:ea typeface="빙그레 메로나체" panose="020B0503000000000000" pitchFamily="50" charset="-127"/>
+            </a:endParaRPr>
+          </a:p>
+          <a:p>
+            <a:r>
+              <a:rPr lang="en-US" altLang="ko-KR" sz="1400" b="0">
+                <a:solidFill>
+                  <a:srgbClr val="F07178"/>
+                </a:solidFill>
+                <a:effectLst/>
+                <a:latin typeface="빙그레 메로나체" panose="020B0503000000000000" pitchFamily="50" charset="-127"/>
+                <a:ea typeface="빙그레 메로나체" panose="020B0503000000000000" pitchFamily="50" charset="-127"/>
+              </a:rPr>
+              <a:t>  </a:t>
+            </a:r>
+            <a:r>
+              <a:rPr lang="en-US" altLang="ko-KR" sz="1400" b="0" i="1">
+                <a:solidFill>
+                  <a:srgbClr val="89DDFF"/>
+                </a:solidFill>
+                <a:effectLst/>
+                <a:latin typeface="빙그레 메로나체" panose="020B0503000000000000" pitchFamily="50" charset="-127"/>
+                <a:ea typeface="빙그레 메로나체" panose="020B0503000000000000" pitchFamily="50" charset="-127"/>
+              </a:rPr>
+              <a:t>switch</a:t>
+            </a:r>
+            <a:r>
+              <a:rPr lang="en-US" altLang="ko-KR" sz="1400" b="0">
+                <a:solidFill>
+                  <a:srgbClr val="F07178"/>
+                </a:solidFill>
+                <a:effectLst/>
+                <a:latin typeface="빙그레 메로나체" panose="020B0503000000000000" pitchFamily="50" charset="-127"/>
+                <a:ea typeface="빙그레 메로나체" panose="020B0503000000000000" pitchFamily="50" charset="-127"/>
+              </a:rPr>
+              <a:t> (</a:t>
+            </a:r>
+            <a:r>
+              <a:rPr lang="en-US" altLang="ko-KR" sz="1400" b="0">
+                <a:solidFill>
+                  <a:srgbClr val="EEFFFF"/>
+                </a:solidFill>
+                <a:effectLst/>
+                <a:latin typeface="빙그레 메로나체" panose="020B0503000000000000" pitchFamily="50" charset="-127"/>
+                <a:ea typeface="빙그레 메로나체" panose="020B0503000000000000" pitchFamily="50" charset="-127"/>
+              </a:rPr>
+              <a:t>action</a:t>
+            </a:r>
+            <a:r>
+              <a:rPr lang="en-US" altLang="ko-KR" sz="1400" b="0">
+                <a:solidFill>
+                  <a:srgbClr val="89DDFF"/>
+                </a:solidFill>
+                <a:effectLst/>
+                <a:latin typeface="빙그레 메로나체" panose="020B0503000000000000" pitchFamily="50" charset="-127"/>
+                <a:ea typeface="빙그레 메로나체" panose="020B0503000000000000" pitchFamily="50" charset="-127"/>
+              </a:rPr>
+              <a:t>.</a:t>
+            </a:r>
+            <a:r>
+              <a:rPr lang="en-US" altLang="ko-KR" sz="1400" b="0">
+                <a:solidFill>
+                  <a:srgbClr val="EEFFFF"/>
+                </a:solidFill>
+                <a:effectLst/>
+                <a:latin typeface="빙그레 메로나체" panose="020B0503000000000000" pitchFamily="50" charset="-127"/>
+                <a:ea typeface="빙그레 메로나체" panose="020B0503000000000000" pitchFamily="50" charset="-127"/>
+              </a:rPr>
+              <a:t>type</a:t>
+            </a:r>
+            <a:r>
+              <a:rPr lang="en-US" altLang="ko-KR" sz="1400" b="0">
+                <a:solidFill>
+                  <a:srgbClr val="F07178"/>
+                </a:solidFill>
+                <a:effectLst/>
+                <a:latin typeface="빙그레 메로나체" panose="020B0503000000000000" pitchFamily="50" charset="-127"/>
+                <a:ea typeface="빙그레 메로나체" panose="020B0503000000000000" pitchFamily="50" charset="-127"/>
+              </a:rPr>
+              <a:t>) </a:t>
+            </a:r>
+            <a:r>
+              <a:rPr lang="en-US" altLang="ko-KR" sz="1400" b="0">
+                <a:solidFill>
+                  <a:srgbClr val="89DDFF"/>
+                </a:solidFill>
+                <a:effectLst/>
+                <a:latin typeface="빙그레 메로나체" panose="020B0503000000000000" pitchFamily="50" charset="-127"/>
+                <a:ea typeface="빙그레 메로나체" panose="020B0503000000000000" pitchFamily="50" charset="-127"/>
+              </a:rPr>
+              <a:t>{</a:t>
+            </a:r>
+            <a:endParaRPr lang="en-US" altLang="ko-KR" sz="1400" b="0">
+              <a:solidFill>
+                <a:srgbClr val="EEFFFF"/>
+              </a:solidFill>
+              <a:effectLst/>
+              <a:latin typeface="빙그레 메로나체" panose="020B0503000000000000" pitchFamily="50" charset="-127"/>
+              <a:ea typeface="빙그레 메로나체" panose="020B0503000000000000" pitchFamily="50" charset="-127"/>
+            </a:endParaRPr>
+          </a:p>
+          <a:p>
+            <a:r>
+              <a:rPr lang="en-US" altLang="ko-KR" sz="1400" b="0">
+                <a:solidFill>
+                  <a:srgbClr val="F07178"/>
+                </a:solidFill>
+                <a:effectLst/>
+                <a:latin typeface="빙그레 메로나체" panose="020B0503000000000000" pitchFamily="50" charset="-127"/>
+                <a:ea typeface="빙그레 메로나체" panose="020B0503000000000000" pitchFamily="50" charset="-127"/>
+              </a:rPr>
+              <a:t>    </a:t>
+            </a:r>
+            <a:r>
+              <a:rPr lang="en-US" altLang="ko-KR" sz="1400" b="0" i="1">
+                <a:solidFill>
+                  <a:srgbClr val="89DDFF"/>
+                </a:solidFill>
+                <a:effectLst/>
+                <a:latin typeface="빙그레 메로나체" panose="020B0503000000000000" pitchFamily="50" charset="-127"/>
+                <a:ea typeface="빙그레 메로나체" panose="020B0503000000000000" pitchFamily="50" charset="-127"/>
+              </a:rPr>
+              <a:t>case</a:t>
+            </a:r>
+            <a:r>
+              <a:rPr lang="en-US" altLang="ko-KR" sz="1400" b="0">
+                <a:solidFill>
+                  <a:srgbClr val="F07178"/>
+                </a:solidFill>
+                <a:effectLst/>
+                <a:latin typeface="빙그레 메로나체" panose="020B0503000000000000" pitchFamily="50" charset="-127"/>
+                <a:ea typeface="빙그레 메로나체" panose="020B0503000000000000" pitchFamily="50" charset="-127"/>
+              </a:rPr>
+              <a:t> </a:t>
+            </a:r>
+            <a:r>
+              <a:rPr lang="en-US" altLang="ko-KR" sz="1400" b="0">
+                <a:solidFill>
+                  <a:srgbClr val="89DDFF"/>
+                </a:solidFill>
+                <a:effectLst/>
+                <a:latin typeface="빙그레 메로나체" panose="020B0503000000000000" pitchFamily="50" charset="-127"/>
+                <a:ea typeface="빙그레 메로나체" panose="020B0503000000000000" pitchFamily="50" charset="-127"/>
+              </a:rPr>
+              <a:t>"</a:t>
+            </a:r>
+            <a:r>
+              <a:rPr lang="en-US" altLang="ko-KR" sz="1400" b="0">
+                <a:solidFill>
+                  <a:srgbClr val="C3E88D"/>
+                </a:solidFill>
+                <a:effectLst/>
+                <a:latin typeface="빙그레 메로나체" panose="020B0503000000000000" pitchFamily="50" charset="-127"/>
+                <a:ea typeface="빙그레 메로나체" panose="020B0503000000000000" pitchFamily="50" charset="-127"/>
+              </a:rPr>
+              <a:t>increment</a:t>
+            </a:r>
+            <a:r>
+              <a:rPr lang="en-US" altLang="ko-KR" sz="1400" b="0">
+                <a:solidFill>
+                  <a:srgbClr val="89DDFF"/>
+                </a:solidFill>
+                <a:effectLst/>
+                <a:latin typeface="빙그레 메로나체" panose="020B0503000000000000" pitchFamily="50" charset="-127"/>
+                <a:ea typeface="빙그레 메로나체" panose="020B0503000000000000" pitchFamily="50" charset="-127"/>
+              </a:rPr>
+              <a:t>":</a:t>
+            </a:r>
+            <a:endParaRPr lang="en-US" altLang="ko-KR" sz="1400" b="0">
+              <a:solidFill>
+                <a:srgbClr val="EEFFFF"/>
+              </a:solidFill>
+              <a:effectLst/>
+              <a:latin typeface="빙그레 메로나체" panose="020B0503000000000000" pitchFamily="50" charset="-127"/>
+              <a:ea typeface="빙그레 메로나체" panose="020B0503000000000000" pitchFamily="50" charset="-127"/>
+            </a:endParaRPr>
+          </a:p>
+          <a:p>
+            <a:r>
+              <a:rPr lang="en-US" altLang="ko-KR" sz="1400" b="0">
+                <a:solidFill>
+                  <a:srgbClr val="F07178"/>
+                </a:solidFill>
+                <a:effectLst/>
+                <a:latin typeface="빙그레 메로나체" panose="020B0503000000000000" pitchFamily="50" charset="-127"/>
+                <a:ea typeface="빙그레 메로나체" panose="020B0503000000000000" pitchFamily="50" charset="-127"/>
+              </a:rPr>
+              <a:t>      </a:t>
+            </a:r>
+            <a:r>
+              <a:rPr lang="en-US" altLang="ko-KR" sz="1400" b="0" i="1">
+                <a:solidFill>
+                  <a:srgbClr val="89DDFF"/>
+                </a:solidFill>
+                <a:effectLst/>
+                <a:latin typeface="빙그레 메로나체" panose="020B0503000000000000" pitchFamily="50" charset="-127"/>
+                <a:ea typeface="빙그레 메로나체" panose="020B0503000000000000" pitchFamily="50" charset="-127"/>
+              </a:rPr>
+              <a:t>return</a:t>
+            </a:r>
+            <a:r>
+              <a:rPr lang="en-US" altLang="ko-KR" sz="1400" b="0">
+                <a:solidFill>
+                  <a:srgbClr val="F07178"/>
+                </a:solidFill>
+                <a:effectLst/>
+                <a:latin typeface="빙그레 메로나체" panose="020B0503000000000000" pitchFamily="50" charset="-127"/>
+                <a:ea typeface="빙그레 메로나체" panose="020B0503000000000000" pitchFamily="50" charset="-127"/>
+              </a:rPr>
+              <a:t> </a:t>
+            </a:r>
+            <a:r>
+              <a:rPr lang="en-US" altLang="ko-KR" sz="1400" b="0">
+                <a:solidFill>
+                  <a:srgbClr val="89DDFF"/>
+                </a:solidFill>
+                <a:effectLst/>
+                <a:latin typeface="빙그레 메로나체" panose="020B0503000000000000" pitchFamily="50" charset="-127"/>
+                <a:ea typeface="빙그레 메로나체" panose="020B0503000000000000" pitchFamily="50" charset="-127"/>
+              </a:rPr>
+              <a:t>{</a:t>
+            </a:r>
+            <a:r>
+              <a:rPr lang="en-US" altLang="ko-KR" sz="1400" b="0">
+                <a:solidFill>
+                  <a:srgbClr val="F07178"/>
+                </a:solidFill>
+                <a:effectLst/>
+                <a:latin typeface="빙그레 메로나체" panose="020B0503000000000000" pitchFamily="50" charset="-127"/>
+                <a:ea typeface="빙그레 메로나체" panose="020B0503000000000000" pitchFamily="50" charset="-127"/>
+              </a:rPr>
+              <a:t> </a:t>
+            </a:r>
+            <a:r>
+              <a:rPr lang="en-US" altLang="ko-KR" sz="1400" b="0">
+                <a:solidFill>
+                  <a:srgbClr val="EEFFFF"/>
+                </a:solidFill>
+                <a:effectLst/>
+                <a:latin typeface="빙그레 메로나체" panose="020B0503000000000000" pitchFamily="50" charset="-127"/>
+                <a:ea typeface="빙그레 메로나체" panose="020B0503000000000000" pitchFamily="50" charset="-127"/>
+              </a:rPr>
+              <a:t>count</a:t>
+            </a:r>
+            <a:r>
+              <a:rPr lang="en-US" altLang="ko-KR" sz="1400" b="0">
+                <a:solidFill>
+                  <a:srgbClr val="89DDFF"/>
+                </a:solidFill>
+                <a:effectLst/>
+                <a:latin typeface="빙그레 메로나체" panose="020B0503000000000000" pitchFamily="50" charset="-127"/>
+                <a:ea typeface="빙그레 메로나체" panose="020B0503000000000000" pitchFamily="50" charset="-127"/>
+              </a:rPr>
+              <a:t>:</a:t>
+            </a:r>
+            <a:r>
+              <a:rPr lang="en-US" altLang="ko-KR" sz="1400" b="0">
+                <a:solidFill>
+                  <a:srgbClr val="F07178"/>
+                </a:solidFill>
+                <a:effectLst/>
+                <a:latin typeface="빙그레 메로나체" panose="020B0503000000000000" pitchFamily="50" charset="-127"/>
+                <a:ea typeface="빙그레 메로나체" panose="020B0503000000000000" pitchFamily="50" charset="-127"/>
+              </a:rPr>
+              <a:t> </a:t>
+            </a:r>
+            <a:r>
+              <a:rPr lang="en-US" altLang="ko-KR" sz="1400" b="0">
+                <a:solidFill>
+                  <a:srgbClr val="EEFFFF"/>
+                </a:solidFill>
+                <a:effectLst/>
+                <a:latin typeface="빙그레 메로나체" panose="020B0503000000000000" pitchFamily="50" charset="-127"/>
+                <a:ea typeface="빙그레 메로나체" panose="020B0503000000000000" pitchFamily="50" charset="-127"/>
+              </a:rPr>
+              <a:t>state</a:t>
+            </a:r>
+            <a:r>
+              <a:rPr lang="en-US" altLang="ko-KR" sz="1400" b="0">
+                <a:solidFill>
+                  <a:srgbClr val="89DDFF"/>
+                </a:solidFill>
+                <a:effectLst/>
+                <a:latin typeface="빙그레 메로나체" panose="020B0503000000000000" pitchFamily="50" charset="-127"/>
+                <a:ea typeface="빙그레 메로나체" panose="020B0503000000000000" pitchFamily="50" charset="-127"/>
+              </a:rPr>
+              <a:t>.</a:t>
+            </a:r>
+            <a:r>
+              <a:rPr lang="en-US" altLang="ko-KR" sz="1400" b="0">
+                <a:solidFill>
+                  <a:srgbClr val="EEFFFF"/>
+                </a:solidFill>
+                <a:effectLst/>
+                <a:latin typeface="빙그레 메로나체" panose="020B0503000000000000" pitchFamily="50" charset="-127"/>
+                <a:ea typeface="빙그레 메로나체" panose="020B0503000000000000" pitchFamily="50" charset="-127"/>
+              </a:rPr>
+              <a:t>count</a:t>
+            </a:r>
+            <a:r>
+              <a:rPr lang="en-US" altLang="ko-KR" sz="1400" b="0">
+                <a:solidFill>
+                  <a:srgbClr val="F07178"/>
+                </a:solidFill>
+                <a:effectLst/>
+                <a:latin typeface="빙그레 메로나체" panose="020B0503000000000000" pitchFamily="50" charset="-127"/>
+                <a:ea typeface="빙그레 메로나체" panose="020B0503000000000000" pitchFamily="50" charset="-127"/>
+              </a:rPr>
+              <a:t> </a:t>
+            </a:r>
+            <a:r>
+              <a:rPr lang="en-US" altLang="ko-KR" sz="1400" b="0">
+                <a:solidFill>
+                  <a:srgbClr val="89DDFF"/>
+                </a:solidFill>
+                <a:effectLst/>
+                <a:latin typeface="빙그레 메로나체" panose="020B0503000000000000" pitchFamily="50" charset="-127"/>
+                <a:ea typeface="빙그레 메로나체" panose="020B0503000000000000" pitchFamily="50" charset="-127"/>
+              </a:rPr>
+              <a:t>+</a:t>
+            </a:r>
+            <a:r>
+              <a:rPr lang="en-US" altLang="ko-KR" sz="1400" b="0">
+                <a:solidFill>
+                  <a:srgbClr val="F07178"/>
+                </a:solidFill>
+                <a:effectLst/>
+                <a:latin typeface="빙그레 메로나체" panose="020B0503000000000000" pitchFamily="50" charset="-127"/>
+                <a:ea typeface="빙그레 메로나체" panose="020B0503000000000000" pitchFamily="50" charset="-127"/>
+              </a:rPr>
+              <a:t> </a:t>
+            </a:r>
+            <a:r>
+              <a:rPr lang="en-US" altLang="ko-KR" sz="1400" b="0">
+                <a:solidFill>
+                  <a:srgbClr val="F78C6C"/>
+                </a:solidFill>
+                <a:effectLst/>
+                <a:latin typeface="빙그레 메로나체" panose="020B0503000000000000" pitchFamily="50" charset="-127"/>
+                <a:ea typeface="빙그레 메로나체" panose="020B0503000000000000" pitchFamily="50" charset="-127"/>
+              </a:rPr>
+              <a:t>1</a:t>
+            </a:r>
+            <a:r>
+              <a:rPr lang="en-US" altLang="ko-KR" sz="1400" b="0">
+                <a:solidFill>
+                  <a:srgbClr val="F07178"/>
+                </a:solidFill>
+                <a:effectLst/>
+                <a:latin typeface="빙그레 메로나체" panose="020B0503000000000000" pitchFamily="50" charset="-127"/>
+                <a:ea typeface="빙그레 메로나체" panose="020B0503000000000000" pitchFamily="50" charset="-127"/>
+              </a:rPr>
+              <a:t> </a:t>
+            </a:r>
+            <a:r>
+              <a:rPr lang="en-US" altLang="ko-KR" sz="1400" b="0">
+                <a:solidFill>
+                  <a:srgbClr val="89DDFF"/>
+                </a:solidFill>
+                <a:effectLst/>
+                <a:latin typeface="빙그레 메로나체" panose="020B0503000000000000" pitchFamily="50" charset="-127"/>
+                <a:ea typeface="빙그레 메로나체" panose="020B0503000000000000" pitchFamily="50" charset="-127"/>
+              </a:rPr>
+              <a:t>};</a:t>
+            </a:r>
+            <a:endParaRPr lang="en-US" altLang="ko-KR" sz="1400" b="0">
+              <a:solidFill>
+                <a:srgbClr val="EEFFFF"/>
+              </a:solidFill>
+              <a:effectLst/>
+              <a:latin typeface="빙그레 메로나체" panose="020B0503000000000000" pitchFamily="50" charset="-127"/>
+              <a:ea typeface="빙그레 메로나체" panose="020B0503000000000000" pitchFamily="50" charset="-127"/>
+            </a:endParaRPr>
+          </a:p>
+          <a:p>
+            <a:r>
+              <a:rPr lang="en-US" altLang="ko-KR" sz="1400" b="0">
+                <a:solidFill>
+                  <a:srgbClr val="F07178"/>
+                </a:solidFill>
+                <a:effectLst/>
+                <a:latin typeface="빙그레 메로나체" panose="020B0503000000000000" pitchFamily="50" charset="-127"/>
+                <a:ea typeface="빙그레 메로나체" panose="020B0503000000000000" pitchFamily="50" charset="-127"/>
+              </a:rPr>
+              <a:t>    </a:t>
+            </a:r>
+            <a:r>
+              <a:rPr lang="en-US" altLang="ko-KR" sz="1400" b="0" i="1">
+                <a:solidFill>
+                  <a:srgbClr val="89DDFF"/>
+                </a:solidFill>
+                <a:effectLst/>
+                <a:latin typeface="빙그레 메로나체" panose="020B0503000000000000" pitchFamily="50" charset="-127"/>
+                <a:ea typeface="빙그레 메로나체" panose="020B0503000000000000" pitchFamily="50" charset="-127"/>
+              </a:rPr>
+              <a:t>case</a:t>
+            </a:r>
+            <a:r>
+              <a:rPr lang="en-US" altLang="ko-KR" sz="1400" b="0">
+                <a:solidFill>
+                  <a:srgbClr val="F07178"/>
+                </a:solidFill>
+                <a:effectLst/>
+                <a:latin typeface="빙그레 메로나체" panose="020B0503000000000000" pitchFamily="50" charset="-127"/>
+                <a:ea typeface="빙그레 메로나체" panose="020B0503000000000000" pitchFamily="50" charset="-127"/>
+              </a:rPr>
+              <a:t> </a:t>
+            </a:r>
+            <a:r>
+              <a:rPr lang="en-US" altLang="ko-KR" sz="1400" b="0">
+                <a:solidFill>
+                  <a:srgbClr val="89DDFF"/>
+                </a:solidFill>
+                <a:effectLst/>
+                <a:latin typeface="빙그레 메로나체" panose="020B0503000000000000" pitchFamily="50" charset="-127"/>
+                <a:ea typeface="빙그레 메로나체" panose="020B0503000000000000" pitchFamily="50" charset="-127"/>
+              </a:rPr>
+              <a:t>"</a:t>
+            </a:r>
+            <a:r>
+              <a:rPr lang="en-US" altLang="ko-KR" sz="1400" b="0">
+                <a:solidFill>
+                  <a:srgbClr val="C3E88D"/>
+                </a:solidFill>
+                <a:effectLst/>
+                <a:latin typeface="빙그레 메로나체" panose="020B0503000000000000" pitchFamily="50" charset="-127"/>
+                <a:ea typeface="빙그레 메로나체" panose="020B0503000000000000" pitchFamily="50" charset="-127"/>
+              </a:rPr>
+              <a:t>decrement</a:t>
+            </a:r>
+            <a:r>
+              <a:rPr lang="en-US" altLang="ko-KR" sz="1400" b="0">
+                <a:solidFill>
+                  <a:srgbClr val="89DDFF"/>
+                </a:solidFill>
+                <a:effectLst/>
+                <a:latin typeface="빙그레 메로나체" panose="020B0503000000000000" pitchFamily="50" charset="-127"/>
+                <a:ea typeface="빙그레 메로나체" panose="020B0503000000000000" pitchFamily="50" charset="-127"/>
+              </a:rPr>
+              <a:t>":</a:t>
+            </a:r>
+            <a:endParaRPr lang="en-US" altLang="ko-KR" sz="1400" b="0">
+              <a:solidFill>
+                <a:srgbClr val="EEFFFF"/>
+              </a:solidFill>
+              <a:effectLst/>
+              <a:latin typeface="빙그레 메로나체" panose="020B0503000000000000" pitchFamily="50" charset="-127"/>
+              <a:ea typeface="빙그레 메로나체" panose="020B0503000000000000" pitchFamily="50" charset="-127"/>
+            </a:endParaRPr>
+          </a:p>
+          <a:p>
+            <a:r>
+              <a:rPr lang="en-US" altLang="ko-KR" sz="1400" b="0">
+                <a:solidFill>
+                  <a:srgbClr val="F07178"/>
+                </a:solidFill>
+                <a:effectLst/>
+                <a:latin typeface="빙그레 메로나체" panose="020B0503000000000000" pitchFamily="50" charset="-127"/>
+                <a:ea typeface="빙그레 메로나체" panose="020B0503000000000000" pitchFamily="50" charset="-127"/>
+              </a:rPr>
+              <a:t>      </a:t>
+            </a:r>
+            <a:r>
+              <a:rPr lang="en-US" altLang="ko-KR" sz="1400" b="0" i="1">
+                <a:solidFill>
+                  <a:srgbClr val="89DDFF"/>
+                </a:solidFill>
+                <a:effectLst/>
+                <a:latin typeface="빙그레 메로나체" panose="020B0503000000000000" pitchFamily="50" charset="-127"/>
+                <a:ea typeface="빙그레 메로나체" panose="020B0503000000000000" pitchFamily="50" charset="-127"/>
+              </a:rPr>
+              <a:t>return</a:t>
+            </a:r>
+            <a:r>
+              <a:rPr lang="en-US" altLang="ko-KR" sz="1400" b="0">
+                <a:solidFill>
+                  <a:srgbClr val="F07178"/>
+                </a:solidFill>
+                <a:effectLst/>
+                <a:latin typeface="빙그레 메로나체" panose="020B0503000000000000" pitchFamily="50" charset="-127"/>
+                <a:ea typeface="빙그레 메로나체" panose="020B0503000000000000" pitchFamily="50" charset="-127"/>
+              </a:rPr>
+              <a:t> </a:t>
+            </a:r>
+            <a:r>
+              <a:rPr lang="en-US" altLang="ko-KR" sz="1400" b="0">
+                <a:solidFill>
+                  <a:srgbClr val="89DDFF"/>
+                </a:solidFill>
+                <a:effectLst/>
+                <a:latin typeface="빙그레 메로나체" panose="020B0503000000000000" pitchFamily="50" charset="-127"/>
+                <a:ea typeface="빙그레 메로나체" panose="020B0503000000000000" pitchFamily="50" charset="-127"/>
+              </a:rPr>
+              <a:t>{</a:t>
+            </a:r>
+            <a:r>
+              <a:rPr lang="en-US" altLang="ko-KR" sz="1400" b="0">
+                <a:solidFill>
+                  <a:srgbClr val="F07178"/>
+                </a:solidFill>
+                <a:effectLst/>
+                <a:latin typeface="빙그레 메로나체" panose="020B0503000000000000" pitchFamily="50" charset="-127"/>
+                <a:ea typeface="빙그레 메로나체" panose="020B0503000000000000" pitchFamily="50" charset="-127"/>
+              </a:rPr>
+              <a:t> </a:t>
+            </a:r>
+            <a:r>
+              <a:rPr lang="en-US" altLang="ko-KR" sz="1400" b="0">
+                <a:solidFill>
+                  <a:srgbClr val="EEFFFF"/>
+                </a:solidFill>
+                <a:effectLst/>
+                <a:latin typeface="빙그레 메로나체" panose="020B0503000000000000" pitchFamily="50" charset="-127"/>
+                <a:ea typeface="빙그레 메로나체" panose="020B0503000000000000" pitchFamily="50" charset="-127"/>
+              </a:rPr>
+              <a:t>count</a:t>
+            </a:r>
+            <a:r>
+              <a:rPr lang="en-US" altLang="ko-KR" sz="1400" b="0">
+                <a:solidFill>
+                  <a:srgbClr val="89DDFF"/>
+                </a:solidFill>
+                <a:effectLst/>
+                <a:latin typeface="빙그레 메로나체" panose="020B0503000000000000" pitchFamily="50" charset="-127"/>
+                <a:ea typeface="빙그레 메로나체" panose="020B0503000000000000" pitchFamily="50" charset="-127"/>
+              </a:rPr>
+              <a:t>:</a:t>
+            </a:r>
+            <a:r>
+              <a:rPr lang="en-US" altLang="ko-KR" sz="1400" b="0">
+                <a:solidFill>
+                  <a:srgbClr val="F07178"/>
+                </a:solidFill>
+                <a:effectLst/>
+                <a:latin typeface="빙그레 메로나체" panose="020B0503000000000000" pitchFamily="50" charset="-127"/>
+                <a:ea typeface="빙그레 메로나체" panose="020B0503000000000000" pitchFamily="50" charset="-127"/>
+              </a:rPr>
+              <a:t> </a:t>
+            </a:r>
+            <a:r>
+              <a:rPr lang="en-US" altLang="ko-KR" sz="1400" b="0">
+                <a:solidFill>
+                  <a:srgbClr val="EEFFFF"/>
+                </a:solidFill>
+                <a:effectLst/>
+                <a:latin typeface="빙그레 메로나체" panose="020B0503000000000000" pitchFamily="50" charset="-127"/>
+                <a:ea typeface="빙그레 메로나체" panose="020B0503000000000000" pitchFamily="50" charset="-127"/>
+              </a:rPr>
+              <a:t>state</a:t>
+            </a:r>
+            <a:r>
+              <a:rPr lang="en-US" altLang="ko-KR" sz="1400" b="0">
+                <a:solidFill>
+                  <a:srgbClr val="89DDFF"/>
+                </a:solidFill>
+                <a:effectLst/>
+                <a:latin typeface="빙그레 메로나체" panose="020B0503000000000000" pitchFamily="50" charset="-127"/>
+                <a:ea typeface="빙그레 메로나체" panose="020B0503000000000000" pitchFamily="50" charset="-127"/>
+              </a:rPr>
+              <a:t>.</a:t>
+            </a:r>
+            <a:r>
+              <a:rPr lang="en-US" altLang="ko-KR" sz="1400" b="0">
+                <a:solidFill>
+                  <a:srgbClr val="EEFFFF"/>
+                </a:solidFill>
+                <a:effectLst/>
+                <a:latin typeface="빙그레 메로나체" panose="020B0503000000000000" pitchFamily="50" charset="-127"/>
+                <a:ea typeface="빙그레 메로나체" panose="020B0503000000000000" pitchFamily="50" charset="-127"/>
+              </a:rPr>
+              <a:t>count</a:t>
+            </a:r>
+            <a:r>
+              <a:rPr lang="en-US" altLang="ko-KR" sz="1400" b="0">
+                <a:solidFill>
+                  <a:srgbClr val="F07178"/>
+                </a:solidFill>
+                <a:effectLst/>
+                <a:latin typeface="빙그레 메로나체" panose="020B0503000000000000" pitchFamily="50" charset="-127"/>
+                <a:ea typeface="빙그레 메로나체" panose="020B0503000000000000" pitchFamily="50" charset="-127"/>
+              </a:rPr>
+              <a:t> </a:t>
+            </a:r>
+            <a:r>
+              <a:rPr lang="en-US" altLang="ko-KR" sz="1400" b="0">
+                <a:solidFill>
+                  <a:srgbClr val="89DDFF"/>
+                </a:solidFill>
+                <a:effectLst/>
+                <a:latin typeface="빙그레 메로나체" panose="020B0503000000000000" pitchFamily="50" charset="-127"/>
+                <a:ea typeface="빙그레 메로나체" panose="020B0503000000000000" pitchFamily="50" charset="-127"/>
+              </a:rPr>
+              <a:t>-</a:t>
+            </a:r>
+            <a:r>
+              <a:rPr lang="en-US" altLang="ko-KR" sz="1400" b="0">
+                <a:solidFill>
+                  <a:srgbClr val="F07178"/>
+                </a:solidFill>
+                <a:effectLst/>
+                <a:latin typeface="빙그레 메로나체" panose="020B0503000000000000" pitchFamily="50" charset="-127"/>
+                <a:ea typeface="빙그레 메로나체" panose="020B0503000000000000" pitchFamily="50" charset="-127"/>
+              </a:rPr>
+              <a:t> </a:t>
+            </a:r>
+            <a:r>
+              <a:rPr lang="en-US" altLang="ko-KR" sz="1400" b="0">
+                <a:solidFill>
+                  <a:srgbClr val="F78C6C"/>
+                </a:solidFill>
+                <a:effectLst/>
+                <a:latin typeface="빙그레 메로나체" panose="020B0503000000000000" pitchFamily="50" charset="-127"/>
+                <a:ea typeface="빙그레 메로나체" panose="020B0503000000000000" pitchFamily="50" charset="-127"/>
+              </a:rPr>
+              <a:t>1</a:t>
+            </a:r>
+            <a:r>
+              <a:rPr lang="en-US" altLang="ko-KR" sz="1400" b="0">
+                <a:solidFill>
+                  <a:srgbClr val="F07178"/>
+                </a:solidFill>
+                <a:effectLst/>
+                <a:latin typeface="빙그레 메로나체" panose="020B0503000000000000" pitchFamily="50" charset="-127"/>
+                <a:ea typeface="빙그레 메로나체" panose="020B0503000000000000" pitchFamily="50" charset="-127"/>
+              </a:rPr>
+              <a:t> </a:t>
+            </a:r>
+            <a:r>
+              <a:rPr lang="en-US" altLang="ko-KR" sz="1400" b="0">
+                <a:solidFill>
+                  <a:srgbClr val="89DDFF"/>
+                </a:solidFill>
+                <a:effectLst/>
+                <a:latin typeface="빙그레 메로나체" panose="020B0503000000000000" pitchFamily="50" charset="-127"/>
+                <a:ea typeface="빙그레 메로나체" panose="020B0503000000000000" pitchFamily="50" charset="-127"/>
+              </a:rPr>
+              <a:t>};</a:t>
+            </a:r>
+            <a:endParaRPr lang="en-US" altLang="ko-KR" sz="1400" b="0">
+              <a:solidFill>
+                <a:srgbClr val="EEFFFF"/>
+              </a:solidFill>
+              <a:effectLst/>
+              <a:latin typeface="빙그레 메로나체" panose="020B0503000000000000" pitchFamily="50" charset="-127"/>
+              <a:ea typeface="빙그레 메로나체" panose="020B0503000000000000" pitchFamily="50" charset="-127"/>
+            </a:endParaRPr>
+          </a:p>
+          <a:p>
+            <a:r>
+              <a:rPr lang="en-US" altLang="ko-KR" sz="1400" b="0">
+                <a:solidFill>
+                  <a:srgbClr val="F07178"/>
+                </a:solidFill>
+                <a:effectLst/>
+                <a:latin typeface="빙그레 메로나체" panose="020B0503000000000000" pitchFamily="50" charset="-127"/>
+                <a:ea typeface="빙그레 메로나체" panose="020B0503000000000000" pitchFamily="50" charset="-127"/>
+              </a:rPr>
+              <a:t>    </a:t>
+            </a:r>
+            <a:r>
+              <a:rPr lang="en-US" altLang="ko-KR" sz="1400" b="0" i="1">
+                <a:solidFill>
+                  <a:srgbClr val="89DDFF"/>
+                </a:solidFill>
+                <a:effectLst/>
+                <a:latin typeface="빙그레 메로나체" panose="020B0503000000000000" pitchFamily="50" charset="-127"/>
+                <a:ea typeface="빙그레 메로나체" panose="020B0503000000000000" pitchFamily="50" charset="-127"/>
+              </a:rPr>
+              <a:t>default</a:t>
+            </a:r>
+            <a:r>
+              <a:rPr lang="en-US" altLang="ko-KR" sz="1400" b="0">
+                <a:solidFill>
+                  <a:srgbClr val="89DDFF"/>
+                </a:solidFill>
+                <a:effectLst/>
+                <a:latin typeface="빙그레 메로나체" panose="020B0503000000000000" pitchFamily="50" charset="-127"/>
+                <a:ea typeface="빙그레 메로나체" panose="020B0503000000000000" pitchFamily="50" charset="-127"/>
+              </a:rPr>
+              <a:t>:</a:t>
+            </a:r>
+            <a:endParaRPr lang="en-US" altLang="ko-KR" sz="1400" b="0">
+              <a:solidFill>
+                <a:srgbClr val="EEFFFF"/>
+              </a:solidFill>
+              <a:effectLst/>
+              <a:latin typeface="빙그레 메로나체" panose="020B0503000000000000" pitchFamily="50" charset="-127"/>
+              <a:ea typeface="빙그레 메로나체" panose="020B0503000000000000" pitchFamily="50" charset="-127"/>
+            </a:endParaRPr>
+          </a:p>
+          <a:p>
+            <a:r>
+              <a:rPr lang="en-US" altLang="ko-KR" sz="1400" b="0">
+                <a:solidFill>
+                  <a:srgbClr val="F07178"/>
+                </a:solidFill>
+                <a:effectLst/>
+                <a:latin typeface="빙그레 메로나체" panose="020B0503000000000000" pitchFamily="50" charset="-127"/>
+                <a:ea typeface="빙그레 메로나체" panose="020B0503000000000000" pitchFamily="50" charset="-127"/>
+              </a:rPr>
+              <a:t>      </a:t>
+            </a:r>
+            <a:r>
+              <a:rPr lang="en-US" altLang="ko-KR" sz="1400" b="0" i="1">
+                <a:solidFill>
+                  <a:srgbClr val="89DDFF"/>
+                </a:solidFill>
+                <a:effectLst/>
+                <a:latin typeface="빙그레 메로나체" panose="020B0503000000000000" pitchFamily="50" charset="-127"/>
+                <a:ea typeface="빙그레 메로나체" panose="020B0503000000000000" pitchFamily="50" charset="-127"/>
+              </a:rPr>
+              <a:t>throw</a:t>
+            </a:r>
+            <a:r>
+              <a:rPr lang="en-US" altLang="ko-KR" sz="1400" b="0">
+                <a:solidFill>
+                  <a:srgbClr val="F07178"/>
+                </a:solidFill>
+                <a:effectLst/>
+                <a:latin typeface="빙그레 메로나체" panose="020B0503000000000000" pitchFamily="50" charset="-127"/>
+                <a:ea typeface="빙그레 메로나체" panose="020B0503000000000000" pitchFamily="50" charset="-127"/>
+              </a:rPr>
+              <a:t> </a:t>
+            </a:r>
+            <a:r>
+              <a:rPr lang="en-US" altLang="ko-KR" sz="1400" b="0">
+                <a:solidFill>
+                  <a:srgbClr val="89DDFF"/>
+                </a:solidFill>
+                <a:effectLst/>
+                <a:latin typeface="빙그레 메로나체" panose="020B0503000000000000" pitchFamily="50" charset="-127"/>
+                <a:ea typeface="빙그레 메로나체" panose="020B0503000000000000" pitchFamily="50" charset="-127"/>
+              </a:rPr>
+              <a:t>new</a:t>
+            </a:r>
+            <a:r>
+              <a:rPr lang="en-US" altLang="ko-KR" sz="1400" b="0">
+                <a:solidFill>
+                  <a:srgbClr val="F07178"/>
+                </a:solidFill>
+                <a:effectLst/>
+                <a:latin typeface="빙그레 메로나체" panose="020B0503000000000000" pitchFamily="50" charset="-127"/>
+                <a:ea typeface="빙그레 메로나체" panose="020B0503000000000000" pitchFamily="50" charset="-127"/>
+              </a:rPr>
+              <a:t> </a:t>
+            </a:r>
+            <a:r>
+              <a:rPr lang="en-US" altLang="ko-KR" sz="1400" b="0">
+                <a:solidFill>
+                  <a:srgbClr val="FFCB6B"/>
+                </a:solidFill>
+                <a:effectLst/>
+                <a:latin typeface="빙그레 메로나체" panose="020B0503000000000000" pitchFamily="50" charset="-127"/>
+                <a:ea typeface="빙그레 메로나체" panose="020B0503000000000000" pitchFamily="50" charset="-127"/>
+              </a:rPr>
+              <a:t>Error</a:t>
+            </a:r>
+            <a:r>
+              <a:rPr lang="en-US" altLang="ko-KR" sz="1400" b="0">
+                <a:solidFill>
+                  <a:srgbClr val="F07178"/>
+                </a:solidFill>
+                <a:effectLst/>
+                <a:latin typeface="빙그레 메로나체" panose="020B0503000000000000" pitchFamily="50" charset="-127"/>
+                <a:ea typeface="빙그레 메로나체" panose="020B0503000000000000" pitchFamily="50" charset="-127"/>
+              </a:rPr>
+              <a:t>()</a:t>
+            </a:r>
+            <a:r>
+              <a:rPr lang="en-US" altLang="ko-KR" sz="1400" b="0">
+                <a:solidFill>
+                  <a:srgbClr val="89DDFF"/>
+                </a:solidFill>
+                <a:effectLst/>
+                <a:latin typeface="빙그레 메로나체" panose="020B0503000000000000" pitchFamily="50" charset="-127"/>
+                <a:ea typeface="빙그레 메로나체" panose="020B0503000000000000" pitchFamily="50" charset="-127"/>
+              </a:rPr>
+              <a:t>;</a:t>
+            </a:r>
+            <a:endParaRPr lang="en-US" altLang="ko-KR" sz="1400" b="0">
+              <a:solidFill>
+                <a:srgbClr val="EEFFFF"/>
+              </a:solidFill>
+              <a:effectLst/>
+              <a:latin typeface="빙그레 메로나체" panose="020B0503000000000000" pitchFamily="50" charset="-127"/>
+              <a:ea typeface="빙그레 메로나체" panose="020B0503000000000000" pitchFamily="50" charset="-127"/>
+            </a:endParaRPr>
+          </a:p>
+          <a:p>
+            <a:r>
+              <a:rPr lang="en-US" altLang="ko-KR" sz="1400" b="0">
+                <a:solidFill>
+                  <a:srgbClr val="F07178"/>
+                </a:solidFill>
+                <a:effectLst/>
+                <a:latin typeface="빙그레 메로나체" panose="020B0503000000000000" pitchFamily="50" charset="-127"/>
+                <a:ea typeface="빙그레 메로나체" panose="020B0503000000000000" pitchFamily="50" charset="-127"/>
+              </a:rPr>
+              <a:t>  </a:t>
+            </a:r>
+            <a:r>
+              <a:rPr lang="en-US" altLang="ko-KR" sz="1400" b="0">
+                <a:solidFill>
+                  <a:srgbClr val="89DDFF"/>
+                </a:solidFill>
+                <a:effectLst/>
+                <a:latin typeface="빙그레 메로나체" panose="020B0503000000000000" pitchFamily="50" charset="-127"/>
+                <a:ea typeface="빙그레 메로나체" panose="020B0503000000000000" pitchFamily="50" charset="-127"/>
+              </a:rPr>
+              <a:t>}</a:t>
+            </a:r>
+            <a:endParaRPr lang="en-US" altLang="ko-KR" sz="1400" b="0">
+              <a:solidFill>
+                <a:srgbClr val="EEFFFF"/>
+              </a:solidFill>
+              <a:effectLst/>
+              <a:latin typeface="빙그레 메로나체" panose="020B0503000000000000" pitchFamily="50" charset="-127"/>
+              <a:ea typeface="빙그레 메로나체" panose="020B0503000000000000" pitchFamily="50" charset="-127"/>
+            </a:endParaRPr>
+          </a:p>
+          <a:p>
+            <a:r>
+              <a:rPr lang="en-US" altLang="ko-KR" sz="1400" b="0">
+                <a:solidFill>
+                  <a:srgbClr val="89DDFF"/>
+                </a:solidFill>
+                <a:effectLst/>
+                <a:latin typeface="빙그레 메로나체" panose="020B0503000000000000" pitchFamily="50" charset="-127"/>
+                <a:ea typeface="빙그레 메로나체" panose="020B0503000000000000" pitchFamily="50" charset="-127"/>
+              </a:rPr>
+              <a:t>}</a:t>
+            </a:r>
+            <a:endParaRPr lang="en-US" altLang="ko-KR" sz="1400" b="0">
+              <a:solidFill>
+                <a:srgbClr val="EEFFFF"/>
+              </a:solidFill>
+              <a:effectLst/>
+              <a:latin typeface="빙그레 메로나체" panose="020B0503000000000000" pitchFamily="50" charset="-127"/>
+              <a:ea typeface="빙그레 메로나체" panose="020B0503000000000000" pitchFamily="50" charset="-127"/>
+            </a:endParaRPr>
+          </a:p>
+          <a:p>
+            <a:r>
+              <a:rPr lang="en-US" altLang="ko-KR" sz="1400" b="0">
+                <a:solidFill>
+                  <a:srgbClr val="C792EA"/>
+                </a:solidFill>
+                <a:effectLst/>
+                <a:latin typeface="빙그레 메로나체" panose="020B0503000000000000" pitchFamily="50" charset="-127"/>
+                <a:ea typeface="빙그레 메로나체" panose="020B0503000000000000" pitchFamily="50" charset="-127"/>
+              </a:rPr>
+              <a:t>function</a:t>
+            </a:r>
+            <a:r>
+              <a:rPr lang="en-US" altLang="ko-KR" sz="1400" b="0">
+                <a:solidFill>
+                  <a:srgbClr val="EEFFFF"/>
+                </a:solidFill>
+                <a:effectLst/>
+                <a:latin typeface="빙그레 메로나체" panose="020B0503000000000000" pitchFamily="50" charset="-127"/>
+                <a:ea typeface="빙그레 메로나체" panose="020B0503000000000000" pitchFamily="50" charset="-127"/>
+              </a:rPr>
+              <a:t> </a:t>
+            </a:r>
+            <a:r>
+              <a:rPr lang="en-US" altLang="ko-KR" sz="1400" b="0">
+                <a:solidFill>
+                  <a:srgbClr val="82AAFF"/>
+                </a:solidFill>
+                <a:effectLst/>
+                <a:latin typeface="빙그레 메로나체" panose="020B0503000000000000" pitchFamily="50" charset="-127"/>
+                <a:ea typeface="빙그레 메로나체" panose="020B0503000000000000" pitchFamily="50" charset="-127"/>
+              </a:rPr>
+              <a:t>App</a:t>
+            </a:r>
+            <a:r>
+              <a:rPr lang="en-US" altLang="ko-KR" sz="1400" b="0">
+                <a:solidFill>
+                  <a:srgbClr val="89DDFF"/>
+                </a:solidFill>
+                <a:effectLst/>
+                <a:latin typeface="빙그레 메로나체" panose="020B0503000000000000" pitchFamily="50" charset="-127"/>
+                <a:ea typeface="빙그레 메로나체" panose="020B0503000000000000" pitchFamily="50" charset="-127"/>
+              </a:rPr>
+              <a:t>()</a:t>
+            </a:r>
+            <a:r>
+              <a:rPr lang="en-US" altLang="ko-KR" sz="1400" b="0">
+                <a:solidFill>
+                  <a:srgbClr val="EEFFFF"/>
+                </a:solidFill>
+                <a:effectLst/>
+                <a:latin typeface="빙그레 메로나체" panose="020B0503000000000000" pitchFamily="50" charset="-127"/>
+                <a:ea typeface="빙그레 메로나체" panose="020B0503000000000000" pitchFamily="50" charset="-127"/>
+              </a:rPr>
+              <a:t> </a:t>
+            </a:r>
+            <a:r>
+              <a:rPr lang="en-US" altLang="ko-KR" sz="1400" b="0">
+                <a:solidFill>
+                  <a:srgbClr val="89DDFF"/>
+                </a:solidFill>
+                <a:effectLst/>
+                <a:latin typeface="빙그레 메로나체" panose="020B0503000000000000" pitchFamily="50" charset="-127"/>
+                <a:ea typeface="빙그레 메로나체" panose="020B0503000000000000" pitchFamily="50" charset="-127"/>
+              </a:rPr>
+              <a:t>{</a:t>
+            </a:r>
+            <a:endParaRPr lang="en-US" altLang="ko-KR" sz="1400" b="0">
+              <a:solidFill>
+                <a:srgbClr val="EEFFFF"/>
+              </a:solidFill>
+              <a:effectLst/>
+              <a:latin typeface="빙그레 메로나체" panose="020B0503000000000000" pitchFamily="50" charset="-127"/>
+              <a:ea typeface="빙그레 메로나체" panose="020B0503000000000000" pitchFamily="50" charset="-127"/>
+            </a:endParaRPr>
+          </a:p>
+          <a:p>
+            <a:r>
+              <a:rPr lang="en-US" altLang="ko-KR" sz="1400" b="0">
+                <a:solidFill>
+                  <a:srgbClr val="F07178"/>
+                </a:solidFill>
+                <a:effectLst/>
+                <a:latin typeface="빙그레 메로나체" panose="020B0503000000000000" pitchFamily="50" charset="-127"/>
+                <a:ea typeface="빙그레 메로나체" panose="020B0503000000000000" pitchFamily="50" charset="-127"/>
+              </a:rPr>
+              <a:t>  </a:t>
+            </a:r>
+            <a:r>
+              <a:rPr lang="en-US" altLang="ko-KR" sz="1400" b="0">
+                <a:solidFill>
+                  <a:srgbClr val="C792EA"/>
+                </a:solidFill>
+                <a:effectLst/>
+                <a:latin typeface="빙그레 메로나체" panose="020B0503000000000000" pitchFamily="50" charset="-127"/>
+                <a:ea typeface="빙그레 메로나체" panose="020B0503000000000000" pitchFamily="50" charset="-127"/>
+              </a:rPr>
+              <a:t>const</a:t>
+            </a:r>
+            <a:r>
+              <a:rPr lang="en-US" altLang="ko-KR" sz="1400" b="0">
+                <a:solidFill>
+                  <a:srgbClr val="F07178"/>
+                </a:solidFill>
+                <a:effectLst/>
+                <a:latin typeface="빙그레 메로나체" panose="020B0503000000000000" pitchFamily="50" charset="-127"/>
+                <a:ea typeface="빙그레 메로나체" panose="020B0503000000000000" pitchFamily="50" charset="-127"/>
+              </a:rPr>
+              <a:t> </a:t>
+            </a:r>
+            <a:r>
+              <a:rPr lang="en-US" altLang="ko-KR" sz="1400" b="0">
+                <a:solidFill>
+                  <a:srgbClr val="89DDFF"/>
+                </a:solidFill>
+                <a:effectLst/>
+                <a:latin typeface="빙그레 메로나체" panose="020B0503000000000000" pitchFamily="50" charset="-127"/>
+                <a:ea typeface="빙그레 메로나체" panose="020B0503000000000000" pitchFamily="50" charset="-127"/>
+              </a:rPr>
+              <a:t>[</a:t>
+            </a:r>
+            <a:r>
+              <a:rPr lang="en-US" altLang="ko-KR" sz="1400" b="0">
+                <a:solidFill>
+                  <a:srgbClr val="EEFFFF"/>
+                </a:solidFill>
+                <a:effectLst/>
+                <a:latin typeface="빙그레 메로나체" panose="020B0503000000000000" pitchFamily="50" charset="-127"/>
+                <a:ea typeface="빙그레 메로나체" panose="020B0503000000000000" pitchFamily="50" charset="-127"/>
+              </a:rPr>
+              <a:t>state</a:t>
+            </a:r>
+            <a:r>
+              <a:rPr lang="en-US" altLang="ko-KR" sz="1400" b="0">
+                <a:solidFill>
+                  <a:srgbClr val="89DDFF"/>
+                </a:solidFill>
+                <a:effectLst/>
+                <a:latin typeface="빙그레 메로나체" panose="020B0503000000000000" pitchFamily="50" charset="-127"/>
+                <a:ea typeface="빙그레 메로나체" panose="020B0503000000000000" pitchFamily="50" charset="-127"/>
+              </a:rPr>
+              <a:t>,</a:t>
+            </a:r>
+            <a:r>
+              <a:rPr lang="en-US" altLang="ko-KR" sz="1400" b="0">
+                <a:solidFill>
+                  <a:srgbClr val="F07178"/>
+                </a:solidFill>
+                <a:effectLst/>
+                <a:latin typeface="빙그레 메로나체" panose="020B0503000000000000" pitchFamily="50" charset="-127"/>
+                <a:ea typeface="빙그레 메로나체" panose="020B0503000000000000" pitchFamily="50" charset="-127"/>
+              </a:rPr>
+              <a:t> </a:t>
+            </a:r>
+            <a:r>
+              <a:rPr lang="en-US" altLang="ko-KR" sz="1400" b="0">
+                <a:solidFill>
+                  <a:srgbClr val="82AAFF"/>
+                </a:solidFill>
+                <a:effectLst/>
+                <a:latin typeface="빙그레 메로나체" panose="020B0503000000000000" pitchFamily="50" charset="-127"/>
+                <a:ea typeface="빙그레 메로나체" panose="020B0503000000000000" pitchFamily="50" charset="-127"/>
+              </a:rPr>
+              <a:t>dispatch</a:t>
+            </a:r>
+            <a:r>
+              <a:rPr lang="en-US" altLang="ko-KR" sz="1400" b="0">
+                <a:solidFill>
+                  <a:srgbClr val="89DDFF"/>
+                </a:solidFill>
+                <a:effectLst/>
+                <a:latin typeface="빙그레 메로나체" panose="020B0503000000000000" pitchFamily="50" charset="-127"/>
+                <a:ea typeface="빙그레 메로나체" panose="020B0503000000000000" pitchFamily="50" charset="-127"/>
+              </a:rPr>
+              <a:t>]</a:t>
+            </a:r>
+            <a:r>
+              <a:rPr lang="en-US" altLang="ko-KR" sz="1400" b="0">
+                <a:solidFill>
+                  <a:srgbClr val="F07178"/>
+                </a:solidFill>
+                <a:effectLst/>
+                <a:latin typeface="빙그레 메로나체" panose="020B0503000000000000" pitchFamily="50" charset="-127"/>
+                <a:ea typeface="빙그레 메로나체" panose="020B0503000000000000" pitchFamily="50" charset="-127"/>
+              </a:rPr>
+              <a:t> </a:t>
+            </a:r>
+            <a:r>
+              <a:rPr lang="en-US" altLang="ko-KR" sz="1400" b="0">
+                <a:solidFill>
+                  <a:srgbClr val="89DDFF"/>
+                </a:solidFill>
+                <a:effectLst/>
+                <a:latin typeface="빙그레 메로나체" panose="020B0503000000000000" pitchFamily="50" charset="-127"/>
+                <a:ea typeface="빙그레 메로나체" panose="020B0503000000000000" pitchFamily="50" charset="-127"/>
+              </a:rPr>
+              <a:t>=</a:t>
+            </a:r>
+            <a:r>
+              <a:rPr lang="en-US" altLang="ko-KR" sz="1400" b="0">
+                <a:solidFill>
+                  <a:srgbClr val="F07178"/>
+                </a:solidFill>
+                <a:effectLst/>
+                <a:latin typeface="빙그레 메로나체" panose="020B0503000000000000" pitchFamily="50" charset="-127"/>
+                <a:ea typeface="빙그레 메로나체" panose="020B0503000000000000" pitchFamily="50" charset="-127"/>
+              </a:rPr>
+              <a:t> </a:t>
+            </a:r>
+            <a:r>
+              <a:rPr lang="en-US" altLang="ko-KR" sz="1400" b="0">
+                <a:solidFill>
+                  <a:srgbClr val="82AAFF"/>
+                </a:solidFill>
+                <a:effectLst/>
+                <a:latin typeface="빙그레 메로나체" panose="020B0503000000000000" pitchFamily="50" charset="-127"/>
+                <a:ea typeface="빙그레 메로나체" panose="020B0503000000000000" pitchFamily="50" charset="-127"/>
+              </a:rPr>
+              <a:t>useReducer</a:t>
+            </a:r>
+            <a:r>
+              <a:rPr lang="en-US" altLang="ko-KR" sz="1400" b="0">
+                <a:solidFill>
+                  <a:srgbClr val="F07178"/>
+                </a:solidFill>
+                <a:effectLst/>
+                <a:latin typeface="빙그레 메로나체" panose="020B0503000000000000" pitchFamily="50" charset="-127"/>
+                <a:ea typeface="빙그레 메로나체" panose="020B0503000000000000" pitchFamily="50" charset="-127"/>
+              </a:rPr>
+              <a:t>(</a:t>
+            </a:r>
+            <a:r>
+              <a:rPr lang="en-US" altLang="ko-KR" sz="1400" b="0">
+                <a:solidFill>
+                  <a:srgbClr val="82AAFF"/>
+                </a:solidFill>
+                <a:effectLst/>
+                <a:latin typeface="빙그레 메로나체" panose="020B0503000000000000" pitchFamily="50" charset="-127"/>
+                <a:ea typeface="빙그레 메로나체" panose="020B0503000000000000" pitchFamily="50" charset="-127"/>
+              </a:rPr>
+              <a:t>reducer</a:t>
+            </a:r>
+            <a:r>
+              <a:rPr lang="en-US" altLang="ko-KR" sz="1400" b="0">
+                <a:solidFill>
+                  <a:srgbClr val="89DDFF"/>
+                </a:solidFill>
+                <a:effectLst/>
+                <a:latin typeface="빙그레 메로나체" panose="020B0503000000000000" pitchFamily="50" charset="-127"/>
+                <a:ea typeface="빙그레 메로나체" panose="020B0503000000000000" pitchFamily="50" charset="-127"/>
+              </a:rPr>
+              <a:t>,</a:t>
+            </a:r>
+            <a:r>
+              <a:rPr lang="en-US" altLang="ko-KR" sz="1400" b="0">
+                <a:solidFill>
+                  <a:srgbClr val="F07178"/>
+                </a:solidFill>
+                <a:effectLst/>
+                <a:latin typeface="빙그레 메로나체" panose="020B0503000000000000" pitchFamily="50" charset="-127"/>
+                <a:ea typeface="빙그레 메로나체" panose="020B0503000000000000" pitchFamily="50" charset="-127"/>
+              </a:rPr>
+              <a:t> </a:t>
+            </a:r>
+            <a:r>
+              <a:rPr lang="en-US" altLang="ko-KR" sz="1400" b="0">
+                <a:solidFill>
+                  <a:srgbClr val="EEFFFF"/>
+                </a:solidFill>
+                <a:effectLst/>
+                <a:latin typeface="빙그레 메로나체" panose="020B0503000000000000" pitchFamily="50" charset="-127"/>
+                <a:ea typeface="빙그레 메로나체" panose="020B0503000000000000" pitchFamily="50" charset="-127"/>
+              </a:rPr>
+              <a:t>initialState</a:t>
+            </a:r>
+            <a:r>
+              <a:rPr lang="en-US" altLang="ko-KR" sz="1400" b="0">
+                <a:solidFill>
+                  <a:srgbClr val="F07178"/>
+                </a:solidFill>
+                <a:effectLst/>
+                <a:latin typeface="빙그레 메로나체" panose="020B0503000000000000" pitchFamily="50" charset="-127"/>
+                <a:ea typeface="빙그레 메로나체" panose="020B0503000000000000" pitchFamily="50" charset="-127"/>
+              </a:rPr>
+              <a:t>)</a:t>
+            </a:r>
+            <a:r>
+              <a:rPr lang="en-US" altLang="ko-KR" sz="1400" b="0">
+                <a:solidFill>
+                  <a:srgbClr val="89DDFF"/>
+                </a:solidFill>
+                <a:effectLst/>
+                <a:latin typeface="빙그레 메로나체" panose="020B0503000000000000" pitchFamily="50" charset="-127"/>
+                <a:ea typeface="빙그레 메로나체" panose="020B0503000000000000" pitchFamily="50" charset="-127"/>
+              </a:rPr>
+              <a:t>;</a:t>
+            </a:r>
+            <a:endParaRPr lang="en-US" altLang="ko-KR" sz="1400" b="0">
+              <a:solidFill>
+                <a:srgbClr val="EEFFFF"/>
+              </a:solidFill>
+              <a:effectLst/>
+              <a:latin typeface="빙그레 메로나체" panose="020B0503000000000000" pitchFamily="50" charset="-127"/>
+              <a:ea typeface="빙그레 메로나체" panose="020B0503000000000000" pitchFamily="50" charset="-127"/>
+            </a:endParaRPr>
+          </a:p>
+          <a:p>
+            <a:r>
+              <a:rPr lang="en-US" altLang="ko-KR" sz="1400" b="0">
+                <a:solidFill>
+                  <a:srgbClr val="F07178"/>
+                </a:solidFill>
+                <a:effectLst/>
+                <a:latin typeface="빙그레 메로나체" panose="020B0503000000000000" pitchFamily="50" charset="-127"/>
+                <a:ea typeface="빙그레 메로나체" panose="020B0503000000000000" pitchFamily="50" charset="-127"/>
+              </a:rPr>
+              <a:t>  </a:t>
+            </a:r>
+            <a:r>
+              <a:rPr lang="en-US" altLang="ko-KR" sz="1400" b="0" i="1">
+                <a:solidFill>
+                  <a:srgbClr val="89DDFF"/>
+                </a:solidFill>
+                <a:effectLst/>
+                <a:latin typeface="빙그레 메로나체" panose="020B0503000000000000" pitchFamily="50" charset="-127"/>
+                <a:ea typeface="빙그레 메로나체" panose="020B0503000000000000" pitchFamily="50" charset="-127"/>
+              </a:rPr>
+              <a:t>return</a:t>
+            </a:r>
+            <a:r>
+              <a:rPr lang="en-US" altLang="ko-KR" sz="1400" b="0">
+                <a:solidFill>
+                  <a:srgbClr val="F07178"/>
+                </a:solidFill>
+                <a:effectLst/>
+                <a:latin typeface="빙그레 메로나체" panose="020B0503000000000000" pitchFamily="50" charset="-127"/>
+                <a:ea typeface="빙그레 메로나체" panose="020B0503000000000000" pitchFamily="50" charset="-127"/>
+              </a:rPr>
+              <a:t> (</a:t>
+            </a:r>
+            <a:endParaRPr lang="en-US" altLang="ko-KR" sz="1400" b="0">
+              <a:solidFill>
+                <a:srgbClr val="EEFFFF"/>
+              </a:solidFill>
+              <a:effectLst/>
+              <a:latin typeface="빙그레 메로나체" panose="020B0503000000000000" pitchFamily="50" charset="-127"/>
+              <a:ea typeface="빙그레 메로나체" panose="020B0503000000000000" pitchFamily="50" charset="-127"/>
+            </a:endParaRPr>
+          </a:p>
+          <a:p>
+            <a:r>
+              <a:rPr lang="en-US" altLang="ko-KR" sz="1400" b="0">
+                <a:solidFill>
+                  <a:srgbClr val="F07178"/>
+                </a:solidFill>
+                <a:effectLst/>
+                <a:latin typeface="빙그레 메로나체" panose="020B0503000000000000" pitchFamily="50" charset="-127"/>
+                <a:ea typeface="빙그레 메로나체" panose="020B0503000000000000" pitchFamily="50" charset="-127"/>
+              </a:rPr>
+              <a:t>    </a:t>
+            </a:r>
+            <a:r>
+              <a:rPr lang="en-US" altLang="ko-KR" sz="1400" b="0">
+                <a:solidFill>
+                  <a:srgbClr val="89DDFF"/>
+                </a:solidFill>
+                <a:effectLst/>
+                <a:latin typeface="빙그레 메로나체" panose="020B0503000000000000" pitchFamily="50" charset="-127"/>
+                <a:ea typeface="빙그레 메로나체" panose="020B0503000000000000" pitchFamily="50" charset="-127"/>
+              </a:rPr>
+              <a:t>&lt;</a:t>
+            </a:r>
+            <a:r>
+              <a:rPr lang="en-US" altLang="ko-KR" sz="1400" b="0">
+                <a:solidFill>
+                  <a:srgbClr val="F07178"/>
+                </a:solidFill>
+                <a:effectLst/>
+                <a:latin typeface="빙그레 메로나체" panose="020B0503000000000000" pitchFamily="50" charset="-127"/>
+                <a:ea typeface="빙그레 메로나체" panose="020B0503000000000000" pitchFamily="50" charset="-127"/>
+              </a:rPr>
+              <a:t>div</a:t>
+            </a:r>
+            <a:r>
+              <a:rPr lang="en-US" altLang="ko-KR" sz="1400" b="0">
+                <a:solidFill>
+                  <a:srgbClr val="89DDFF"/>
+                </a:solidFill>
+                <a:effectLst/>
+                <a:latin typeface="빙그레 메로나체" panose="020B0503000000000000" pitchFamily="50" charset="-127"/>
+                <a:ea typeface="빙그레 메로나체" panose="020B0503000000000000" pitchFamily="50" charset="-127"/>
+              </a:rPr>
+              <a:t>&gt;</a:t>
+            </a:r>
+            <a:endParaRPr lang="en-US" altLang="ko-KR" sz="1400" b="0">
+              <a:solidFill>
+                <a:srgbClr val="EEFFFF"/>
+              </a:solidFill>
+              <a:effectLst/>
+              <a:latin typeface="빙그레 메로나체" panose="020B0503000000000000" pitchFamily="50" charset="-127"/>
+              <a:ea typeface="빙그레 메로나체" panose="020B0503000000000000" pitchFamily="50" charset="-127"/>
+            </a:endParaRPr>
+          </a:p>
+          <a:p>
+            <a:r>
+              <a:rPr lang="en-US" altLang="ko-KR" sz="1400" b="0">
+                <a:solidFill>
+                  <a:srgbClr val="EEFFFF"/>
+                </a:solidFill>
+                <a:effectLst/>
+                <a:latin typeface="빙그레 메로나체" panose="020B0503000000000000" pitchFamily="50" charset="-127"/>
+                <a:ea typeface="빙그레 메로나체" panose="020B0503000000000000" pitchFamily="50" charset="-127"/>
+              </a:rPr>
+              <a:t>      Count: </a:t>
+            </a:r>
+            <a:r>
+              <a:rPr lang="en-US" altLang="ko-KR" sz="1400" b="0">
+                <a:solidFill>
+                  <a:srgbClr val="89DDFF"/>
+                </a:solidFill>
+                <a:effectLst/>
+                <a:latin typeface="빙그레 메로나체" panose="020B0503000000000000" pitchFamily="50" charset="-127"/>
+                <a:ea typeface="빙그레 메로나체" panose="020B0503000000000000" pitchFamily="50" charset="-127"/>
+              </a:rPr>
+              <a:t>{</a:t>
+            </a:r>
+            <a:r>
+              <a:rPr lang="en-US" altLang="ko-KR" sz="1400" b="0">
+                <a:solidFill>
+                  <a:srgbClr val="EEFFFF"/>
+                </a:solidFill>
+                <a:effectLst/>
+                <a:latin typeface="빙그레 메로나체" panose="020B0503000000000000" pitchFamily="50" charset="-127"/>
+                <a:ea typeface="빙그레 메로나체" panose="020B0503000000000000" pitchFamily="50" charset="-127"/>
+              </a:rPr>
+              <a:t>state</a:t>
+            </a:r>
+            <a:r>
+              <a:rPr lang="en-US" altLang="ko-KR" sz="1400" b="0">
+                <a:solidFill>
+                  <a:srgbClr val="89DDFF"/>
+                </a:solidFill>
+                <a:effectLst/>
+                <a:latin typeface="빙그레 메로나체" panose="020B0503000000000000" pitchFamily="50" charset="-127"/>
+                <a:ea typeface="빙그레 메로나체" panose="020B0503000000000000" pitchFamily="50" charset="-127"/>
+              </a:rPr>
+              <a:t>.</a:t>
+            </a:r>
+            <a:r>
+              <a:rPr lang="en-US" altLang="ko-KR" sz="1400" b="0">
+                <a:solidFill>
+                  <a:srgbClr val="EEFFFF"/>
+                </a:solidFill>
+                <a:effectLst/>
+                <a:latin typeface="빙그레 메로나체" panose="020B0503000000000000" pitchFamily="50" charset="-127"/>
+                <a:ea typeface="빙그레 메로나체" panose="020B0503000000000000" pitchFamily="50" charset="-127"/>
+              </a:rPr>
+              <a:t>count</a:t>
+            </a:r>
+            <a:r>
+              <a:rPr lang="en-US" altLang="ko-KR" sz="1400" b="0">
+                <a:solidFill>
+                  <a:srgbClr val="89DDFF"/>
+                </a:solidFill>
+                <a:effectLst/>
+                <a:latin typeface="빙그레 메로나체" panose="020B0503000000000000" pitchFamily="50" charset="-127"/>
+                <a:ea typeface="빙그레 메로나체" panose="020B0503000000000000" pitchFamily="50" charset="-127"/>
+              </a:rPr>
+              <a:t>}</a:t>
+            </a:r>
+            <a:endParaRPr lang="en-US" altLang="ko-KR" sz="1400" b="0">
+              <a:solidFill>
+                <a:srgbClr val="EEFFFF"/>
+              </a:solidFill>
+              <a:effectLst/>
+              <a:latin typeface="빙그레 메로나체" panose="020B0503000000000000" pitchFamily="50" charset="-127"/>
+              <a:ea typeface="빙그레 메로나체" panose="020B0503000000000000" pitchFamily="50" charset="-127"/>
+            </a:endParaRPr>
+          </a:p>
+          <a:p>
+            <a:r>
+              <a:rPr lang="en-US" altLang="ko-KR" sz="1400" b="0">
+                <a:solidFill>
+                  <a:srgbClr val="EEFFFF"/>
+                </a:solidFill>
+                <a:effectLst/>
+                <a:latin typeface="빙그레 메로나체" panose="020B0503000000000000" pitchFamily="50" charset="-127"/>
+                <a:ea typeface="빙그레 메로나체" panose="020B0503000000000000" pitchFamily="50" charset="-127"/>
+              </a:rPr>
+              <a:t>      </a:t>
+            </a:r>
+            <a:r>
+              <a:rPr lang="en-US" altLang="ko-KR" sz="1400" b="0">
+                <a:solidFill>
+                  <a:srgbClr val="89DDFF"/>
+                </a:solidFill>
+                <a:effectLst/>
+                <a:latin typeface="빙그레 메로나체" panose="020B0503000000000000" pitchFamily="50" charset="-127"/>
+                <a:ea typeface="빙그레 메로나체" panose="020B0503000000000000" pitchFamily="50" charset="-127"/>
+              </a:rPr>
+              <a:t>&lt;</a:t>
+            </a:r>
+            <a:r>
+              <a:rPr lang="en-US" altLang="ko-KR" sz="1400" b="0">
+                <a:solidFill>
+                  <a:srgbClr val="F07178"/>
+                </a:solidFill>
+                <a:effectLst/>
+                <a:latin typeface="빙그레 메로나체" panose="020B0503000000000000" pitchFamily="50" charset="-127"/>
+                <a:ea typeface="빙그레 메로나체" panose="020B0503000000000000" pitchFamily="50" charset="-127"/>
+              </a:rPr>
+              <a:t>button</a:t>
+            </a:r>
+            <a:r>
+              <a:rPr lang="en-US" altLang="ko-KR" sz="1400" b="0">
+                <a:solidFill>
+                  <a:srgbClr val="89DDFF"/>
+                </a:solidFill>
+                <a:effectLst/>
+                <a:latin typeface="빙그레 메로나체" panose="020B0503000000000000" pitchFamily="50" charset="-127"/>
+                <a:ea typeface="빙그레 메로나체" panose="020B0503000000000000" pitchFamily="50" charset="-127"/>
+              </a:rPr>
+              <a:t> </a:t>
+            </a:r>
+            <a:r>
+              <a:rPr lang="en-US" altLang="ko-KR" sz="1400" b="0">
+                <a:solidFill>
+                  <a:srgbClr val="C792EA"/>
+                </a:solidFill>
+                <a:effectLst/>
+                <a:latin typeface="빙그레 메로나체" panose="020B0503000000000000" pitchFamily="50" charset="-127"/>
+                <a:ea typeface="빙그레 메로나체" panose="020B0503000000000000" pitchFamily="50" charset="-127"/>
+              </a:rPr>
+              <a:t>onClick</a:t>
+            </a:r>
+            <a:r>
+              <a:rPr lang="en-US" altLang="ko-KR" sz="1400" b="0">
+                <a:solidFill>
+                  <a:srgbClr val="89DDFF"/>
+                </a:solidFill>
+                <a:effectLst/>
+                <a:latin typeface="빙그레 메로나체" panose="020B0503000000000000" pitchFamily="50" charset="-127"/>
+                <a:ea typeface="빙그레 메로나체" panose="020B0503000000000000" pitchFamily="50" charset="-127"/>
+              </a:rPr>
+              <a:t>={()</a:t>
+            </a:r>
+            <a:r>
+              <a:rPr lang="en-US" altLang="ko-KR" sz="1400" b="0">
+                <a:solidFill>
+                  <a:srgbClr val="EEFFFF"/>
+                </a:solidFill>
+                <a:effectLst/>
+                <a:latin typeface="빙그레 메로나체" panose="020B0503000000000000" pitchFamily="50" charset="-127"/>
+                <a:ea typeface="빙그레 메로나체" panose="020B0503000000000000" pitchFamily="50" charset="-127"/>
+              </a:rPr>
+              <a:t> </a:t>
+            </a:r>
+            <a:r>
+              <a:rPr lang="en-US" altLang="ko-KR" sz="1400" b="0">
+                <a:solidFill>
+                  <a:srgbClr val="C792EA"/>
+                </a:solidFill>
+                <a:effectLst/>
+                <a:latin typeface="빙그레 메로나체" panose="020B0503000000000000" pitchFamily="50" charset="-127"/>
+                <a:ea typeface="빙그레 메로나체" panose="020B0503000000000000" pitchFamily="50" charset="-127"/>
+              </a:rPr>
+              <a:t>=&gt;</a:t>
+            </a:r>
+            <a:r>
+              <a:rPr lang="en-US" altLang="ko-KR" sz="1400" b="0">
+                <a:solidFill>
+                  <a:srgbClr val="EEFFFF"/>
+                </a:solidFill>
+                <a:effectLst/>
+                <a:latin typeface="빙그레 메로나체" panose="020B0503000000000000" pitchFamily="50" charset="-127"/>
+                <a:ea typeface="빙그레 메로나체" panose="020B0503000000000000" pitchFamily="50" charset="-127"/>
+              </a:rPr>
+              <a:t> </a:t>
+            </a:r>
+            <a:r>
+              <a:rPr lang="en-US" altLang="ko-KR" sz="1400" b="0">
+                <a:solidFill>
+                  <a:srgbClr val="82AAFF"/>
+                </a:solidFill>
+                <a:effectLst/>
+                <a:latin typeface="빙그레 메로나체" panose="020B0503000000000000" pitchFamily="50" charset="-127"/>
+                <a:ea typeface="빙그레 메로나체" panose="020B0503000000000000" pitchFamily="50" charset="-127"/>
+              </a:rPr>
+              <a:t>dispatch</a:t>
+            </a:r>
+            <a:r>
+              <a:rPr lang="en-US" altLang="ko-KR" sz="1400" b="0">
+                <a:solidFill>
+                  <a:srgbClr val="EEFFFF"/>
+                </a:solidFill>
+                <a:effectLst/>
+                <a:latin typeface="빙그레 메로나체" panose="020B0503000000000000" pitchFamily="50" charset="-127"/>
+                <a:ea typeface="빙그레 메로나체" panose="020B0503000000000000" pitchFamily="50" charset="-127"/>
+              </a:rPr>
+              <a:t>(</a:t>
+            </a:r>
+            <a:r>
+              <a:rPr lang="en-US" altLang="ko-KR" sz="1400" b="0">
+                <a:solidFill>
+                  <a:srgbClr val="89DDFF"/>
+                </a:solidFill>
+                <a:effectLst/>
+                <a:latin typeface="빙그레 메로나체" panose="020B0503000000000000" pitchFamily="50" charset="-127"/>
+                <a:ea typeface="빙그레 메로나체" panose="020B0503000000000000" pitchFamily="50" charset="-127"/>
+              </a:rPr>
+              <a:t>{</a:t>
+            </a:r>
+            <a:r>
+              <a:rPr lang="en-US" altLang="ko-KR" sz="1400" b="0">
+                <a:solidFill>
+                  <a:srgbClr val="EEFFFF"/>
+                </a:solidFill>
+                <a:effectLst/>
+                <a:latin typeface="빙그레 메로나체" panose="020B0503000000000000" pitchFamily="50" charset="-127"/>
+                <a:ea typeface="빙그레 메로나체" panose="020B0503000000000000" pitchFamily="50" charset="-127"/>
+              </a:rPr>
+              <a:t> type</a:t>
+            </a:r>
+            <a:r>
+              <a:rPr lang="en-US" altLang="ko-KR" sz="1400" b="0">
+                <a:solidFill>
+                  <a:srgbClr val="89DDFF"/>
+                </a:solidFill>
+                <a:effectLst/>
+                <a:latin typeface="빙그레 메로나체" panose="020B0503000000000000" pitchFamily="50" charset="-127"/>
+                <a:ea typeface="빙그레 메로나체" panose="020B0503000000000000" pitchFamily="50" charset="-127"/>
+              </a:rPr>
+              <a:t>:</a:t>
+            </a:r>
+            <a:r>
+              <a:rPr lang="en-US" altLang="ko-KR" sz="1400" b="0">
+                <a:solidFill>
+                  <a:srgbClr val="EEFFFF"/>
+                </a:solidFill>
+                <a:effectLst/>
+                <a:latin typeface="빙그레 메로나체" panose="020B0503000000000000" pitchFamily="50" charset="-127"/>
+                <a:ea typeface="빙그레 메로나체" panose="020B0503000000000000" pitchFamily="50" charset="-127"/>
+              </a:rPr>
+              <a:t> </a:t>
+            </a:r>
+            <a:r>
+              <a:rPr lang="en-US" altLang="ko-KR" sz="1400" b="0">
+                <a:solidFill>
+                  <a:srgbClr val="89DDFF"/>
+                </a:solidFill>
+                <a:effectLst/>
+                <a:latin typeface="빙그레 메로나체" panose="020B0503000000000000" pitchFamily="50" charset="-127"/>
+                <a:ea typeface="빙그레 메로나체" panose="020B0503000000000000" pitchFamily="50" charset="-127"/>
+              </a:rPr>
+              <a:t>"</a:t>
+            </a:r>
+            <a:r>
+              <a:rPr lang="en-US" altLang="ko-KR" sz="1400" b="0">
+                <a:solidFill>
+                  <a:srgbClr val="C3E88D"/>
+                </a:solidFill>
+                <a:effectLst/>
+                <a:latin typeface="빙그레 메로나체" panose="020B0503000000000000" pitchFamily="50" charset="-127"/>
+                <a:ea typeface="빙그레 메로나체" panose="020B0503000000000000" pitchFamily="50" charset="-127"/>
+              </a:rPr>
+              <a:t>increment</a:t>
+            </a:r>
+            <a:r>
+              <a:rPr lang="en-US" altLang="ko-KR" sz="1400" b="0">
+                <a:solidFill>
+                  <a:srgbClr val="89DDFF"/>
+                </a:solidFill>
+                <a:effectLst/>
+                <a:latin typeface="빙그레 메로나체" panose="020B0503000000000000" pitchFamily="50" charset="-127"/>
+                <a:ea typeface="빙그레 메로나체" panose="020B0503000000000000" pitchFamily="50" charset="-127"/>
+              </a:rPr>
+              <a:t>"</a:t>
+            </a:r>
+            <a:r>
+              <a:rPr lang="en-US" altLang="ko-KR" sz="1400" b="0">
+                <a:solidFill>
+                  <a:srgbClr val="EEFFFF"/>
+                </a:solidFill>
+                <a:effectLst/>
+                <a:latin typeface="빙그레 메로나체" panose="020B0503000000000000" pitchFamily="50" charset="-127"/>
+                <a:ea typeface="빙그레 메로나체" panose="020B0503000000000000" pitchFamily="50" charset="-127"/>
+              </a:rPr>
+              <a:t> </a:t>
+            </a:r>
+            <a:r>
+              <a:rPr lang="en-US" altLang="ko-KR" sz="1400" b="0">
+                <a:solidFill>
+                  <a:srgbClr val="89DDFF"/>
+                </a:solidFill>
+                <a:effectLst/>
+                <a:latin typeface="빙그레 메로나체" panose="020B0503000000000000" pitchFamily="50" charset="-127"/>
+                <a:ea typeface="빙그레 메로나체" panose="020B0503000000000000" pitchFamily="50" charset="-127"/>
+              </a:rPr>
+              <a:t>}</a:t>
+            </a:r>
+            <a:r>
+              <a:rPr lang="en-US" altLang="ko-KR" sz="1400" b="0">
+                <a:solidFill>
+                  <a:srgbClr val="EEFFFF"/>
+                </a:solidFill>
+                <a:effectLst/>
+                <a:latin typeface="빙그레 메로나체" panose="020B0503000000000000" pitchFamily="50" charset="-127"/>
+                <a:ea typeface="빙그레 메로나체" panose="020B0503000000000000" pitchFamily="50" charset="-127"/>
+              </a:rPr>
+              <a:t>)</a:t>
+            </a:r>
+            <a:r>
+              <a:rPr lang="en-US" altLang="ko-KR" sz="1400" b="0">
+                <a:solidFill>
+                  <a:srgbClr val="89DDFF"/>
+                </a:solidFill>
+                <a:effectLst/>
+                <a:latin typeface="빙그레 메로나체" panose="020B0503000000000000" pitchFamily="50" charset="-127"/>
+                <a:ea typeface="빙그레 메로나체" panose="020B0503000000000000" pitchFamily="50" charset="-127"/>
+              </a:rPr>
+              <a:t>}&gt;</a:t>
+            </a:r>
+            <a:r>
+              <a:rPr lang="en-US" altLang="ko-KR" sz="1400" b="0">
+                <a:solidFill>
+                  <a:srgbClr val="EEFFFF"/>
+                </a:solidFill>
+                <a:effectLst/>
+                <a:latin typeface="빙그레 메로나체" panose="020B0503000000000000" pitchFamily="50" charset="-127"/>
+                <a:ea typeface="빙그레 메로나체" panose="020B0503000000000000" pitchFamily="50" charset="-127"/>
+              </a:rPr>
+              <a:t>+</a:t>
+            </a:r>
+            <a:r>
+              <a:rPr lang="en-US" altLang="ko-KR" sz="1400" b="0">
+                <a:solidFill>
+                  <a:srgbClr val="89DDFF"/>
+                </a:solidFill>
+                <a:effectLst/>
+                <a:latin typeface="빙그레 메로나체" panose="020B0503000000000000" pitchFamily="50" charset="-127"/>
+                <a:ea typeface="빙그레 메로나체" panose="020B0503000000000000" pitchFamily="50" charset="-127"/>
+              </a:rPr>
+              <a:t>&lt;/</a:t>
+            </a:r>
+            <a:r>
+              <a:rPr lang="en-US" altLang="ko-KR" sz="1400" b="0">
+                <a:solidFill>
+                  <a:srgbClr val="F07178"/>
+                </a:solidFill>
+                <a:effectLst/>
+                <a:latin typeface="빙그레 메로나체" panose="020B0503000000000000" pitchFamily="50" charset="-127"/>
+                <a:ea typeface="빙그레 메로나체" panose="020B0503000000000000" pitchFamily="50" charset="-127"/>
+              </a:rPr>
+              <a:t>button</a:t>
+            </a:r>
+            <a:r>
+              <a:rPr lang="en-US" altLang="ko-KR" sz="1400" b="0">
+                <a:solidFill>
+                  <a:srgbClr val="89DDFF"/>
+                </a:solidFill>
+                <a:effectLst/>
+                <a:latin typeface="빙그레 메로나체" panose="020B0503000000000000" pitchFamily="50" charset="-127"/>
+                <a:ea typeface="빙그레 메로나체" panose="020B0503000000000000" pitchFamily="50" charset="-127"/>
+              </a:rPr>
+              <a:t>&gt;</a:t>
+            </a:r>
+            <a:endParaRPr lang="en-US" altLang="ko-KR" sz="1400" b="0">
+              <a:solidFill>
+                <a:srgbClr val="EEFFFF"/>
+              </a:solidFill>
+              <a:effectLst/>
+              <a:latin typeface="빙그레 메로나체" panose="020B0503000000000000" pitchFamily="50" charset="-127"/>
+              <a:ea typeface="빙그레 메로나체" panose="020B0503000000000000" pitchFamily="50" charset="-127"/>
+            </a:endParaRPr>
+          </a:p>
+          <a:p>
+            <a:r>
+              <a:rPr lang="en-US" altLang="ko-KR" sz="1400" b="0">
+                <a:solidFill>
+                  <a:srgbClr val="EEFFFF"/>
+                </a:solidFill>
+                <a:effectLst/>
+                <a:latin typeface="빙그레 메로나체" panose="020B0503000000000000" pitchFamily="50" charset="-127"/>
+                <a:ea typeface="빙그레 메로나체" panose="020B0503000000000000" pitchFamily="50" charset="-127"/>
+              </a:rPr>
+              <a:t>      </a:t>
+            </a:r>
+            <a:r>
+              <a:rPr lang="en-US" altLang="ko-KR" sz="1400" b="0">
+                <a:solidFill>
+                  <a:srgbClr val="89DDFF"/>
+                </a:solidFill>
+                <a:effectLst/>
+                <a:latin typeface="빙그레 메로나체" panose="020B0503000000000000" pitchFamily="50" charset="-127"/>
+                <a:ea typeface="빙그레 메로나체" panose="020B0503000000000000" pitchFamily="50" charset="-127"/>
+              </a:rPr>
+              <a:t>&lt;</a:t>
+            </a:r>
+            <a:r>
+              <a:rPr lang="en-US" altLang="ko-KR" sz="1400" b="0">
+                <a:solidFill>
+                  <a:srgbClr val="F07178"/>
+                </a:solidFill>
+                <a:effectLst/>
+                <a:latin typeface="빙그레 메로나체" panose="020B0503000000000000" pitchFamily="50" charset="-127"/>
+                <a:ea typeface="빙그레 메로나체" panose="020B0503000000000000" pitchFamily="50" charset="-127"/>
+              </a:rPr>
+              <a:t>button</a:t>
+            </a:r>
+            <a:r>
+              <a:rPr lang="en-US" altLang="ko-KR" sz="1400" b="0">
+                <a:solidFill>
+                  <a:srgbClr val="89DDFF"/>
+                </a:solidFill>
+                <a:effectLst/>
+                <a:latin typeface="빙그레 메로나체" panose="020B0503000000000000" pitchFamily="50" charset="-127"/>
+                <a:ea typeface="빙그레 메로나체" panose="020B0503000000000000" pitchFamily="50" charset="-127"/>
+              </a:rPr>
+              <a:t> </a:t>
+            </a:r>
+            <a:r>
+              <a:rPr lang="en-US" altLang="ko-KR" sz="1400" b="0">
+                <a:solidFill>
+                  <a:srgbClr val="C792EA"/>
+                </a:solidFill>
+                <a:effectLst/>
+                <a:latin typeface="빙그레 메로나체" panose="020B0503000000000000" pitchFamily="50" charset="-127"/>
+                <a:ea typeface="빙그레 메로나체" panose="020B0503000000000000" pitchFamily="50" charset="-127"/>
+              </a:rPr>
+              <a:t>onClick</a:t>
+            </a:r>
+            <a:r>
+              <a:rPr lang="en-US" altLang="ko-KR" sz="1400" b="0">
+                <a:solidFill>
+                  <a:srgbClr val="89DDFF"/>
+                </a:solidFill>
+                <a:effectLst/>
+                <a:latin typeface="빙그레 메로나체" panose="020B0503000000000000" pitchFamily="50" charset="-127"/>
+                <a:ea typeface="빙그레 메로나체" panose="020B0503000000000000" pitchFamily="50" charset="-127"/>
+              </a:rPr>
+              <a:t>={()</a:t>
+            </a:r>
+            <a:r>
+              <a:rPr lang="en-US" altLang="ko-KR" sz="1400" b="0">
+                <a:solidFill>
+                  <a:srgbClr val="EEFFFF"/>
+                </a:solidFill>
+                <a:effectLst/>
+                <a:latin typeface="빙그레 메로나체" panose="020B0503000000000000" pitchFamily="50" charset="-127"/>
+                <a:ea typeface="빙그레 메로나체" panose="020B0503000000000000" pitchFamily="50" charset="-127"/>
+              </a:rPr>
+              <a:t> </a:t>
+            </a:r>
+            <a:r>
+              <a:rPr lang="en-US" altLang="ko-KR" sz="1400" b="0">
+                <a:solidFill>
+                  <a:srgbClr val="C792EA"/>
+                </a:solidFill>
+                <a:effectLst/>
+                <a:latin typeface="빙그레 메로나체" panose="020B0503000000000000" pitchFamily="50" charset="-127"/>
+                <a:ea typeface="빙그레 메로나체" panose="020B0503000000000000" pitchFamily="50" charset="-127"/>
+              </a:rPr>
+              <a:t>=&gt;</a:t>
+            </a:r>
+            <a:r>
+              <a:rPr lang="en-US" altLang="ko-KR" sz="1400" b="0">
+                <a:solidFill>
+                  <a:srgbClr val="EEFFFF"/>
+                </a:solidFill>
+                <a:effectLst/>
+                <a:latin typeface="빙그레 메로나체" panose="020B0503000000000000" pitchFamily="50" charset="-127"/>
+                <a:ea typeface="빙그레 메로나체" panose="020B0503000000000000" pitchFamily="50" charset="-127"/>
+              </a:rPr>
+              <a:t> </a:t>
+            </a:r>
+            <a:r>
+              <a:rPr lang="en-US" altLang="ko-KR" sz="1400" b="0">
+                <a:solidFill>
+                  <a:srgbClr val="82AAFF"/>
+                </a:solidFill>
+                <a:effectLst/>
+                <a:latin typeface="빙그레 메로나체" panose="020B0503000000000000" pitchFamily="50" charset="-127"/>
+                <a:ea typeface="빙그레 메로나체" panose="020B0503000000000000" pitchFamily="50" charset="-127"/>
+              </a:rPr>
+              <a:t>dispatch</a:t>
+            </a:r>
+            <a:r>
+              <a:rPr lang="en-US" altLang="ko-KR" sz="1400" b="0">
+                <a:solidFill>
+                  <a:srgbClr val="EEFFFF"/>
+                </a:solidFill>
+                <a:effectLst/>
+                <a:latin typeface="빙그레 메로나체" panose="020B0503000000000000" pitchFamily="50" charset="-127"/>
+                <a:ea typeface="빙그레 메로나체" panose="020B0503000000000000" pitchFamily="50" charset="-127"/>
+              </a:rPr>
+              <a:t>(</a:t>
+            </a:r>
+            <a:r>
+              <a:rPr lang="en-US" altLang="ko-KR" sz="1400" b="0">
+                <a:solidFill>
+                  <a:srgbClr val="89DDFF"/>
+                </a:solidFill>
+                <a:effectLst/>
+                <a:latin typeface="빙그레 메로나체" panose="020B0503000000000000" pitchFamily="50" charset="-127"/>
+                <a:ea typeface="빙그레 메로나체" panose="020B0503000000000000" pitchFamily="50" charset="-127"/>
+              </a:rPr>
+              <a:t>{</a:t>
+            </a:r>
+            <a:r>
+              <a:rPr lang="en-US" altLang="ko-KR" sz="1400" b="0">
+                <a:solidFill>
+                  <a:srgbClr val="EEFFFF"/>
+                </a:solidFill>
+                <a:effectLst/>
+                <a:latin typeface="빙그레 메로나체" panose="020B0503000000000000" pitchFamily="50" charset="-127"/>
+                <a:ea typeface="빙그레 메로나체" panose="020B0503000000000000" pitchFamily="50" charset="-127"/>
+              </a:rPr>
+              <a:t> type</a:t>
+            </a:r>
+            <a:r>
+              <a:rPr lang="en-US" altLang="ko-KR" sz="1400" b="0">
+                <a:solidFill>
+                  <a:srgbClr val="89DDFF"/>
+                </a:solidFill>
+                <a:effectLst/>
+                <a:latin typeface="빙그레 메로나체" panose="020B0503000000000000" pitchFamily="50" charset="-127"/>
+                <a:ea typeface="빙그레 메로나체" panose="020B0503000000000000" pitchFamily="50" charset="-127"/>
+              </a:rPr>
+              <a:t>:</a:t>
+            </a:r>
+            <a:r>
+              <a:rPr lang="en-US" altLang="ko-KR" sz="1400" b="0">
+                <a:solidFill>
+                  <a:srgbClr val="EEFFFF"/>
+                </a:solidFill>
+                <a:effectLst/>
+                <a:latin typeface="빙그레 메로나체" panose="020B0503000000000000" pitchFamily="50" charset="-127"/>
+                <a:ea typeface="빙그레 메로나체" panose="020B0503000000000000" pitchFamily="50" charset="-127"/>
+              </a:rPr>
+              <a:t> </a:t>
+            </a:r>
+            <a:r>
+              <a:rPr lang="en-US" altLang="ko-KR" sz="1400" b="0">
+                <a:solidFill>
+                  <a:srgbClr val="89DDFF"/>
+                </a:solidFill>
+                <a:effectLst/>
+                <a:latin typeface="빙그레 메로나체" panose="020B0503000000000000" pitchFamily="50" charset="-127"/>
+                <a:ea typeface="빙그레 메로나체" panose="020B0503000000000000" pitchFamily="50" charset="-127"/>
+              </a:rPr>
+              <a:t>"</a:t>
+            </a:r>
+            <a:r>
+              <a:rPr lang="en-US" altLang="ko-KR" sz="1400" b="0">
+                <a:solidFill>
+                  <a:srgbClr val="C3E88D"/>
+                </a:solidFill>
+                <a:effectLst/>
+                <a:latin typeface="빙그레 메로나체" panose="020B0503000000000000" pitchFamily="50" charset="-127"/>
+                <a:ea typeface="빙그레 메로나체" panose="020B0503000000000000" pitchFamily="50" charset="-127"/>
+              </a:rPr>
+              <a:t>decrement</a:t>
+            </a:r>
+            <a:r>
+              <a:rPr lang="en-US" altLang="ko-KR" sz="1400" b="0">
+                <a:solidFill>
+                  <a:srgbClr val="89DDFF"/>
+                </a:solidFill>
+                <a:effectLst/>
+                <a:latin typeface="빙그레 메로나체" panose="020B0503000000000000" pitchFamily="50" charset="-127"/>
+                <a:ea typeface="빙그레 메로나체" panose="020B0503000000000000" pitchFamily="50" charset="-127"/>
+              </a:rPr>
+              <a:t>"</a:t>
+            </a:r>
+            <a:r>
+              <a:rPr lang="en-US" altLang="ko-KR" sz="1400" b="0">
+                <a:solidFill>
+                  <a:srgbClr val="EEFFFF"/>
+                </a:solidFill>
+                <a:effectLst/>
+                <a:latin typeface="빙그레 메로나체" panose="020B0503000000000000" pitchFamily="50" charset="-127"/>
+                <a:ea typeface="빙그레 메로나체" panose="020B0503000000000000" pitchFamily="50" charset="-127"/>
+              </a:rPr>
+              <a:t> </a:t>
+            </a:r>
+            <a:r>
+              <a:rPr lang="en-US" altLang="ko-KR" sz="1400" b="0">
+                <a:solidFill>
+                  <a:srgbClr val="89DDFF"/>
+                </a:solidFill>
+                <a:effectLst/>
+                <a:latin typeface="빙그레 메로나체" panose="020B0503000000000000" pitchFamily="50" charset="-127"/>
+                <a:ea typeface="빙그레 메로나체" panose="020B0503000000000000" pitchFamily="50" charset="-127"/>
+              </a:rPr>
+              <a:t>}</a:t>
+            </a:r>
+            <a:r>
+              <a:rPr lang="en-US" altLang="ko-KR" sz="1400" b="0">
+                <a:solidFill>
+                  <a:srgbClr val="EEFFFF"/>
+                </a:solidFill>
+                <a:effectLst/>
+                <a:latin typeface="빙그레 메로나체" panose="020B0503000000000000" pitchFamily="50" charset="-127"/>
+                <a:ea typeface="빙그레 메로나체" panose="020B0503000000000000" pitchFamily="50" charset="-127"/>
+              </a:rPr>
+              <a:t>)</a:t>
+            </a:r>
+            <a:r>
+              <a:rPr lang="en-US" altLang="ko-KR" sz="1400" b="0">
+                <a:solidFill>
+                  <a:srgbClr val="89DDFF"/>
+                </a:solidFill>
+                <a:effectLst/>
+                <a:latin typeface="빙그레 메로나체" panose="020B0503000000000000" pitchFamily="50" charset="-127"/>
+                <a:ea typeface="빙그레 메로나체" panose="020B0503000000000000" pitchFamily="50" charset="-127"/>
+              </a:rPr>
+              <a:t>}&gt;</a:t>
+            </a:r>
+            <a:r>
+              <a:rPr lang="en-US" altLang="ko-KR" sz="1400" b="0">
+                <a:solidFill>
+                  <a:srgbClr val="EEFFFF"/>
+                </a:solidFill>
+                <a:effectLst/>
+                <a:latin typeface="빙그레 메로나체" panose="020B0503000000000000" pitchFamily="50" charset="-127"/>
+                <a:ea typeface="빙그레 메로나체" panose="020B0503000000000000" pitchFamily="50" charset="-127"/>
+              </a:rPr>
+              <a:t>-</a:t>
+            </a:r>
+            <a:r>
+              <a:rPr lang="en-US" altLang="ko-KR" sz="1400" b="0">
+                <a:solidFill>
+                  <a:srgbClr val="89DDFF"/>
+                </a:solidFill>
+                <a:effectLst/>
+                <a:latin typeface="빙그레 메로나체" panose="020B0503000000000000" pitchFamily="50" charset="-127"/>
+                <a:ea typeface="빙그레 메로나체" panose="020B0503000000000000" pitchFamily="50" charset="-127"/>
+              </a:rPr>
+              <a:t>&lt;/</a:t>
+            </a:r>
+            <a:r>
+              <a:rPr lang="en-US" altLang="ko-KR" sz="1400" b="0">
+                <a:solidFill>
+                  <a:srgbClr val="F07178"/>
+                </a:solidFill>
+                <a:effectLst/>
+                <a:latin typeface="빙그레 메로나체" panose="020B0503000000000000" pitchFamily="50" charset="-127"/>
+                <a:ea typeface="빙그레 메로나체" panose="020B0503000000000000" pitchFamily="50" charset="-127"/>
+              </a:rPr>
+              <a:t>button</a:t>
+            </a:r>
+            <a:r>
+              <a:rPr lang="en-US" altLang="ko-KR" sz="1400" b="0">
+                <a:solidFill>
+                  <a:srgbClr val="89DDFF"/>
+                </a:solidFill>
+                <a:effectLst/>
+                <a:latin typeface="빙그레 메로나체" panose="020B0503000000000000" pitchFamily="50" charset="-127"/>
+                <a:ea typeface="빙그레 메로나체" panose="020B0503000000000000" pitchFamily="50" charset="-127"/>
+              </a:rPr>
+              <a:t>&gt;</a:t>
+            </a:r>
+            <a:endParaRPr lang="en-US" altLang="ko-KR" sz="1400" b="0">
+              <a:solidFill>
+                <a:srgbClr val="EEFFFF"/>
+              </a:solidFill>
+              <a:effectLst/>
+              <a:latin typeface="빙그레 메로나체" panose="020B0503000000000000" pitchFamily="50" charset="-127"/>
+              <a:ea typeface="빙그레 메로나체" panose="020B0503000000000000" pitchFamily="50" charset="-127"/>
+            </a:endParaRPr>
+          </a:p>
+          <a:p>
+            <a:r>
+              <a:rPr lang="en-US" altLang="ko-KR" sz="1400" b="0">
+                <a:solidFill>
+                  <a:srgbClr val="EEFFFF"/>
+                </a:solidFill>
+                <a:effectLst/>
+                <a:latin typeface="빙그레 메로나체" panose="020B0503000000000000" pitchFamily="50" charset="-127"/>
+                <a:ea typeface="빙그레 메로나체" panose="020B0503000000000000" pitchFamily="50" charset="-127"/>
+              </a:rPr>
+              <a:t>    </a:t>
+            </a:r>
+            <a:r>
+              <a:rPr lang="en-US" altLang="ko-KR" sz="1400" b="0">
+                <a:solidFill>
+                  <a:srgbClr val="89DDFF"/>
+                </a:solidFill>
+                <a:effectLst/>
+                <a:latin typeface="빙그레 메로나체" panose="020B0503000000000000" pitchFamily="50" charset="-127"/>
+                <a:ea typeface="빙그레 메로나체" panose="020B0503000000000000" pitchFamily="50" charset="-127"/>
+              </a:rPr>
+              <a:t>&lt;/</a:t>
+            </a:r>
+            <a:r>
+              <a:rPr lang="en-US" altLang="ko-KR" sz="1400" b="0">
+                <a:solidFill>
+                  <a:srgbClr val="F07178"/>
+                </a:solidFill>
+                <a:effectLst/>
+                <a:latin typeface="빙그레 메로나체" panose="020B0503000000000000" pitchFamily="50" charset="-127"/>
+                <a:ea typeface="빙그레 메로나체" panose="020B0503000000000000" pitchFamily="50" charset="-127"/>
+              </a:rPr>
+              <a:t>div</a:t>
+            </a:r>
+            <a:r>
+              <a:rPr lang="en-US" altLang="ko-KR" sz="1400" b="0">
+                <a:solidFill>
+                  <a:srgbClr val="89DDFF"/>
+                </a:solidFill>
+                <a:effectLst/>
+                <a:latin typeface="빙그레 메로나체" panose="020B0503000000000000" pitchFamily="50" charset="-127"/>
+                <a:ea typeface="빙그레 메로나체" panose="020B0503000000000000" pitchFamily="50" charset="-127"/>
+              </a:rPr>
+              <a:t>&gt;</a:t>
+            </a:r>
+            <a:endParaRPr lang="en-US" altLang="ko-KR" sz="1400" b="0">
+              <a:solidFill>
+                <a:srgbClr val="EEFFFF"/>
+              </a:solidFill>
+              <a:effectLst/>
+              <a:latin typeface="빙그레 메로나체" panose="020B0503000000000000" pitchFamily="50" charset="-127"/>
+              <a:ea typeface="빙그레 메로나체" panose="020B0503000000000000" pitchFamily="50" charset="-127"/>
+            </a:endParaRPr>
+          </a:p>
+          <a:p>
+            <a:r>
+              <a:rPr lang="en-US" altLang="ko-KR" sz="1400" b="0">
+                <a:solidFill>
+                  <a:srgbClr val="F07178"/>
+                </a:solidFill>
+                <a:effectLst/>
+                <a:latin typeface="빙그레 메로나체" panose="020B0503000000000000" pitchFamily="50" charset="-127"/>
+                <a:ea typeface="빙그레 메로나체" panose="020B0503000000000000" pitchFamily="50" charset="-127"/>
+              </a:rPr>
+              <a:t>  )</a:t>
+            </a:r>
+            <a:r>
+              <a:rPr lang="en-US" altLang="ko-KR" sz="1400" b="0">
+                <a:solidFill>
+                  <a:srgbClr val="89DDFF"/>
+                </a:solidFill>
+                <a:effectLst/>
+                <a:latin typeface="빙그레 메로나체" panose="020B0503000000000000" pitchFamily="50" charset="-127"/>
+                <a:ea typeface="빙그레 메로나체" panose="020B0503000000000000" pitchFamily="50" charset="-127"/>
+              </a:rPr>
+              <a:t>;</a:t>
+            </a:r>
+            <a:endParaRPr lang="en-US" altLang="ko-KR" sz="1400" b="0">
+              <a:solidFill>
+                <a:srgbClr val="EEFFFF"/>
+              </a:solidFill>
+              <a:effectLst/>
+              <a:latin typeface="빙그레 메로나체" panose="020B0503000000000000" pitchFamily="50" charset="-127"/>
+              <a:ea typeface="빙그레 메로나체" panose="020B0503000000000000" pitchFamily="50" charset="-127"/>
+            </a:endParaRPr>
+          </a:p>
+          <a:p>
+            <a:r>
+              <a:rPr lang="en-US" altLang="ko-KR" sz="1400" b="0">
+                <a:solidFill>
+                  <a:srgbClr val="89DDFF"/>
+                </a:solidFill>
+                <a:effectLst/>
+                <a:latin typeface="빙그레 메로나체" panose="020B0503000000000000" pitchFamily="50" charset="-127"/>
+                <a:ea typeface="빙그레 메로나체" panose="020B0503000000000000" pitchFamily="50" charset="-127"/>
+              </a:rPr>
+              <a:t>}</a:t>
+            </a:r>
+            <a:endParaRPr lang="en-US" altLang="ko-KR" sz="1400" b="0">
+              <a:solidFill>
+                <a:srgbClr val="EEFFFF"/>
+              </a:solidFill>
+              <a:effectLst/>
+              <a:latin typeface="빙그레 메로나체" panose="020B0503000000000000" pitchFamily="50" charset="-127"/>
+              <a:ea typeface="빙그레 메로나체" panose="020B0503000000000000" pitchFamily="50" charset="-127"/>
+            </a:endParaRPr>
+          </a:p>
+          <a:p>
+            <a:br>
+              <a:rPr lang="en-US" altLang="ko-KR" sz="1400" b="0">
+                <a:solidFill>
+                  <a:srgbClr val="EEFFFF"/>
+                </a:solidFill>
+                <a:effectLst/>
+                <a:latin typeface="빙그레 메로나체" panose="020B0503000000000000" pitchFamily="50" charset="-127"/>
+                <a:ea typeface="빙그레 메로나체" panose="020B0503000000000000" pitchFamily="50" charset="-127"/>
+              </a:rPr>
+            </a:br>
+            <a:r>
+              <a:rPr lang="en-US" altLang="ko-KR" sz="1400" b="0" i="1">
+                <a:solidFill>
+                  <a:srgbClr val="89DDFF"/>
+                </a:solidFill>
+                <a:effectLst/>
+                <a:latin typeface="빙그레 메로나체" panose="020B0503000000000000" pitchFamily="50" charset="-127"/>
+                <a:ea typeface="빙그레 메로나체" panose="020B0503000000000000" pitchFamily="50" charset="-127"/>
+              </a:rPr>
+              <a:t>export</a:t>
+            </a:r>
+            <a:r>
+              <a:rPr lang="en-US" altLang="ko-KR" sz="1400" b="0">
+                <a:solidFill>
+                  <a:srgbClr val="EEFFFF"/>
+                </a:solidFill>
+                <a:effectLst/>
+                <a:latin typeface="빙그레 메로나체" panose="020B0503000000000000" pitchFamily="50" charset="-127"/>
+                <a:ea typeface="빙그레 메로나체" panose="020B0503000000000000" pitchFamily="50" charset="-127"/>
+              </a:rPr>
+              <a:t> </a:t>
+            </a:r>
+            <a:r>
+              <a:rPr lang="en-US" altLang="ko-KR" sz="1400" b="0" i="1">
+                <a:solidFill>
+                  <a:srgbClr val="89DDFF"/>
+                </a:solidFill>
+                <a:effectLst/>
+                <a:latin typeface="빙그레 메로나체" panose="020B0503000000000000" pitchFamily="50" charset="-127"/>
+                <a:ea typeface="빙그레 메로나체" panose="020B0503000000000000" pitchFamily="50" charset="-127"/>
+              </a:rPr>
+              <a:t>default</a:t>
+            </a:r>
+            <a:r>
+              <a:rPr lang="en-US" altLang="ko-KR" sz="1400" b="0">
+                <a:solidFill>
+                  <a:srgbClr val="EEFFFF"/>
+                </a:solidFill>
+                <a:effectLst/>
+                <a:latin typeface="빙그레 메로나체" panose="020B0503000000000000" pitchFamily="50" charset="-127"/>
+                <a:ea typeface="빙그레 메로나체" panose="020B0503000000000000" pitchFamily="50" charset="-127"/>
+              </a:rPr>
+              <a:t> </a:t>
+            </a:r>
+            <a:r>
+              <a:rPr lang="en-US" altLang="ko-KR" sz="1400" b="0">
+                <a:solidFill>
+                  <a:srgbClr val="82AAFF"/>
+                </a:solidFill>
+                <a:effectLst/>
+                <a:latin typeface="빙그레 메로나체" panose="020B0503000000000000" pitchFamily="50" charset="-127"/>
+                <a:ea typeface="빙그레 메로나체" panose="020B0503000000000000" pitchFamily="50" charset="-127"/>
+              </a:rPr>
+              <a:t>App</a:t>
+            </a:r>
+            <a:r>
+              <a:rPr lang="en-US" altLang="ko-KR" sz="1400" b="0">
+                <a:solidFill>
+                  <a:srgbClr val="89DDFF"/>
+                </a:solidFill>
+                <a:effectLst/>
+                <a:latin typeface="빙그레 메로나체" panose="020B0503000000000000" pitchFamily="50" charset="-127"/>
+                <a:ea typeface="빙그레 메로나체" panose="020B0503000000000000" pitchFamily="50" charset="-127"/>
+              </a:rPr>
+              <a:t>;</a:t>
+            </a:r>
+            <a:endParaRPr lang="en-US" altLang="ko-KR" sz="1400" b="0">
+              <a:solidFill>
+                <a:srgbClr val="EEFFFF"/>
+              </a:solidFill>
+              <a:effectLst/>
+              <a:latin typeface="빙그레 메로나체" panose="020B0503000000000000" pitchFamily="50" charset="-127"/>
+              <a:ea typeface="빙그레 메로나체" panose="020B0503000000000000" pitchFamily="50" charset="-127"/>
+            </a:endParaRPr>
+          </a:p>
+          <a:p>
+            <a:br>
+              <a:rPr lang="en-US" altLang="ko-KR" sz="1400" b="0">
+                <a:solidFill>
+                  <a:srgbClr val="EEFFFF"/>
+                </a:solidFill>
+                <a:effectLst/>
+                <a:latin typeface="빙그레 메로나체" panose="020B0503000000000000" pitchFamily="50" charset="-127"/>
+                <a:ea typeface="빙그레 메로나체" panose="020B0503000000000000" pitchFamily="50" charset="-127"/>
+              </a:rPr>
+            </a:br>
+            <a:endParaRPr lang="en-US" altLang="ko-KR" sz="1400" b="0">
+              <a:solidFill>
+                <a:srgbClr val="EEFFFF"/>
+              </a:solidFill>
+              <a:effectLst/>
               <a:latin typeface="빙그레 메로나체" panose="020B0503000000000000" pitchFamily="50" charset="-127"/>
               <a:ea typeface="빙그레 메로나체" panose="020B0503000000000000" pitchFamily="50" charset="-127"/>
             </a:endParaRPr>
@@ -15420,7 +18043,8 @@
                   <a:srgbClr val="C792EA"/>
                 </a:solidFill>
                 <a:effectLst/>
-                <a:latin typeface="Consolas" panose="020B0609020204030204" pitchFamily="49" charset="0"/>
+                <a:latin typeface="빙그레 메로나체" panose="020B0503000000000000" pitchFamily="50" charset="-127"/>
+                <a:ea typeface="빙그레 메로나체" panose="020B0503000000000000" pitchFamily="50" charset="-127"/>
               </a:rPr>
               <a:t>const</a:t>
             </a:r>
@@ -15430,7 +18054,8 @@
                   <a:srgbClr val="F07178"/>
                 </a:solidFill>
                 <a:effectLst/>
-                <a:latin typeface="Consolas" panose="020B0609020204030204" pitchFamily="49" charset="0"/>
+                <a:latin typeface="빙그레 메로나체" panose="020B0503000000000000" pitchFamily="50" charset="-127"/>
+                <a:ea typeface="빙그레 메로나체" panose="020B0503000000000000" pitchFamily="50" charset="-127"/>
               </a:rPr>
               <a:t> </a:t>
             </a:r>
@@ -15440,7 +18065,8 @@
                   <a:srgbClr val="EEFFFF"/>
                 </a:solidFill>
                 <a:effectLst/>
-                <a:latin typeface="Consolas" panose="020B0609020204030204" pitchFamily="49" charset="0"/>
+                <a:latin typeface="빙그레 메로나체" panose="020B0503000000000000" pitchFamily="50" charset="-127"/>
+                <a:ea typeface="빙그레 메로나체" panose="020B0503000000000000" pitchFamily="50" charset="-127"/>
               </a:rPr>
               <a:t>value</a:t>
             </a:r>
@@ -15450,7 +18076,8 @@
                   <a:srgbClr val="F07178"/>
                 </a:solidFill>
                 <a:effectLst/>
-                <a:latin typeface="Consolas" panose="020B0609020204030204" pitchFamily="49" charset="0"/>
+                <a:latin typeface="빙그레 메로나체" panose="020B0503000000000000" pitchFamily="50" charset="-127"/>
+                <a:ea typeface="빙그레 메로나체" panose="020B0503000000000000" pitchFamily="50" charset="-127"/>
               </a:rPr>
               <a:t> </a:t>
             </a:r>
@@ -15460,7 +18087,8 @@
                   <a:srgbClr val="89DDFF"/>
                 </a:solidFill>
                 <a:effectLst/>
-                <a:latin typeface="Consolas" panose="020B0609020204030204" pitchFamily="49" charset="0"/>
+                <a:latin typeface="빙그레 메로나체" panose="020B0503000000000000" pitchFamily="50" charset="-127"/>
+                <a:ea typeface="빙그레 메로나체" panose="020B0503000000000000" pitchFamily="50" charset="-127"/>
               </a:rPr>
               <a:t>=</a:t>
             </a:r>
@@ -15470,7 +18098,8 @@
                   <a:srgbClr val="F07178"/>
                 </a:solidFill>
                 <a:effectLst/>
-                <a:latin typeface="Consolas" panose="020B0609020204030204" pitchFamily="49" charset="0"/>
+                <a:latin typeface="빙그레 메로나체" panose="020B0503000000000000" pitchFamily="50" charset="-127"/>
+                <a:ea typeface="빙그레 메로나체" panose="020B0503000000000000" pitchFamily="50" charset="-127"/>
               </a:rPr>
               <a:t> </a:t>
             </a:r>
@@ -15480,7 +18109,8 @@
                   <a:srgbClr val="82AAFF"/>
                 </a:solidFill>
                 <a:effectLst/>
-                <a:latin typeface="Consolas" panose="020B0609020204030204" pitchFamily="49" charset="0"/>
+                <a:latin typeface="빙그레 메로나체" panose="020B0503000000000000" pitchFamily="50" charset="-127"/>
+                <a:ea typeface="빙그레 메로나체" panose="020B0503000000000000" pitchFamily="50" charset="-127"/>
               </a:rPr>
               <a:t>useMemo</a:t>
             </a:r>
@@ -15490,7 +18120,8 @@
                   <a:srgbClr val="F07178"/>
                 </a:solidFill>
                 <a:effectLst/>
-                <a:latin typeface="Consolas" panose="020B0609020204030204" pitchFamily="49" charset="0"/>
+                <a:latin typeface="빙그레 메로나체" panose="020B0503000000000000" pitchFamily="50" charset="-127"/>
+                <a:ea typeface="빙그레 메로나체" panose="020B0503000000000000" pitchFamily="50" charset="-127"/>
               </a:rPr>
               <a:t>(</a:t>
             </a:r>
@@ -15500,7 +18131,8 @@
                   <a:srgbClr val="89DDFF"/>
                 </a:solidFill>
                 <a:effectLst/>
-                <a:latin typeface="Consolas" panose="020B0609020204030204" pitchFamily="49" charset="0"/>
+                <a:latin typeface="빙그레 메로나체" panose="020B0503000000000000" pitchFamily="50" charset="-127"/>
+                <a:ea typeface="빙그레 메로나체" panose="020B0503000000000000" pitchFamily="50" charset="-127"/>
               </a:rPr>
               <a:t>()</a:t>
             </a:r>
@@ -15510,7 +18142,8 @@
                   <a:srgbClr val="F07178"/>
                 </a:solidFill>
                 <a:effectLst/>
-                <a:latin typeface="Consolas" panose="020B0609020204030204" pitchFamily="49" charset="0"/>
+                <a:latin typeface="빙그레 메로나체" panose="020B0503000000000000" pitchFamily="50" charset="-127"/>
+                <a:ea typeface="빙그레 메로나체" panose="020B0503000000000000" pitchFamily="50" charset="-127"/>
               </a:rPr>
               <a:t> </a:t>
             </a:r>
@@ -15520,7 +18153,8 @@
                   <a:srgbClr val="C792EA"/>
                 </a:solidFill>
                 <a:effectLst/>
-                <a:latin typeface="Consolas" panose="020B0609020204030204" pitchFamily="49" charset="0"/>
+                <a:latin typeface="빙그레 메로나체" panose="020B0503000000000000" pitchFamily="50" charset="-127"/>
+                <a:ea typeface="빙그레 메로나체" panose="020B0503000000000000" pitchFamily="50" charset="-127"/>
               </a:rPr>
               <a:t>=&gt;</a:t>
             </a:r>
@@ -15530,7 +18164,8 @@
                   <a:srgbClr val="F07178"/>
                 </a:solidFill>
                 <a:effectLst/>
-                <a:latin typeface="Consolas" panose="020B0609020204030204" pitchFamily="49" charset="0"/>
+                <a:latin typeface="빙그레 메로나체" panose="020B0503000000000000" pitchFamily="50" charset="-127"/>
+                <a:ea typeface="빙그레 메로나체" panose="020B0503000000000000" pitchFamily="50" charset="-127"/>
               </a:rPr>
               <a:t> </a:t>
             </a:r>
@@ -15540,7 +18175,8 @@
                   <a:srgbClr val="82AAFF"/>
                 </a:solidFill>
                 <a:effectLst/>
-                <a:latin typeface="Consolas" panose="020B0609020204030204" pitchFamily="49" charset="0"/>
+                <a:latin typeface="빙그레 메로나체" panose="020B0503000000000000" pitchFamily="50" charset="-127"/>
+                <a:ea typeface="빙그레 메로나체" panose="020B0503000000000000" pitchFamily="50" charset="-127"/>
               </a:rPr>
               <a:t>printInput</a:t>
             </a:r>
@@ -15550,7 +18186,8 @@
                   <a:srgbClr val="F07178"/>
                 </a:solidFill>
                 <a:effectLst/>
-                <a:latin typeface="Consolas" panose="020B0609020204030204" pitchFamily="49" charset="0"/>
+                <a:latin typeface="빙그레 메로나체" panose="020B0503000000000000" pitchFamily="50" charset="-127"/>
+                <a:ea typeface="빙그레 메로나체" panose="020B0503000000000000" pitchFamily="50" charset="-127"/>
               </a:rPr>
               <a:t>()</a:t>
             </a:r>
@@ -15560,7 +18197,8 @@
                   <a:srgbClr val="89DDFF"/>
                 </a:solidFill>
                 <a:effectLst/>
-                <a:latin typeface="Consolas" panose="020B0609020204030204" pitchFamily="49" charset="0"/>
+                <a:latin typeface="빙그레 메로나체" panose="020B0503000000000000" pitchFamily="50" charset="-127"/>
+                <a:ea typeface="빙그레 메로나체" panose="020B0503000000000000" pitchFamily="50" charset="-127"/>
               </a:rPr>
               <a:t>,</a:t>
             </a:r>
@@ -15570,7 +18208,8 @@
                   <a:srgbClr val="F07178"/>
                 </a:solidFill>
                 <a:effectLst/>
-                <a:latin typeface="Consolas" panose="020B0609020204030204" pitchFamily="49" charset="0"/>
+                <a:latin typeface="빙그레 메로나체" panose="020B0503000000000000" pitchFamily="50" charset="-127"/>
+                <a:ea typeface="빙그레 메로나체" panose="020B0503000000000000" pitchFamily="50" charset="-127"/>
               </a:rPr>
               <a:t> [])</a:t>
             </a:r>
@@ -15580,7 +18219,8 @@
                   <a:srgbClr val="89DDFF"/>
                 </a:solidFill>
                 <a:effectLst/>
-                <a:latin typeface="Consolas" panose="020B0609020204030204" pitchFamily="49" charset="0"/>
+                <a:latin typeface="빙그레 메로나체" panose="020B0503000000000000" pitchFamily="50" charset="-127"/>
+                <a:ea typeface="빙그레 메로나체" panose="020B0503000000000000" pitchFamily="50" charset="-127"/>
               </a:rPr>
               <a:t>;</a:t>
             </a:r>
@@ -15589,7 +18229,8 @@
                 <a:srgbClr val="EEFFFF"/>
               </a:solidFill>
               <a:effectLst/>
-              <a:latin typeface="Consolas" panose="020B0609020204030204" pitchFamily="49" charset="0"/>
+              <a:latin typeface="빙그레 메로나체" panose="020B0503000000000000" pitchFamily="50" charset="-127"/>
+              <a:ea typeface="빙그레 메로나체" panose="020B0503000000000000" pitchFamily="50" charset="-127"/>
             </a:endParaRPr>
           </a:p>
           <a:p>
@@ -17351,7 +19992,8 @@
                   <a:srgbClr val="C792EA"/>
                 </a:solidFill>
                 <a:effectLst/>
-                <a:latin typeface="Consolas" panose="020B0609020204030204" pitchFamily="49" charset="0"/>
+                <a:latin typeface="빙그레 메로나체" panose="020B0503000000000000" pitchFamily="50" charset="-127"/>
+                <a:ea typeface="빙그레 메로나체" panose="020B0503000000000000" pitchFamily="50" charset="-127"/>
               </a:rPr>
               <a:t>const</a:t>
             </a:r>
@@ -17361,7 +20003,8 @@
                   <a:srgbClr val="F07178"/>
                 </a:solidFill>
                 <a:effectLst/>
-                <a:latin typeface="Consolas" panose="020B0609020204030204" pitchFamily="49" charset="0"/>
+                <a:latin typeface="빙그레 메로나체" panose="020B0503000000000000" pitchFamily="50" charset="-127"/>
+                <a:ea typeface="빙그레 메로나체" panose="020B0503000000000000" pitchFamily="50" charset="-127"/>
               </a:rPr>
               <a:t> </a:t>
             </a:r>
@@ -17371,7 +20014,8 @@
                   <a:srgbClr val="EEFFFF"/>
                 </a:solidFill>
                 <a:effectLst/>
-                <a:latin typeface="Consolas" panose="020B0609020204030204" pitchFamily="49" charset="0"/>
+                <a:latin typeface="빙그레 메로나체" panose="020B0503000000000000" pitchFamily="50" charset="-127"/>
+                <a:ea typeface="빙그레 메로나체" panose="020B0503000000000000" pitchFamily="50" charset="-127"/>
               </a:rPr>
               <a:t>value</a:t>
             </a:r>
@@ -17381,7 +20025,8 @@
                   <a:srgbClr val="F07178"/>
                 </a:solidFill>
                 <a:effectLst/>
-                <a:latin typeface="Consolas" panose="020B0609020204030204" pitchFamily="49" charset="0"/>
+                <a:latin typeface="빙그레 메로나체" panose="020B0503000000000000" pitchFamily="50" charset="-127"/>
+                <a:ea typeface="빙그레 메로나체" panose="020B0503000000000000" pitchFamily="50" charset="-127"/>
               </a:rPr>
               <a:t> </a:t>
             </a:r>
@@ -17391,7 +20036,8 @@
                   <a:srgbClr val="89DDFF"/>
                 </a:solidFill>
                 <a:effectLst/>
-                <a:latin typeface="Consolas" panose="020B0609020204030204" pitchFamily="49" charset="0"/>
+                <a:latin typeface="빙그레 메로나체" panose="020B0503000000000000" pitchFamily="50" charset="-127"/>
+                <a:ea typeface="빙그레 메로나체" panose="020B0503000000000000" pitchFamily="50" charset="-127"/>
               </a:rPr>
               <a:t>=</a:t>
             </a:r>
@@ -17401,7 +20047,8 @@
                   <a:srgbClr val="F07178"/>
                 </a:solidFill>
                 <a:effectLst/>
-                <a:latin typeface="Consolas" panose="020B0609020204030204" pitchFamily="49" charset="0"/>
+                <a:latin typeface="빙그레 메로나체" panose="020B0503000000000000" pitchFamily="50" charset="-127"/>
+                <a:ea typeface="빙그레 메로나체" panose="020B0503000000000000" pitchFamily="50" charset="-127"/>
               </a:rPr>
               <a:t> </a:t>
             </a:r>
@@ -17411,7 +20058,8 @@
                   <a:srgbClr val="82AAFF"/>
                 </a:solidFill>
                 <a:effectLst/>
-                <a:latin typeface="Consolas" panose="020B0609020204030204" pitchFamily="49" charset="0"/>
+                <a:latin typeface="빙그레 메로나체" panose="020B0503000000000000" pitchFamily="50" charset="-127"/>
+                <a:ea typeface="빙그레 메로나체" panose="020B0503000000000000" pitchFamily="50" charset="-127"/>
               </a:rPr>
               <a:t>useMemo</a:t>
             </a:r>
@@ -17421,7 +20069,8 @@
                   <a:srgbClr val="F07178"/>
                 </a:solidFill>
                 <a:effectLst/>
-                <a:latin typeface="Consolas" panose="020B0609020204030204" pitchFamily="49" charset="0"/>
+                <a:latin typeface="빙그레 메로나체" panose="020B0503000000000000" pitchFamily="50" charset="-127"/>
+                <a:ea typeface="빙그레 메로나체" panose="020B0503000000000000" pitchFamily="50" charset="-127"/>
               </a:rPr>
               <a:t>(</a:t>
             </a:r>
@@ -17431,7 +20080,8 @@
                   <a:srgbClr val="89DDFF"/>
                 </a:solidFill>
                 <a:effectLst/>
-                <a:latin typeface="Consolas" panose="020B0609020204030204" pitchFamily="49" charset="0"/>
+                <a:latin typeface="빙그레 메로나체" panose="020B0503000000000000" pitchFamily="50" charset="-127"/>
+                <a:ea typeface="빙그레 메로나체" panose="020B0503000000000000" pitchFamily="50" charset="-127"/>
               </a:rPr>
               <a:t>()</a:t>
             </a:r>
@@ -17441,7 +20091,8 @@
                   <a:srgbClr val="F07178"/>
                 </a:solidFill>
                 <a:effectLst/>
-                <a:latin typeface="Consolas" panose="020B0609020204030204" pitchFamily="49" charset="0"/>
+                <a:latin typeface="빙그레 메로나체" panose="020B0503000000000000" pitchFamily="50" charset="-127"/>
+                <a:ea typeface="빙그레 메로나체" panose="020B0503000000000000" pitchFamily="50" charset="-127"/>
               </a:rPr>
               <a:t> </a:t>
             </a:r>
@@ -17451,7 +20102,8 @@
                   <a:srgbClr val="C792EA"/>
                 </a:solidFill>
                 <a:effectLst/>
-                <a:latin typeface="Consolas" panose="020B0609020204030204" pitchFamily="49" charset="0"/>
+                <a:latin typeface="빙그레 메로나체" panose="020B0503000000000000" pitchFamily="50" charset="-127"/>
+                <a:ea typeface="빙그레 메로나체" panose="020B0503000000000000" pitchFamily="50" charset="-127"/>
               </a:rPr>
               <a:t>=&gt;</a:t>
             </a:r>
@@ -17461,7 +20113,8 @@
                   <a:srgbClr val="F07178"/>
                 </a:solidFill>
                 <a:effectLst/>
-                <a:latin typeface="Consolas" panose="020B0609020204030204" pitchFamily="49" charset="0"/>
+                <a:latin typeface="빙그레 메로나체" panose="020B0503000000000000" pitchFamily="50" charset="-127"/>
+                <a:ea typeface="빙그레 메로나체" panose="020B0503000000000000" pitchFamily="50" charset="-127"/>
               </a:rPr>
               <a:t> </a:t>
             </a:r>
@@ -17471,7 +20124,8 @@
                   <a:srgbClr val="82AAFF"/>
                 </a:solidFill>
                 <a:effectLst/>
-                <a:latin typeface="Consolas" panose="020B0609020204030204" pitchFamily="49" charset="0"/>
+                <a:latin typeface="빙그레 메로나체" panose="020B0503000000000000" pitchFamily="50" charset="-127"/>
+                <a:ea typeface="빙그레 메로나체" panose="020B0503000000000000" pitchFamily="50" charset="-127"/>
               </a:rPr>
               <a:t>printInput</a:t>
             </a:r>
@@ -17481,7 +20135,8 @@
                   <a:srgbClr val="F07178"/>
                 </a:solidFill>
                 <a:effectLst/>
-                <a:latin typeface="Consolas" panose="020B0609020204030204" pitchFamily="49" charset="0"/>
+                <a:latin typeface="빙그레 메로나체" panose="020B0503000000000000" pitchFamily="50" charset="-127"/>
+                <a:ea typeface="빙그레 메로나체" panose="020B0503000000000000" pitchFamily="50" charset="-127"/>
               </a:rPr>
               <a:t>()</a:t>
             </a:r>
@@ -17491,7 +20146,8 @@
                   <a:srgbClr val="89DDFF"/>
                 </a:solidFill>
                 <a:effectLst/>
-                <a:latin typeface="Consolas" panose="020B0609020204030204" pitchFamily="49" charset="0"/>
+                <a:latin typeface="빙그레 메로나체" panose="020B0503000000000000" pitchFamily="50" charset="-127"/>
+                <a:ea typeface="빙그레 메로나체" panose="020B0503000000000000" pitchFamily="50" charset="-127"/>
               </a:rPr>
               <a:t>,</a:t>
             </a:r>
@@ -17501,7 +20157,8 @@
                   <a:srgbClr val="F07178"/>
                 </a:solidFill>
                 <a:effectLst/>
-                <a:latin typeface="Consolas" panose="020B0609020204030204" pitchFamily="49" charset="0"/>
+                <a:latin typeface="빙그레 메로나체" panose="020B0503000000000000" pitchFamily="50" charset="-127"/>
+                <a:ea typeface="빙그레 메로나체" panose="020B0503000000000000" pitchFamily="50" charset="-127"/>
               </a:rPr>
               <a:t> [</a:t>
             </a:r>
@@ -17522,7 +20179,8 @@
                   <a:srgbClr val="F07178"/>
                 </a:solidFill>
                 <a:effectLst/>
-                <a:latin typeface="Consolas" panose="020B0609020204030204" pitchFamily="49" charset="0"/>
+                <a:latin typeface="빙그레 메로나체" panose="020B0503000000000000" pitchFamily="50" charset="-127"/>
+                <a:ea typeface="빙그레 메로나체" panose="020B0503000000000000" pitchFamily="50" charset="-127"/>
               </a:rPr>
               <a:t>])</a:t>
             </a:r>
@@ -17532,7 +20190,8 @@
                   <a:srgbClr val="89DDFF"/>
                 </a:solidFill>
                 <a:effectLst/>
-                <a:latin typeface="Consolas" panose="020B0609020204030204" pitchFamily="49" charset="0"/>
+                <a:latin typeface="빙그레 메로나체" panose="020B0503000000000000" pitchFamily="50" charset="-127"/>
+                <a:ea typeface="빙그레 메로나체" panose="020B0503000000000000" pitchFamily="50" charset="-127"/>
               </a:rPr>
               <a:t>;</a:t>
             </a:r>
@@ -17541,7 +20200,8 @@
                 <a:srgbClr val="EEFFFF"/>
               </a:solidFill>
               <a:effectLst/>
-              <a:latin typeface="Consolas" panose="020B0609020204030204" pitchFamily="49" charset="0"/>
+              <a:latin typeface="빙그레 메로나체" panose="020B0503000000000000" pitchFamily="50" charset="-127"/>
+              <a:ea typeface="빙그레 메로나체" panose="020B0503000000000000" pitchFamily="50" charset="-127"/>
             </a:endParaRPr>
           </a:p>
           <a:p>
@@ -19444,7 +22104,8 @@
                   <a:srgbClr val="C792EA"/>
                 </a:solidFill>
                 <a:effectLst/>
-                <a:latin typeface="Consolas" panose="020B0609020204030204" pitchFamily="49" charset="0"/>
+                <a:latin typeface="빙그레 메로나체" panose="020B0503000000000000" pitchFamily="50" charset="-127"/>
+                <a:ea typeface="빙그레 메로나체" panose="020B0503000000000000" pitchFamily="50" charset="-127"/>
               </a:rPr>
               <a:t>const</a:t>
             </a:r>
@@ -19454,7 +22115,8 @@
                   <a:srgbClr val="F07178"/>
                 </a:solidFill>
                 <a:effectLst/>
-                <a:latin typeface="Consolas" panose="020B0609020204030204" pitchFamily="49" charset="0"/>
+                <a:latin typeface="빙그레 메로나체" panose="020B0503000000000000" pitchFamily="50" charset="-127"/>
+                <a:ea typeface="빙그레 메로나체" panose="020B0503000000000000" pitchFamily="50" charset="-127"/>
               </a:rPr>
               <a:t> </a:t>
             </a:r>
@@ -19464,7 +22126,8 @@
                   <a:srgbClr val="EEFFFF"/>
                 </a:solidFill>
                 <a:effectLst/>
-                <a:latin typeface="Consolas" panose="020B0609020204030204" pitchFamily="49" charset="0"/>
+                <a:latin typeface="빙그레 메로나체" panose="020B0503000000000000" pitchFamily="50" charset="-127"/>
+                <a:ea typeface="빙그레 메로나체" panose="020B0503000000000000" pitchFamily="50" charset="-127"/>
               </a:rPr>
               <a:t>value</a:t>
             </a:r>
@@ -19474,7 +22137,8 @@
                   <a:srgbClr val="F07178"/>
                 </a:solidFill>
                 <a:effectLst/>
-                <a:latin typeface="Consolas" panose="020B0609020204030204" pitchFamily="49" charset="0"/>
+                <a:latin typeface="빙그레 메로나체" panose="020B0503000000000000" pitchFamily="50" charset="-127"/>
+                <a:ea typeface="빙그레 메로나체" panose="020B0503000000000000" pitchFamily="50" charset="-127"/>
               </a:rPr>
               <a:t> </a:t>
             </a:r>
@@ -19484,7 +22148,8 @@
                   <a:srgbClr val="89DDFF"/>
                 </a:solidFill>
                 <a:effectLst/>
-                <a:latin typeface="Consolas" panose="020B0609020204030204" pitchFamily="49" charset="0"/>
+                <a:latin typeface="빙그레 메로나체" panose="020B0503000000000000" pitchFamily="50" charset="-127"/>
+                <a:ea typeface="빙그레 메로나체" panose="020B0503000000000000" pitchFamily="50" charset="-127"/>
               </a:rPr>
               <a:t>=</a:t>
             </a:r>
@@ -19494,7 +22159,8 @@
                   <a:srgbClr val="F07178"/>
                 </a:solidFill>
                 <a:effectLst/>
-                <a:latin typeface="Consolas" panose="020B0609020204030204" pitchFamily="49" charset="0"/>
+                <a:latin typeface="빙그레 메로나체" panose="020B0503000000000000" pitchFamily="50" charset="-127"/>
+                <a:ea typeface="빙그레 메로나체" panose="020B0503000000000000" pitchFamily="50" charset="-127"/>
               </a:rPr>
               <a:t> </a:t>
             </a:r>
@@ -19504,7 +22170,8 @@
                   <a:srgbClr val="82AAFF"/>
                 </a:solidFill>
                 <a:effectLst/>
-                <a:latin typeface="Consolas" panose="020B0609020204030204" pitchFamily="49" charset="0"/>
+                <a:latin typeface="빙그레 메로나체" panose="020B0503000000000000" pitchFamily="50" charset="-127"/>
+                <a:ea typeface="빙그레 메로나체" panose="020B0503000000000000" pitchFamily="50" charset="-127"/>
               </a:rPr>
               <a:t>useCallback</a:t>
             </a:r>
@@ -19514,7 +22181,8 @@
                   <a:srgbClr val="F07178"/>
                 </a:solidFill>
                 <a:effectLst/>
-                <a:latin typeface="Consolas" panose="020B0609020204030204" pitchFamily="49" charset="0"/>
+                <a:latin typeface="빙그레 메로나체" panose="020B0503000000000000" pitchFamily="50" charset="-127"/>
+                <a:ea typeface="빙그레 메로나체" panose="020B0503000000000000" pitchFamily="50" charset="-127"/>
               </a:rPr>
               <a:t>(</a:t>
             </a:r>
@@ -19524,7 +22192,8 @@
                   <a:srgbClr val="89DDFF"/>
                 </a:solidFill>
                 <a:effectLst/>
-                <a:latin typeface="Consolas" panose="020B0609020204030204" pitchFamily="49" charset="0"/>
+                <a:latin typeface="빙그레 메로나체" panose="020B0503000000000000" pitchFamily="50" charset="-127"/>
+                <a:ea typeface="빙그레 메로나체" panose="020B0503000000000000" pitchFamily="50" charset="-127"/>
               </a:rPr>
               <a:t>()</a:t>
             </a:r>
@@ -19534,7 +22203,8 @@
                   <a:srgbClr val="F07178"/>
                 </a:solidFill>
                 <a:effectLst/>
-                <a:latin typeface="Consolas" panose="020B0609020204030204" pitchFamily="49" charset="0"/>
+                <a:latin typeface="빙그레 메로나체" panose="020B0503000000000000" pitchFamily="50" charset="-127"/>
+                <a:ea typeface="빙그레 메로나체" panose="020B0503000000000000" pitchFamily="50" charset="-127"/>
               </a:rPr>
               <a:t> </a:t>
             </a:r>
@@ -19544,7 +22214,8 @@
                   <a:srgbClr val="C792EA"/>
                 </a:solidFill>
                 <a:effectLst/>
-                <a:latin typeface="Consolas" panose="020B0609020204030204" pitchFamily="49" charset="0"/>
+                <a:latin typeface="빙그레 메로나체" panose="020B0503000000000000" pitchFamily="50" charset="-127"/>
+                <a:ea typeface="빙그레 메로나체" panose="020B0503000000000000" pitchFamily="50" charset="-127"/>
               </a:rPr>
               <a:t>=&gt;</a:t>
             </a:r>
@@ -19554,7 +22225,8 @@
                   <a:srgbClr val="F07178"/>
                 </a:solidFill>
                 <a:effectLst/>
-                <a:latin typeface="Consolas" panose="020B0609020204030204" pitchFamily="49" charset="0"/>
+                <a:latin typeface="빙그레 메로나체" panose="020B0503000000000000" pitchFamily="50" charset="-127"/>
+                <a:ea typeface="빙그레 메로나체" panose="020B0503000000000000" pitchFamily="50" charset="-127"/>
               </a:rPr>
               <a:t> </a:t>
             </a:r>
@@ -19564,7 +22236,8 @@
                   <a:srgbClr val="82AAFF"/>
                 </a:solidFill>
                 <a:effectLst/>
-                <a:latin typeface="Consolas" panose="020B0609020204030204" pitchFamily="49" charset="0"/>
+                <a:latin typeface="빙그레 메로나체" panose="020B0503000000000000" pitchFamily="50" charset="-127"/>
+                <a:ea typeface="빙그레 메로나체" panose="020B0503000000000000" pitchFamily="50" charset="-127"/>
               </a:rPr>
               <a:t>printInput</a:t>
             </a:r>
@@ -19574,7 +22247,8 @@
                   <a:srgbClr val="F07178"/>
                 </a:solidFill>
                 <a:effectLst/>
-                <a:latin typeface="Consolas" panose="020B0609020204030204" pitchFamily="49" charset="0"/>
+                <a:latin typeface="빙그레 메로나체" panose="020B0503000000000000" pitchFamily="50" charset="-127"/>
+                <a:ea typeface="빙그레 메로나체" panose="020B0503000000000000" pitchFamily="50" charset="-127"/>
               </a:rPr>
               <a:t>()</a:t>
             </a:r>
@@ -19584,7 +22258,8 @@
                   <a:srgbClr val="89DDFF"/>
                 </a:solidFill>
                 <a:effectLst/>
-                <a:latin typeface="Consolas" panose="020B0609020204030204" pitchFamily="49" charset="0"/>
+                <a:latin typeface="빙그레 메로나체" panose="020B0503000000000000" pitchFamily="50" charset="-127"/>
+                <a:ea typeface="빙그레 메로나체" panose="020B0503000000000000" pitchFamily="50" charset="-127"/>
               </a:rPr>
               <a:t>,</a:t>
             </a:r>
@@ -19594,7 +22269,8 @@
                   <a:srgbClr val="F07178"/>
                 </a:solidFill>
                 <a:effectLst/>
-                <a:latin typeface="Consolas" panose="020B0609020204030204" pitchFamily="49" charset="0"/>
+                <a:latin typeface="빙그레 메로나체" panose="020B0503000000000000" pitchFamily="50" charset="-127"/>
+                <a:ea typeface="빙그레 메로나체" panose="020B0503000000000000" pitchFamily="50" charset="-127"/>
               </a:rPr>
               <a:t> [])</a:t>
             </a:r>
@@ -19604,7 +22280,8 @@
                   <a:srgbClr val="89DDFF"/>
                 </a:solidFill>
                 <a:effectLst/>
-                <a:latin typeface="Consolas" panose="020B0609020204030204" pitchFamily="49" charset="0"/>
+                <a:latin typeface="빙그레 메로나체" panose="020B0503000000000000" pitchFamily="50" charset="-127"/>
+                <a:ea typeface="빙그레 메로나체" panose="020B0503000000000000" pitchFamily="50" charset="-127"/>
               </a:rPr>
               <a:t>;</a:t>
             </a:r>
@@ -19613,7 +22290,8 @@
                 <a:srgbClr val="EEFFFF"/>
               </a:solidFill>
               <a:effectLst/>
-              <a:latin typeface="Consolas" panose="020B0609020204030204" pitchFamily="49" charset="0"/>
+              <a:latin typeface="빙그레 메로나체" panose="020B0503000000000000" pitchFamily="50" charset="-127"/>
+              <a:ea typeface="빙그레 메로나체" panose="020B0503000000000000" pitchFamily="50" charset="-127"/>
             </a:endParaRPr>
           </a:p>
           <a:p>
@@ -21551,7 +24229,8 @@
                   <a:srgbClr val="C792EA"/>
                 </a:solidFill>
                 <a:effectLst/>
-                <a:latin typeface="Consolas" panose="020B0609020204030204" pitchFamily="49" charset="0"/>
+                <a:latin typeface="빙그레 메로나체" panose="020B0503000000000000" pitchFamily="50" charset="-127"/>
+                <a:ea typeface="빙그레 메로나체" panose="020B0503000000000000" pitchFamily="50" charset="-127"/>
               </a:rPr>
               <a:t>const</a:t>
             </a:r>
@@ -21561,7 +24240,8 @@
                   <a:srgbClr val="F07178"/>
                 </a:solidFill>
                 <a:effectLst/>
-                <a:latin typeface="Consolas" panose="020B0609020204030204" pitchFamily="49" charset="0"/>
+                <a:latin typeface="빙그레 메로나체" panose="020B0503000000000000" pitchFamily="50" charset="-127"/>
+                <a:ea typeface="빙그레 메로나체" panose="020B0503000000000000" pitchFamily="50" charset="-127"/>
               </a:rPr>
               <a:t> </a:t>
             </a:r>
@@ -21571,7 +24251,8 @@
                   <a:srgbClr val="EEFFFF"/>
                 </a:solidFill>
                 <a:effectLst/>
-                <a:latin typeface="Consolas" panose="020B0609020204030204" pitchFamily="49" charset="0"/>
+                <a:latin typeface="빙그레 메로나체" panose="020B0503000000000000" pitchFamily="50" charset="-127"/>
+                <a:ea typeface="빙그레 메로나체" panose="020B0503000000000000" pitchFamily="50" charset="-127"/>
               </a:rPr>
               <a:t>value</a:t>
             </a:r>
@@ -21581,7 +24262,8 @@
                   <a:srgbClr val="F07178"/>
                 </a:solidFill>
                 <a:effectLst/>
-                <a:latin typeface="Consolas" panose="020B0609020204030204" pitchFamily="49" charset="0"/>
+                <a:latin typeface="빙그레 메로나체" panose="020B0503000000000000" pitchFamily="50" charset="-127"/>
+                <a:ea typeface="빙그레 메로나체" panose="020B0503000000000000" pitchFamily="50" charset="-127"/>
               </a:rPr>
               <a:t> </a:t>
             </a:r>
@@ -21591,7 +24273,8 @@
                   <a:srgbClr val="89DDFF"/>
                 </a:solidFill>
                 <a:effectLst/>
-                <a:latin typeface="Consolas" panose="020B0609020204030204" pitchFamily="49" charset="0"/>
+                <a:latin typeface="빙그레 메로나체" panose="020B0503000000000000" pitchFamily="50" charset="-127"/>
+                <a:ea typeface="빙그레 메로나체" panose="020B0503000000000000" pitchFamily="50" charset="-127"/>
               </a:rPr>
               <a:t>=</a:t>
             </a:r>
@@ -21601,7 +24284,8 @@
                   <a:srgbClr val="F07178"/>
                 </a:solidFill>
                 <a:effectLst/>
-                <a:latin typeface="Consolas" panose="020B0609020204030204" pitchFamily="49" charset="0"/>
+                <a:latin typeface="빙그레 메로나체" panose="020B0503000000000000" pitchFamily="50" charset="-127"/>
+                <a:ea typeface="빙그레 메로나체" panose="020B0503000000000000" pitchFamily="50" charset="-127"/>
               </a:rPr>
               <a:t> </a:t>
             </a:r>
@@ -21611,7 +24295,8 @@
                   <a:srgbClr val="82AAFF"/>
                 </a:solidFill>
                 <a:effectLst/>
-                <a:latin typeface="Consolas" panose="020B0609020204030204" pitchFamily="49" charset="0"/>
+                <a:latin typeface="빙그레 메로나체" panose="020B0503000000000000" pitchFamily="50" charset="-127"/>
+                <a:ea typeface="빙그레 메로나체" panose="020B0503000000000000" pitchFamily="50" charset="-127"/>
               </a:rPr>
               <a:t>useCallback</a:t>
             </a:r>
@@ -21621,7 +24306,8 @@
                   <a:srgbClr val="F07178"/>
                 </a:solidFill>
                 <a:effectLst/>
-                <a:latin typeface="Consolas" panose="020B0609020204030204" pitchFamily="49" charset="0"/>
+                <a:latin typeface="빙그레 메로나체" panose="020B0503000000000000" pitchFamily="50" charset="-127"/>
+                <a:ea typeface="빙그레 메로나체" panose="020B0503000000000000" pitchFamily="50" charset="-127"/>
               </a:rPr>
               <a:t>(</a:t>
             </a:r>
@@ -21631,7 +24317,8 @@
                   <a:srgbClr val="89DDFF"/>
                 </a:solidFill>
                 <a:effectLst/>
-                <a:latin typeface="Consolas" panose="020B0609020204030204" pitchFamily="49" charset="0"/>
+                <a:latin typeface="빙그레 메로나체" panose="020B0503000000000000" pitchFamily="50" charset="-127"/>
+                <a:ea typeface="빙그레 메로나체" panose="020B0503000000000000" pitchFamily="50" charset="-127"/>
               </a:rPr>
               <a:t>()</a:t>
             </a:r>
@@ -21641,7 +24328,8 @@
                   <a:srgbClr val="F07178"/>
                 </a:solidFill>
                 <a:effectLst/>
-                <a:latin typeface="Consolas" panose="020B0609020204030204" pitchFamily="49" charset="0"/>
+                <a:latin typeface="빙그레 메로나체" panose="020B0503000000000000" pitchFamily="50" charset="-127"/>
+                <a:ea typeface="빙그레 메로나체" panose="020B0503000000000000" pitchFamily="50" charset="-127"/>
               </a:rPr>
               <a:t> </a:t>
             </a:r>
@@ -21651,7 +24339,8 @@
                   <a:srgbClr val="C792EA"/>
                 </a:solidFill>
                 <a:effectLst/>
-                <a:latin typeface="Consolas" panose="020B0609020204030204" pitchFamily="49" charset="0"/>
+                <a:latin typeface="빙그레 메로나체" panose="020B0503000000000000" pitchFamily="50" charset="-127"/>
+                <a:ea typeface="빙그레 메로나체" panose="020B0503000000000000" pitchFamily="50" charset="-127"/>
               </a:rPr>
               <a:t>=&gt;</a:t>
             </a:r>
@@ -21661,7 +24350,8 @@
                   <a:srgbClr val="F07178"/>
                 </a:solidFill>
                 <a:effectLst/>
-                <a:latin typeface="Consolas" panose="020B0609020204030204" pitchFamily="49" charset="0"/>
+                <a:latin typeface="빙그레 메로나체" panose="020B0503000000000000" pitchFamily="50" charset="-127"/>
+                <a:ea typeface="빙그레 메로나체" panose="020B0503000000000000" pitchFamily="50" charset="-127"/>
               </a:rPr>
               <a:t> </a:t>
             </a:r>
@@ -21671,7 +24361,8 @@
                   <a:srgbClr val="82AAFF"/>
                 </a:solidFill>
                 <a:effectLst/>
-                <a:latin typeface="Consolas" panose="020B0609020204030204" pitchFamily="49" charset="0"/>
+                <a:latin typeface="빙그레 메로나체" panose="020B0503000000000000" pitchFamily="50" charset="-127"/>
+                <a:ea typeface="빙그레 메로나체" panose="020B0503000000000000" pitchFamily="50" charset="-127"/>
               </a:rPr>
               <a:t>printInput</a:t>
             </a:r>
@@ -21681,7 +24372,8 @@
                   <a:srgbClr val="F07178"/>
                 </a:solidFill>
                 <a:effectLst/>
-                <a:latin typeface="Consolas" panose="020B0609020204030204" pitchFamily="49" charset="0"/>
+                <a:latin typeface="빙그레 메로나체" panose="020B0503000000000000" pitchFamily="50" charset="-127"/>
+                <a:ea typeface="빙그레 메로나체" panose="020B0503000000000000" pitchFamily="50" charset="-127"/>
               </a:rPr>
               <a:t>()</a:t>
             </a:r>
@@ -21691,7 +24383,8 @@
                   <a:srgbClr val="89DDFF"/>
                 </a:solidFill>
                 <a:effectLst/>
-                <a:latin typeface="Consolas" panose="020B0609020204030204" pitchFamily="49" charset="0"/>
+                <a:latin typeface="빙그레 메로나체" panose="020B0503000000000000" pitchFamily="50" charset="-127"/>
+                <a:ea typeface="빙그레 메로나체" panose="020B0503000000000000" pitchFamily="50" charset="-127"/>
               </a:rPr>
               <a:t>,</a:t>
             </a:r>
@@ -21701,7 +24394,8 @@
                   <a:srgbClr val="F07178"/>
                 </a:solidFill>
                 <a:effectLst/>
-                <a:latin typeface="Consolas" panose="020B0609020204030204" pitchFamily="49" charset="0"/>
+                <a:latin typeface="빙그레 메로나체" panose="020B0503000000000000" pitchFamily="50" charset="-127"/>
+                <a:ea typeface="빙그레 메로나체" panose="020B0503000000000000" pitchFamily="50" charset="-127"/>
               </a:rPr>
               <a:t> [</a:t>
             </a:r>
@@ -21722,7 +24416,8 @@
                   <a:srgbClr val="F07178"/>
                 </a:solidFill>
                 <a:effectLst/>
-                <a:latin typeface="Consolas" panose="020B0609020204030204" pitchFamily="49" charset="0"/>
+                <a:latin typeface="빙그레 메로나체" panose="020B0503000000000000" pitchFamily="50" charset="-127"/>
+                <a:ea typeface="빙그레 메로나체" panose="020B0503000000000000" pitchFamily="50" charset="-127"/>
               </a:rPr>
               <a:t>])</a:t>
             </a:r>
@@ -21732,7 +24427,8 @@
                   <a:srgbClr val="89DDFF"/>
                 </a:solidFill>
                 <a:effectLst/>
-                <a:latin typeface="Consolas" panose="020B0609020204030204" pitchFamily="49" charset="0"/>
+                <a:latin typeface="빙그레 메로나체" panose="020B0503000000000000" pitchFamily="50" charset="-127"/>
+                <a:ea typeface="빙그레 메로나체" panose="020B0503000000000000" pitchFamily="50" charset="-127"/>
               </a:rPr>
               <a:t>;</a:t>
             </a:r>
@@ -21741,7 +24437,8 @@
                 <a:srgbClr val="EEFFFF"/>
               </a:solidFill>
               <a:effectLst/>
-              <a:latin typeface="Consolas" panose="020B0609020204030204" pitchFamily="49" charset="0"/>
+              <a:latin typeface="빙그레 메로나체" panose="020B0503000000000000" pitchFamily="50" charset="-127"/>
+              <a:ea typeface="빙그레 메로나체" panose="020B0503000000000000" pitchFamily="50" charset="-127"/>
             </a:endParaRPr>
           </a:p>
           <a:p>
@@ -24267,7 +26964,10 @@
             <a:lstStyle/>
             <a:p>
               <a:pPr algn="ctr"/>
-              <a:endParaRPr lang="ko-KR" altLang="en-US"/>
+              <a:endParaRPr lang="ko-KR" altLang="en-US">
+                <a:latin typeface="빙그레 메로나체" panose="020B0503000000000000" pitchFamily="50" charset="-127"/>
+                <a:ea typeface="빙그레 메로나체" panose="020B0503000000000000" pitchFamily="50" charset="-127"/>
+              </a:endParaRPr>
             </a:p>
           </p:txBody>
         </p:sp>
@@ -24375,7 +27075,10 @@
             <a:lstStyle/>
             <a:p>
               <a:pPr algn="ctr"/>
-              <a:endParaRPr lang="ko-KR" altLang="en-US"/>
+              <a:endParaRPr lang="ko-KR" altLang="en-US">
+                <a:latin typeface="빙그레 메로나체" panose="020B0503000000000000" pitchFamily="50" charset="-127"/>
+                <a:ea typeface="빙그레 메로나체" panose="020B0503000000000000" pitchFamily="50" charset="-127"/>
+              </a:endParaRPr>
             </a:p>
           </p:txBody>
         </p:sp>
@@ -24431,7 +27134,10 @@
           <a:lstStyle/>
           <a:p>
             <a:pPr algn="ctr"/>
-            <a:endParaRPr lang="ko-KR" altLang="en-US"/>
+            <a:endParaRPr lang="ko-KR" altLang="en-US">
+              <a:latin typeface="빙그레 메로나체" panose="020B0503000000000000" pitchFamily="50" charset="-127"/>
+              <a:ea typeface="빙그레 메로나체" panose="020B0503000000000000" pitchFamily="50" charset="-127"/>
+            </a:endParaRPr>
           </a:p>
         </p:txBody>
       </p:sp>
@@ -26635,7 +29341,8 @@
                   <a:srgbClr val="89DDFF"/>
                 </a:solidFill>
                 <a:effectLst/>
-                <a:latin typeface="Consolas" panose="020B0609020204030204" pitchFamily="49" charset="0"/>
+                <a:latin typeface="빙그레 메로나체" panose="020B0503000000000000" pitchFamily="50" charset="-127"/>
+                <a:ea typeface="빙그레 메로나체" panose="020B0503000000000000" pitchFamily="50" charset="-127"/>
               </a:rPr>
               <a:t>import</a:t>
             </a:r>
@@ -26645,7 +29352,8 @@
                   <a:srgbClr val="EEFFFF"/>
                 </a:solidFill>
                 <a:effectLst/>
-                <a:latin typeface="Consolas" panose="020B0609020204030204" pitchFamily="49" charset="0"/>
+                <a:latin typeface="빙그레 메로나체" panose="020B0503000000000000" pitchFamily="50" charset="-127"/>
+                <a:ea typeface="빙그레 메로나체" panose="020B0503000000000000" pitchFamily="50" charset="-127"/>
               </a:rPr>
               <a:t> React</a:t>
             </a:r>
@@ -26655,7 +29363,8 @@
                   <a:srgbClr val="89DDFF"/>
                 </a:solidFill>
                 <a:effectLst/>
-                <a:latin typeface="Consolas" panose="020B0609020204030204" pitchFamily="49" charset="0"/>
+                <a:latin typeface="빙그레 메로나체" panose="020B0503000000000000" pitchFamily="50" charset="-127"/>
+                <a:ea typeface="빙그레 메로나체" panose="020B0503000000000000" pitchFamily="50" charset="-127"/>
               </a:rPr>
               <a:t>,</a:t>
             </a:r>
@@ -26665,7 +29374,8 @@
                   <a:srgbClr val="EEFFFF"/>
                 </a:solidFill>
                 <a:effectLst/>
-                <a:latin typeface="Consolas" panose="020B0609020204030204" pitchFamily="49" charset="0"/>
+                <a:latin typeface="빙그레 메로나체" panose="020B0503000000000000" pitchFamily="50" charset="-127"/>
+                <a:ea typeface="빙그레 메로나체" panose="020B0503000000000000" pitchFamily="50" charset="-127"/>
               </a:rPr>
               <a:t> </a:t>
             </a:r>
@@ -26675,7 +29385,8 @@
                   <a:srgbClr val="89DDFF"/>
                 </a:solidFill>
                 <a:effectLst/>
-                <a:latin typeface="Consolas" panose="020B0609020204030204" pitchFamily="49" charset="0"/>
+                <a:latin typeface="빙그레 메로나체" panose="020B0503000000000000" pitchFamily="50" charset="-127"/>
+                <a:ea typeface="빙그레 메로나체" panose="020B0503000000000000" pitchFamily="50" charset="-127"/>
               </a:rPr>
               <a:t>{</a:t>
             </a:r>
@@ -26685,7 +29396,8 @@
                   <a:srgbClr val="F07178"/>
                 </a:solidFill>
                 <a:effectLst/>
-                <a:latin typeface="Consolas" panose="020B0609020204030204" pitchFamily="49" charset="0"/>
+                <a:latin typeface="빙그레 메로나체" panose="020B0503000000000000" pitchFamily="50" charset="-127"/>
+                <a:ea typeface="빙그레 메로나체" panose="020B0503000000000000" pitchFamily="50" charset="-127"/>
               </a:rPr>
               <a:t> </a:t>
             </a:r>
@@ -26695,7 +29407,8 @@
                   <a:srgbClr val="EEFFFF"/>
                 </a:solidFill>
                 <a:effectLst/>
-                <a:latin typeface="Consolas" panose="020B0609020204030204" pitchFamily="49" charset="0"/>
+                <a:latin typeface="빙그레 메로나체" panose="020B0503000000000000" pitchFamily="50" charset="-127"/>
+                <a:ea typeface="빙그레 메로나체" panose="020B0503000000000000" pitchFamily="50" charset="-127"/>
               </a:rPr>
               <a:t>useRef</a:t>
             </a:r>
@@ -26705,7 +29418,8 @@
                   <a:srgbClr val="F07178"/>
                 </a:solidFill>
                 <a:effectLst/>
-                <a:latin typeface="Consolas" panose="020B0609020204030204" pitchFamily="49" charset="0"/>
+                <a:latin typeface="빙그레 메로나체" panose="020B0503000000000000" pitchFamily="50" charset="-127"/>
+                <a:ea typeface="빙그레 메로나체" panose="020B0503000000000000" pitchFamily="50" charset="-127"/>
               </a:rPr>
               <a:t> </a:t>
             </a:r>
@@ -26715,7 +29429,8 @@
                   <a:srgbClr val="89DDFF"/>
                 </a:solidFill>
                 <a:effectLst/>
-                <a:latin typeface="Consolas" panose="020B0609020204030204" pitchFamily="49" charset="0"/>
+                <a:latin typeface="빙그레 메로나체" panose="020B0503000000000000" pitchFamily="50" charset="-127"/>
+                <a:ea typeface="빙그레 메로나체" panose="020B0503000000000000" pitchFamily="50" charset="-127"/>
               </a:rPr>
               <a:t>}</a:t>
             </a:r>
@@ -26725,7 +29440,8 @@
                   <a:srgbClr val="EEFFFF"/>
                 </a:solidFill>
                 <a:effectLst/>
-                <a:latin typeface="Consolas" panose="020B0609020204030204" pitchFamily="49" charset="0"/>
+                <a:latin typeface="빙그레 메로나체" panose="020B0503000000000000" pitchFamily="50" charset="-127"/>
+                <a:ea typeface="빙그레 메로나체" panose="020B0503000000000000" pitchFamily="50" charset="-127"/>
               </a:rPr>
               <a:t> </a:t>
             </a:r>
@@ -26735,7 +29451,8 @@
                   <a:srgbClr val="89DDFF"/>
                 </a:solidFill>
                 <a:effectLst/>
-                <a:latin typeface="Consolas" panose="020B0609020204030204" pitchFamily="49" charset="0"/>
+                <a:latin typeface="빙그레 메로나체" panose="020B0503000000000000" pitchFamily="50" charset="-127"/>
+                <a:ea typeface="빙그레 메로나체" panose="020B0503000000000000" pitchFamily="50" charset="-127"/>
               </a:rPr>
               <a:t>from</a:t>
             </a:r>
@@ -26745,7 +29462,8 @@
                   <a:srgbClr val="EEFFFF"/>
                 </a:solidFill>
                 <a:effectLst/>
-                <a:latin typeface="Consolas" panose="020B0609020204030204" pitchFamily="49" charset="0"/>
+                <a:latin typeface="빙그레 메로나체" panose="020B0503000000000000" pitchFamily="50" charset="-127"/>
+                <a:ea typeface="빙그레 메로나체" panose="020B0503000000000000" pitchFamily="50" charset="-127"/>
               </a:rPr>
               <a:t> </a:t>
             </a:r>
@@ -26755,7 +29473,8 @@
                   <a:srgbClr val="89DDFF"/>
                 </a:solidFill>
                 <a:effectLst/>
-                <a:latin typeface="Consolas" panose="020B0609020204030204" pitchFamily="49" charset="0"/>
+                <a:latin typeface="빙그레 메로나체" panose="020B0503000000000000" pitchFamily="50" charset="-127"/>
+                <a:ea typeface="빙그레 메로나체" panose="020B0503000000000000" pitchFamily="50" charset="-127"/>
               </a:rPr>
               <a:t>"</a:t>
             </a:r>
@@ -26765,7 +29484,8 @@
                   <a:srgbClr val="C3E88D"/>
                 </a:solidFill>
                 <a:effectLst/>
-                <a:latin typeface="Consolas" panose="020B0609020204030204" pitchFamily="49" charset="0"/>
+                <a:latin typeface="빙그레 메로나체" panose="020B0503000000000000" pitchFamily="50" charset="-127"/>
+                <a:ea typeface="빙그레 메로나체" panose="020B0503000000000000" pitchFamily="50" charset="-127"/>
               </a:rPr>
               <a:t>react</a:t>
             </a:r>
@@ -26775,7 +29495,8 @@
                   <a:srgbClr val="89DDFF"/>
                 </a:solidFill>
                 <a:effectLst/>
-                <a:latin typeface="Consolas" panose="020B0609020204030204" pitchFamily="49" charset="0"/>
+                <a:latin typeface="빙그레 메로나체" panose="020B0503000000000000" pitchFamily="50" charset="-127"/>
+                <a:ea typeface="빙그레 메로나체" panose="020B0503000000000000" pitchFamily="50" charset="-127"/>
               </a:rPr>
               <a:t>";</a:t>
             </a:r>
@@ -26784,7 +29505,8 @@
                 <a:srgbClr val="EEFFFF"/>
               </a:solidFill>
               <a:effectLst/>
-              <a:latin typeface="Consolas" panose="020B0609020204030204" pitchFamily="49" charset="0"/>
+              <a:latin typeface="빙그레 메로나체" panose="020B0503000000000000" pitchFamily="50" charset="-127"/>
+              <a:ea typeface="빙그레 메로나체" panose="020B0503000000000000" pitchFamily="50" charset="-127"/>
             </a:endParaRPr>
           </a:p>
           <a:p>
@@ -26794,7 +29516,8 @@
                   <a:srgbClr val="EEFFFF"/>
                 </a:solidFill>
                 <a:effectLst/>
-                <a:latin typeface="Consolas" panose="020B0609020204030204" pitchFamily="49" charset="0"/>
+                <a:latin typeface="빙그레 메로나체" panose="020B0503000000000000" pitchFamily="50" charset="-127"/>
+                <a:ea typeface="빙그레 메로나체" panose="020B0503000000000000" pitchFamily="50" charset="-127"/>
               </a:rPr>
             </a:br>
             <a:r>
@@ -26803,7 +29526,8 @@
                   <a:srgbClr val="C792EA"/>
                 </a:solidFill>
                 <a:effectLst/>
-                <a:latin typeface="Consolas" panose="020B0609020204030204" pitchFamily="49" charset="0"/>
+                <a:latin typeface="빙그레 메로나체" panose="020B0503000000000000" pitchFamily="50" charset="-127"/>
+                <a:ea typeface="빙그레 메로나체" panose="020B0503000000000000" pitchFamily="50" charset="-127"/>
               </a:rPr>
               <a:t>const</a:t>
             </a:r>
@@ -26813,7 +29537,8 @@
                   <a:srgbClr val="EEFFFF"/>
                 </a:solidFill>
                 <a:effectLst/>
-                <a:latin typeface="Consolas" panose="020B0609020204030204" pitchFamily="49" charset="0"/>
+                <a:latin typeface="빙그레 메로나체" panose="020B0503000000000000" pitchFamily="50" charset="-127"/>
+                <a:ea typeface="빙그레 메로나체" panose="020B0503000000000000" pitchFamily="50" charset="-127"/>
               </a:rPr>
               <a:t> </a:t>
             </a:r>
@@ -26823,7 +29548,8 @@
                   <a:srgbClr val="82AAFF"/>
                 </a:solidFill>
                 <a:effectLst/>
-                <a:latin typeface="Consolas" panose="020B0609020204030204" pitchFamily="49" charset="0"/>
+                <a:latin typeface="빙그레 메로나체" panose="020B0503000000000000" pitchFamily="50" charset="-127"/>
+                <a:ea typeface="빙그레 메로나체" panose="020B0503000000000000" pitchFamily="50" charset="-127"/>
               </a:rPr>
               <a:t>App</a:t>
             </a:r>
@@ -26833,7 +29559,8 @@
                   <a:srgbClr val="EEFFFF"/>
                 </a:solidFill>
                 <a:effectLst/>
-                <a:latin typeface="Consolas" panose="020B0609020204030204" pitchFamily="49" charset="0"/>
+                <a:latin typeface="빙그레 메로나체" panose="020B0503000000000000" pitchFamily="50" charset="-127"/>
+                <a:ea typeface="빙그레 메로나체" panose="020B0503000000000000" pitchFamily="50" charset="-127"/>
               </a:rPr>
               <a:t> </a:t>
             </a:r>
@@ -26843,7 +29570,8 @@
                   <a:srgbClr val="89DDFF"/>
                 </a:solidFill>
                 <a:effectLst/>
-                <a:latin typeface="Consolas" panose="020B0609020204030204" pitchFamily="49" charset="0"/>
+                <a:latin typeface="빙그레 메로나체" panose="020B0503000000000000" pitchFamily="50" charset="-127"/>
+                <a:ea typeface="빙그레 메로나체" panose="020B0503000000000000" pitchFamily="50" charset="-127"/>
               </a:rPr>
               <a:t>=</a:t>
             </a:r>
@@ -26853,7 +29581,8 @@
                   <a:srgbClr val="EEFFFF"/>
                 </a:solidFill>
                 <a:effectLst/>
-                <a:latin typeface="Consolas" panose="020B0609020204030204" pitchFamily="49" charset="0"/>
+                <a:latin typeface="빙그레 메로나체" panose="020B0503000000000000" pitchFamily="50" charset="-127"/>
+                <a:ea typeface="빙그레 메로나체" panose="020B0503000000000000" pitchFamily="50" charset="-127"/>
               </a:rPr>
               <a:t> </a:t>
             </a:r>
@@ -26863,7 +29592,8 @@
                   <a:srgbClr val="89DDFF"/>
                 </a:solidFill>
                 <a:effectLst/>
-                <a:latin typeface="Consolas" panose="020B0609020204030204" pitchFamily="49" charset="0"/>
+                <a:latin typeface="빙그레 메로나체" panose="020B0503000000000000" pitchFamily="50" charset="-127"/>
+                <a:ea typeface="빙그레 메로나체" panose="020B0503000000000000" pitchFamily="50" charset="-127"/>
               </a:rPr>
               <a:t>()</a:t>
             </a:r>
@@ -26873,7 +29603,8 @@
                   <a:srgbClr val="EEFFFF"/>
                 </a:solidFill>
                 <a:effectLst/>
-                <a:latin typeface="Consolas" panose="020B0609020204030204" pitchFamily="49" charset="0"/>
+                <a:latin typeface="빙그레 메로나체" panose="020B0503000000000000" pitchFamily="50" charset="-127"/>
+                <a:ea typeface="빙그레 메로나체" panose="020B0503000000000000" pitchFamily="50" charset="-127"/>
               </a:rPr>
               <a:t> </a:t>
             </a:r>
@@ -26883,7 +29614,8 @@
                   <a:srgbClr val="C792EA"/>
                 </a:solidFill>
                 <a:effectLst/>
-                <a:latin typeface="Consolas" panose="020B0609020204030204" pitchFamily="49" charset="0"/>
+                <a:latin typeface="빙그레 메로나체" panose="020B0503000000000000" pitchFamily="50" charset="-127"/>
+                <a:ea typeface="빙그레 메로나체" panose="020B0503000000000000" pitchFamily="50" charset="-127"/>
               </a:rPr>
               <a:t>=&gt;</a:t>
             </a:r>
@@ -26893,7 +29625,8 @@
                   <a:srgbClr val="EEFFFF"/>
                 </a:solidFill>
                 <a:effectLst/>
-                <a:latin typeface="Consolas" panose="020B0609020204030204" pitchFamily="49" charset="0"/>
+                <a:latin typeface="빙그레 메로나체" panose="020B0503000000000000" pitchFamily="50" charset="-127"/>
+                <a:ea typeface="빙그레 메로나체" panose="020B0503000000000000" pitchFamily="50" charset="-127"/>
               </a:rPr>
               <a:t> </a:t>
             </a:r>
@@ -26903,7 +29636,8 @@
                   <a:srgbClr val="89DDFF"/>
                 </a:solidFill>
                 <a:effectLst/>
-                <a:latin typeface="Consolas" panose="020B0609020204030204" pitchFamily="49" charset="0"/>
+                <a:latin typeface="빙그레 메로나체" panose="020B0503000000000000" pitchFamily="50" charset="-127"/>
+                <a:ea typeface="빙그레 메로나체" panose="020B0503000000000000" pitchFamily="50" charset="-127"/>
               </a:rPr>
               <a:t>{</a:t>
             </a:r>
@@ -26912,7 +29646,8 @@
                 <a:srgbClr val="EEFFFF"/>
               </a:solidFill>
               <a:effectLst/>
-              <a:latin typeface="Consolas" panose="020B0609020204030204" pitchFamily="49" charset="0"/>
+              <a:latin typeface="빙그레 메로나체" panose="020B0503000000000000" pitchFamily="50" charset="-127"/>
+              <a:ea typeface="빙그레 메로나체" panose="020B0503000000000000" pitchFamily="50" charset="-127"/>
             </a:endParaRPr>
           </a:p>
           <a:p>
@@ -26922,7 +29657,8 @@
                   <a:srgbClr val="F07178"/>
                 </a:solidFill>
                 <a:effectLst/>
-                <a:latin typeface="Consolas" panose="020B0609020204030204" pitchFamily="49" charset="0"/>
+                <a:latin typeface="빙그레 메로나체" panose="020B0503000000000000" pitchFamily="50" charset="-127"/>
+                <a:ea typeface="빙그레 메로나체" panose="020B0503000000000000" pitchFamily="50" charset="-127"/>
               </a:rPr>
               <a:t>  </a:t>
             </a:r>
@@ -26932,7 +29668,8 @@
                   <a:srgbClr val="C792EA"/>
                 </a:solidFill>
                 <a:effectLst/>
-                <a:latin typeface="Consolas" panose="020B0609020204030204" pitchFamily="49" charset="0"/>
+                <a:latin typeface="빙그레 메로나체" panose="020B0503000000000000" pitchFamily="50" charset="-127"/>
+                <a:ea typeface="빙그레 메로나체" panose="020B0503000000000000" pitchFamily="50" charset="-127"/>
               </a:rPr>
               <a:t>const</a:t>
             </a:r>
@@ -26942,7 +29679,8 @@
                   <a:srgbClr val="F07178"/>
                 </a:solidFill>
                 <a:effectLst/>
-                <a:latin typeface="Consolas" panose="020B0609020204030204" pitchFamily="49" charset="0"/>
+                <a:latin typeface="빙그레 메로나체" panose="020B0503000000000000" pitchFamily="50" charset="-127"/>
+                <a:ea typeface="빙그레 메로나체" panose="020B0503000000000000" pitchFamily="50" charset="-127"/>
               </a:rPr>
               <a:t> </a:t>
             </a:r>
@@ -26952,7 +29690,8 @@
                   <a:srgbClr val="EEFFFF"/>
                 </a:solidFill>
                 <a:effectLst/>
-                <a:latin typeface="Consolas" panose="020B0609020204030204" pitchFamily="49" charset="0"/>
+                <a:latin typeface="빙그레 메로나체" panose="020B0503000000000000" pitchFamily="50" charset="-127"/>
+                <a:ea typeface="빙그레 메로나체" panose="020B0503000000000000" pitchFamily="50" charset="-127"/>
               </a:rPr>
               <a:t>valueRef</a:t>
             </a:r>
@@ -26962,7 +29701,8 @@
                   <a:srgbClr val="F07178"/>
                 </a:solidFill>
                 <a:effectLst/>
-                <a:latin typeface="Consolas" panose="020B0609020204030204" pitchFamily="49" charset="0"/>
+                <a:latin typeface="빙그레 메로나체" panose="020B0503000000000000" pitchFamily="50" charset="-127"/>
+                <a:ea typeface="빙그레 메로나체" panose="020B0503000000000000" pitchFamily="50" charset="-127"/>
               </a:rPr>
               <a:t> </a:t>
             </a:r>
@@ -26972,7 +29712,8 @@
                   <a:srgbClr val="89DDFF"/>
                 </a:solidFill>
                 <a:effectLst/>
-                <a:latin typeface="Consolas" panose="020B0609020204030204" pitchFamily="49" charset="0"/>
+                <a:latin typeface="빙그레 메로나체" panose="020B0503000000000000" pitchFamily="50" charset="-127"/>
+                <a:ea typeface="빙그레 메로나체" panose="020B0503000000000000" pitchFamily="50" charset="-127"/>
               </a:rPr>
               <a:t>=</a:t>
             </a:r>
@@ -26982,7 +29723,8 @@
                   <a:srgbClr val="F07178"/>
                 </a:solidFill>
                 <a:effectLst/>
-                <a:latin typeface="Consolas" panose="020B0609020204030204" pitchFamily="49" charset="0"/>
+                <a:latin typeface="빙그레 메로나체" panose="020B0503000000000000" pitchFamily="50" charset="-127"/>
+                <a:ea typeface="빙그레 메로나체" panose="020B0503000000000000" pitchFamily="50" charset="-127"/>
               </a:rPr>
               <a:t> </a:t>
             </a:r>
@@ -26992,7 +29734,8 @@
                   <a:srgbClr val="82AAFF"/>
                 </a:solidFill>
                 <a:effectLst/>
-                <a:latin typeface="Consolas" panose="020B0609020204030204" pitchFamily="49" charset="0"/>
+                <a:latin typeface="빙그레 메로나체" panose="020B0503000000000000" pitchFamily="50" charset="-127"/>
+                <a:ea typeface="빙그레 메로나체" panose="020B0503000000000000" pitchFamily="50" charset="-127"/>
               </a:rPr>
               <a:t>useRef</a:t>
             </a:r>
@@ -27002,7 +29745,8 @@
                   <a:srgbClr val="F07178"/>
                 </a:solidFill>
                 <a:effectLst/>
-                <a:latin typeface="Consolas" panose="020B0609020204030204" pitchFamily="49" charset="0"/>
+                <a:latin typeface="빙그레 메로나체" panose="020B0503000000000000" pitchFamily="50" charset="-127"/>
+                <a:ea typeface="빙그레 메로나체" panose="020B0503000000000000" pitchFamily="50" charset="-127"/>
               </a:rPr>
               <a:t>(</a:t>
             </a:r>
@@ -27012,7 +29756,8 @@
                   <a:srgbClr val="F78C6C"/>
                 </a:solidFill>
                 <a:effectLst/>
-                <a:latin typeface="Consolas" panose="020B0609020204030204" pitchFamily="49" charset="0"/>
+                <a:latin typeface="빙그레 메로나체" panose="020B0503000000000000" pitchFamily="50" charset="-127"/>
+                <a:ea typeface="빙그레 메로나체" panose="020B0503000000000000" pitchFamily="50" charset="-127"/>
               </a:rPr>
               <a:t>10</a:t>
             </a:r>
@@ -27022,7 +29767,8 @@
                   <a:srgbClr val="F07178"/>
                 </a:solidFill>
                 <a:effectLst/>
-                <a:latin typeface="Consolas" panose="020B0609020204030204" pitchFamily="49" charset="0"/>
+                <a:latin typeface="빙그레 메로나체" panose="020B0503000000000000" pitchFamily="50" charset="-127"/>
+                <a:ea typeface="빙그레 메로나체" panose="020B0503000000000000" pitchFamily="50" charset="-127"/>
               </a:rPr>
               <a:t>)</a:t>
             </a:r>
@@ -27032,7 +29778,8 @@
                   <a:srgbClr val="89DDFF"/>
                 </a:solidFill>
                 <a:effectLst/>
-                <a:latin typeface="Consolas" panose="020B0609020204030204" pitchFamily="49" charset="0"/>
+                <a:latin typeface="빙그레 메로나체" panose="020B0503000000000000" pitchFamily="50" charset="-127"/>
+                <a:ea typeface="빙그레 메로나체" panose="020B0503000000000000" pitchFamily="50" charset="-127"/>
               </a:rPr>
               <a:t>;</a:t>
             </a:r>
@@ -27041,7 +29788,8 @@
                 <a:srgbClr val="EEFFFF"/>
               </a:solidFill>
               <a:effectLst/>
-              <a:latin typeface="Consolas" panose="020B0609020204030204" pitchFamily="49" charset="0"/>
+              <a:latin typeface="빙그레 메로나체" panose="020B0503000000000000" pitchFamily="50" charset="-127"/>
+              <a:ea typeface="빙그레 메로나체" panose="020B0503000000000000" pitchFamily="50" charset="-127"/>
             </a:endParaRPr>
           </a:p>
           <a:p>
@@ -27051,7 +29799,8 @@
                   <a:srgbClr val="F07178"/>
                 </a:solidFill>
                 <a:effectLst/>
-                <a:latin typeface="Consolas" panose="020B0609020204030204" pitchFamily="49" charset="0"/>
+                <a:latin typeface="빙그레 메로나체" panose="020B0503000000000000" pitchFamily="50" charset="-127"/>
+                <a:ea typeface="빙그레 메로나체" panose="020B0503000000000000" pitchFamily="50" charset="-127"/>
               </a:rPr>
               <a:t>  </a:t>
             </a:r>
@@ -27061,7 +29810,8 @@
                   <a:srgbClr val="EEFFFF"/>
                 </a:solidFill>
                 <a:effectLst/>
-                <a:latin typeface="Consolas" panose="020B0609020204030204" pitchFamily="49" charset="0"/>
+                <a:latin typeface="빙그레 메로나체" panose="020B0503000000000000" pitchFamily="50" charset="-127"/>
+                <a:ea typeface="빙그레 메로나체" panose="020B0503000000000000" pitchFamily="50" charset="-127"/>
               </a:rPr>
               <a:t>console</a:t>
             </a:r>
@@ -27071,7 +29821,8 @@
                   <a:srgbClr val="89DDFF"/>
                 </a:solidFill>
                 <a:effectLst/>
-                <a:latin typeface="Consolas" panose="020B0609020204030204" pitchFamily="49" charset="0"/>
+                <a:latin typeface="빙그레 메로나체" panose="020B0503000000000000" pitchFamily="50" charset="-127"/>
+                <a:ea typeface="빙그레 메로나체" panose="020B0503000000000000" pitchFamily="50" charset="-127"/>
               </a:rPr>
               <a:t>.</a:t>
             </a:r>
@@ -27081,7 +29832,8 @@
                   <a:srgbClr val="82AAFF"/>
                 </a:solidFill>
                 <a:effectLst/>
-                <a:latin typeface="Consolas" panose="020B0609020204030204" pitchFamily="49" charset="0"/>
+                <a:latin typeface="빙그레 메로나체" panose="020B0503000000000000" pitchFamily="50" charset="-127"/>
+                <a:ea typeface="빙그레 메로나체" panose="020B0503000000000000" pitchFamily="50" charset="-127"/>
               </a:rPr>
               <a:t>log</a:t>
             </a:r>
@@ -27091,7 +29843,8 @@
                   <a:srgbClr val="F07178"/>
                 </a:solidFill>
                 <a:effectLst/>
-                <a:latin typeface="Consolas" panose="020B0609020204030204" pitchFamily="49" charset="0"/>
+                <a:latin typeface="빙그레 메로나체" panose="020B0503000000000000" pitchFamily="50" charset="-127"/>
+                <a:ea typeface="빙그레 메로나체" panose="020B0503000000000000" pitchFamily="50" charset="-127"/>
               </a:rPr>
               <a:t>(</a:t>
             </a:r>
@@ -27101,7 +29854,8 @@
                   <a:srgbClr val="EEFFFF"/>
                 </a:solidFill>
                 <a:effectLst/>
-                <a:latin typeface="Consolas" panose="020B0609020204030204" pitchFamily="49" charset="0"/>
+                <a:latin typeface="빙그레 메로나체" panose="020B0503000000000000" pitchFamily="50" charset="-127"/>
+                <a:ea typeface="빙그레 메로나체" panose="020B0503000000000000" pitchFamily="50" charset="-127"/>
               </a:rPr>
               <a:t>valueRef</a:t>
             </a:r>
@@ -27111,7 +29865,8 @@
                   <a:srgbClr val="F07178"/>
                 </a:solidFill>
                 <a:effectLst/>
-                <a:latin typeface="Consolas" panose="020B0609020204030204" pitchFamily="49" charset="0"/>
+                <a:latin typeface="빙그레 메로나체" panose="020B0503000000000000" pitchFamily="50" charset="-127"/>
+                <a:ea typeface="빙그레 메로나체" panose="020B0503000000000000" pitchFamily="50" charset="-127"/>
               </a:rPr>
               <a:t>)</a:t>
             </a:r>
@@ -27121,7 +29876,8 @@
                   <a:srgbClr val="89DDFF"/>
                 </a:solidFill>
                 <a:effectLst/>
-                <a:latin typeface="Consolas" panose="020B0609020204030204" pitchFamily="49" charset="0"/>
+                <a:latin typeface="빙그레 메로나체" panose="020B0503000000000000" pitchFamily="50" charset="-127"/>
+                <a:ea typeface="빙그레 메로나체" panose="020B0503000000000000" pitchFamily="50" charset="-127"/>
               </a:rPr>
               <a:t>;</a:t>
             </a:r>
@@ -27130,7 +29886,8 @@
                 <a:srgbClr val="EEFFFF"/>
               </a:solidFill>
               <a:effectLst/>
-              <a:latin typeface="Consolas" panose="020B0609020204030204" pitchFamily="49" charset="0"/>
+              <a:latin typeface="빙그레 메로나체" panose="020B0503000000000000" pitchFamily="50" charset="-127"/>
+              <a:ea typeface="빙그레 메로나체" panose="020B0503000000000000" pitchFamily="50" charset="-127"/>
             </a:endParaRPr>
           </a:p>
           <a:p>
@@ -27140,7 +29897,8 @@
                   <a:srgbClr val="EEFFFF"/>
                 </a:solidFill>
                 <a:effectLst/>
-                <a:latin typeface="Consolas" panose="020B0609020204030204" pitchFamily="49" charset="0"/>
+                <a:latin typeface="빙그레 메로나체" panose="020B0503000000000000" pitchFamily="50" charset="-127"/>
+                <a:ea typeface="빙그레 메로나체" panose="020B0503000000000000" pitchFamily="50" charset="-127"/>
               </a:rPr>
             </a:br>
             <a:r>
@@ -27149,7 +29907,8 @@
                   <a:srgbClr val="F07178"/>
                 </a:solidFill>
                 <a:effectLst/>
-                <a:latin typeface="Consolas" panose="020B0609020204030204" pitchFamily="49" charset="0"/>
+                <a:latin typeface="빙그레 메로나체" panose="020B0503000000000000" pitchFamily="50" charset="-127"/>
+                <a:ea typeface="빙그레 메로나체" panose="020B0503000000000000" pitchFamily="50" charset="-127"/>
               </a:rPr>
               <a:t>  </a:t>
             </a:r>
@@ -27159,7 +29918,8 @@
                   <a:srgbClr val="89DDFF"/>
                 </a:solidFill>
                 <a:effectLst/>
-                <a:latin typeface="Consolas" panose="020B0609020204030204" pitchFamily="49" charset="0"/>
+                <a:latin typeface="빙그레 메로나체" panose="020B0503000000000000" pitchFamily="50" charset="-127"/>
+                <a:ea typeface="빙그레 메로나체" panose="020B0503000000000000" pitchFamily="50" charset="-127"/>
               </a:rPr>
               <a:t>return</a:t>
             </a:r>
@@ -27169,7 +29929,8 @@
                   <a:srgbClr val="F07178"/>
                 </a:solidFill>
                 <a:effectLst/>
-                <a:latin typeface="Consolas" panose="020B0609020204030204" pitchFamily="49" charset="0"/>
+                <a:latin typeface="빙그레 메로나체" panose="020B0503000000000000" pitchFamily="50" charset="-127"/>
+                <a:ea typeface="빙그레 메로나체" panose="020B0503000000000000" pitchFamily="50" charset="-127"/>
               </a:rPr>
               <a:t> </a:t>
             </a:r>
@@ -27179,7 +29940,8 @@
                   <a:srgbClr val="89DDFF"/>
                 </a:solidFill>
                 <a:effectLst/>
-                <a:latin typeface="Consolas" panose="020B0609020204030204" pitchFamily="49" charset="0"/>
+                <a:latin typeface="빙그레 메로나체" panose="020B0503000000000000" pitchFamily="50" charset="-127"/>
+                <a:ea typeface="빙그레 메로나체" panose="020B0503000000000000" pitchFamily="50" charset="-127"/>
               </a:rPr>
               <a:t>&lt;</a:t>
             </a:r>
@@ -27189,7 +29951,8 @@
                   <a:srgbClr val="F07178"/>
                 </a:solidFill>
                 <a:effectLst/>
-                <a:latin typeface="Consolas" panose="020B0609020204030204" pitchFamily="49" charset="0"/>
+                <a:latin typeface="빙그레 메로나체" panose="020B0503000000000000" pitchFamily="50" charset="-127"/>
+                <a:ea typeface="빙그레 메로나체" panose="020B0503000000000000" pitchFamily="50" charset="-127"/>
               </a:rPr>
               <a:t>div</a:t>
             </a:r>
@@ -27199,7 +29962,8 @@
                   <a:srgbClr val="89DDFF"/>
                 </a:solidFill>
                 <a:effectLst/>
-                <a:latin typeface="Consolas" panose="020B0609020204030204" pitchFamily="49" charset="0"/>
+                <a:latin typeface="빙그레 메로나체" panose="020B0503000000000000" pitchFamily="50" charset="-127"/>
+                <a:ea typeface="빙그레 메로나체" panose="020B0503000000000000" pitchFamily="50" charset="-127"/>
               </a:rPr>
               <a:t>&gt;{</a:t>
             </a:r>
@@ -27209,7 +29973,8 @@
                   <a:srgbClr val="EEFFFF"/>
                 </a:solidFill>
                 <a:effectLst/>
-                <a:latin typeface="Consolas" panose="020B0609020204030204" pitchFamily="49" charset="0"/>
+                <a:latin typeface="빙그레 메로나체" panose="020B0503000000000000" pitchFamily="50" charset="-127"/>
+                <a:ea typeface="빙그레 메로나체" panose="020B0503000000000000" pitchFamily="50" charset="-127"/>
               </a:rPr>
               <a:t>valueRef</a:t>
             </a:r>
@@ -27219,7 +29984,8 @@
                   <a:srgbClr val="89DDFF"/>
                 </a:solidFill>
                 <a:effectLst/>
-                <a:latin typeface="Consolas" panose="020B0609020204030204" pitchFamily="49" charset="0"/>
+                <a:latin typeface="빙그레 메로나체" panose="020B0503000000000000" pitchFamily="50" charset="-127"/>
+                <a:ea typeface="빙그레 메로나체" panose="020B0503000000000000" pitchFamily="50" charset="-127"/>
               </a:rPr>
               <a:t>.</a:t>
             </a:r>
@@ -27229,7 +29995,8 @@
                   <a:srgbClr val="EEFFFF"/>
                 </a:solidFill>
                 <a:effectLst/>
-                <a:latin typeface="Consolas" panose="020B0609020204030204" pitchFamily="49" charset="0"/>
+                <a:latin typeface="빙그레 메로나체" panose="020B0503000000000000" pitchFamily="50" charset="-127"/>
+                <a:ea typeface="빙그레 메로나체" panose="020B0503000000000000" pitchFamily="50" charset="-127"/>
               </a:rPr>
               <a:t>current</a:t>
             </a:r>
@@ -27239,7 +30006,8 @@
                   <a:srgbClr val="89DDFF"/>
                 </a:solidFill>
                 <a:effectLst/>
-                <a:latin typeface="Consolas" panose="020B0609020204030204" pitchFamily="49" charset="0"/>
+                <a:latin typeface="빙그레 메로나체" panose="020B0503000000000000" pitchFamily="50" charset="-127"/>
+                <a:ea typeface="빙그레 메로나체" panose="020B0503000000000000" pitchFamily="50" charset="-127"/>
               </a:rPr>
               <a:t>}&lt;/</a:t>
             </a:r>
@@ -27249,7 +30017,8 @@
                   <a:srgbClr val="F07178"/>
                 </a:solidFill>
                 <a:effectLst/>
-                <a:latin typeface="Consolas" panose="020B0609020204030204" pitchFamily="49" charset="0"/>
+                <a:latin typeface="빙그레 메로나체" panose="020B0503000000000000" pitchFamily="50" charset="-127"/>
+                <a:ea typeface="빙그레 메로나체" panose="020B0503000000000000" pitchFamily="50" charset="-127"/>
               </a:rPr>
               <a:t>div</a:t>
             </a:r>
@@ -27259,7 +30028,8 @@
                   <a:srgbClr val="89DDFF"/>
                 </a:solidFill>
                 <a:effectLst/>
-                <a:latin typeface="Consolas" panose="020B0609020204030204" pitchFamily="49" charset="0"/>
+                <a:latin typeface="빙그레 메로나체" panose="020B0503000000000000" pitchFamily="50" charset="-127"/>
+                <a:ea typeface="빙그레 메로나체" panose="020B0503000000000000" pitchFamily="50" charset="-127"/>
               </a:rPr>
               <a:t>&gt;;</a:t>
             </a:r>
@@ -27268,7 +30038,8 @@
                 <a:srgbClr val="EEFFFF"/>
               </a:solidFill>
               <a:effectLst/>
-              <a:latin typeface="Consolas" panose="020B0609020204030204" pitchFamily="49" charset="0"/>
+              <a:latin typeface="빙그레 메로나체" panose="020B0503000000000000" pitchFamily="50" charset="-127"/>
+              <a:ea typeface="빙그레 메로나체" panose="020B0503000000000000" pitchFamily="50" charset="-127"/>
             </a:endParaRPr>
           </a:p>
           <a:p>
@@ -27278,7 +30049,8 @@
                   <a:srgbClr val="89DDFF"/>
                 </a:solidFill>
                 <a:effectLst/>
-                <a:latin typeface="Consolas" panose="020B0609020204030204" pitchFamily="49" charset="0"/>
+                <a:latin typeface="빙그레 메로나체" panose="020B0503000000000000" pitchFamily="50" charset="-127"/>
+                <a:ea typeface="빙그레 메로나체" panose="020B0503000000000000" pitchFamily="50" charset="-127"/>
               </a:rPr>
               <a:t>};</a:t>
             </a:r>
@@ -27287,7 +30059,8 @@
                 <a:srgbClr val="EEFFFF"/>
               </a:solidFill>
               <a:effectLst/>
-              <a:latin typeface="Consolas" panose="020B0609020204030204" pitchFamily="49" charset="0"/>
+              <a:latin typeface="빙그레 메로나체" panose="020B0503000000000000" pitchFamily="50" charset="-127"/>
+              <a:ea typeface="빙그레 메로나체" panose="020B0503000000000000" pitchFamily="50" charset="-127"/>
             </a:endParaRPr>
           </a:p>
           <a:p>
@@ -27297,7 +30070,8 @@
                   <a:srgbClr val="EEFFFF"/>
                 </a:solidFill>
                 <a:effectLst/>
-                <a:latin typeface="Consolas" panose="020B0609020204030204" pitchFamily="49" charset="0"/>
+                <a:latin typeface="빙그레 메로나체" panose="020B0503000000000000" pitchFamily="50" charset="-127"/>
+                <a:ea typeface="빙그레 메로나체" panose="020B0503000000000000" pitchFamily="50" charset="-127"/>
               </a:rPr>
             </a:br>
             <a:r>
@@ -27306,7 +30080,8 @@
                   <a:srgbClr val="89DDFF"/>
                 </a:solidFill>
                 <a:effectLst/>
-                <a:latin typeface="Consolas" panose="020B0609020204030204" pitchFamily="49" charset="0"/>
+                <a:latin typeface="빙그레 메로나체" panose="020B0503000000000000" pitchFamily="50" charset="-127"/>
+                <a:ea typeface="빙그레 메로나체" panose="020B0503000000000000" pitchFamily="50" charset="-127"/>
               </a:rPr>
               <a:t>export</a:t>
             </a:r>
@@ -27316,7 +30091,8 @@
                   <a:srgbClr val="EEFFFF"/>
                 </a:solidFill>
                 <a:effectLst/>
-                <a:latin typeface="Consolas" panose="020B0609020204030204" pitchFamily="49" charset="0"/>
+                <a:latin typeface="빙그레 메로나체" panose="020B0503000000000000" pitchFamily="50" charset="-127"/>
+                <a:ea typeface="빙그레 메로나체" panose="020B0503000000000000" pitchFamily="50" charset="-127"/>
               </a:rPr>
               <a:t> </a:t>
             </a:r>
@@ -27326,7 +30102,8 @@
                   <a:srgbClr val="89DDFF"/>
                 </a:solidFill>
                 <a:effectLst/>
-                <a:latin typeface="Consolas" panose="020B0609020204030204" pitchFamily="49" charset="0"/>
+                <a:latin typeface="빙그레 메로나체" panose="020B0503000000000000" pitchFamily="50" charset="-127"/>
+                <a:ea typeface="빙그레 메로나체" panose="020B0503000000000000" pitchFamily="50" charset="-127"/>
               </a:rPr>
               <a:t>default</a:t>
             </a:r>
@@ -27336,7 +30113,8 @@
                   <a:srgbClr val="EEFFFF"/>
                 </a:solidFill>
                 <a:effectLst/>
-                <a:latin typeface="Consolas" panose="020B0609020204030204" pitchFamily="49" charset="0"/>
+                <a:latin typeface="빙그레 메로나체" panose="020B0503000000000000" pitchFamily="50" charset="-127"/>
+                <a:ea typeface="빙그레 메로나체" panose="020B0503000000000000" pitchFamily="50" charset="-127"/>
               </a:rPr>
               <a:t> </a:t>
             </a:r>
@@ -27346,7 +30124,8 @@
                   <a:srgbClr val="82AAFF"/>
                 </a:solidFill>
                 <a:effectLst/>
-                <a:latin typeface="Consolas" panose="020B0609020204030204" pitchFamily="49" charset="0"/>
+                <a:latin typeface="빙그레 메로나체" panose="020B0503000000000000" pitchFamily="50" charset="-127"/>
+                <a:ea typeface="빙그레 메로나체" panose="020B0503000000000000" pitchFamily="50" charset="-127"/>
               </a:rPr>
               <a:t>App</a:t>
             </a:r>
@@ -27356,7 +30135,8 @@
                   <a:srgbClr val="89DDFF"/>
                 </a:solidFill>
                 <a:effectLst/>
-                <a:latin typeface="Consolas" panose="020B0609020204030204" pitchFamily="49" charset="0"/>
+                <a:latin typeface="빙그레 메로나체" panose="020B0503000000000000" pitchFamily="50" charset="-127"/>
+                <a:ea typeface="빙그레 메로나체" panose="020B0503000000000000" pitchFamily="50" charset="-127"/>
               </a:rPr>
               <a:t>;</a:t>
             </a:r>
@@ -27365,7 +30145,8 @@
                 <a:srgbClr val="EEFFFF"/>
               </a:solidFill>
               <a:effectLst/>
-              <a:latin typeface="Consolas" panose="020B0609020204030204" pitchFamily="49" charset="0"/>
+              <a:latin typeface="빙그레 메로나체" panose="020B0503000000000000" pitchFamily="50" charset="-127"/>
+              <a:ea typeface="빙그레 메로나체" panose="020B0503000000000000" pitchFamily="50" charset="-127"/>
             </a:endParaRPr>
           </a:p>
         </p:txBody>
